--- a/CV HORIZON-MODELO 2.pptx
+++ b/CV HORIZON-MODELO 2.pptx
@@ -3359,8 +3359,8 @@
         </p:nvGrpSpPr>
         <p:grpSpPr>
           <a:xfrm>
-            <a:off x="749902" y="630834"/>
-            <a:ext cx="1459897" cy="1459898"/>
+            <a:off x="316467" y="431976"/>
+            <a:ext cx="2602773" cy="2568228"/>
             <a:chOff x="0" y="0"/>
             <a:chExt cx="1027780" cy="1014139"/>
           </a:xfrm>
@@ -3555,7 +3555,7 @@
         <p:spPr>
           <a:xfrm>
             <a:off x="3519445" y="434668"/>
-            <a:ext cx="3185963" cy="538609"/>
+            <a:ext cx="3185963" cy="1524072"/>
           </a:xfrm>
           <a:prstGeom prst="rect">
             <a:avLst/>
@@ -3661,77 +3661,903 @@
             </a:lvl9pPr>
           </a:lstStyle>
           <a:p>
-            <a:r>
-              <a:rPr sz="1300" b="1" dirty="0">
-                <a:solidFill>
-                  <a:srgbClr val="58188B"/>
-                </a:solidFill>
+            <a:pPr>
+              <a:lnSpc>
+                <a:spcPts val="4031"/>
+              </a:lnSpc>
+            </a:pPr>
+            <a:r>
+              <a:rPr lang="en-US" sz="2879" b="1" dirty="0">
+                <a:solidFill>
+                  <a:srgbClr val="5C378C"/>
+                </a:solidFill>
+                <a:latin typeface="Poppins Bold"/>
+                <a:ea typeface="Poppins Bold"/>
+                <a:cs typeface="Poppins Bold"/>
+                <a:sym typeface="Poppins Bold"/>
               </a:rPr>
-              <a:t>COLABORADOR PROPUESTO –</a:t>
-            </a:r>
-            <a:r>
-              <a:rPr lang="es-AR" sz="1300" b="1" dirty="0">
-                <a:solidFill>
-                  <a:srgbClr val="58188B"/>
-                </a:solidFill>
+              <a:t>COLABORADOR PROPUESTO - </a:t>
+            </a:r>
+            <a:r>
+              <a:rPr lang="es-AR" sz="2879" b="1" dirty="0">
+                <a:solidFill>
+                  <a:srgbClr val="5C378C"/>
+                </a:solidFill>
+                <a:latin typeface="Poppins Bold"/>
+                <a:cs typeface="Poppins Bold"/>
               </a:rPr>
-              <a:t> Nombre</a:t>
-            </a:r>
-            <a:endParaRPr sz="1300" b="1" dirty="0">
+              <a:t>{{NOMBRE}}</a:t>
+            </a:r>
+            <a:endParaRPr lang="en-US" sz="2879" b="1" dirty="0">
               <a:solidFill>
-                <a:srgbClr val="58188B"/>
+                <a:srgbClr val="5C378C"/>
+              </a:solidFill>
+              <a:latin typeface="Poppins Bold"/>
+              <a:cs typeface="Poppins Bold"/>
+              <a:sym typeface="Poppins Bold"/>
+            </a:endParaRPr>
+          </a:p>
+        </p:txBody>
+      </p:sp>
+      <p:sp>
+        <p:nvSpPr>
+          <p:cNvPr id="13" name="TextBox 13"/>
+          <p:cNvSpPr txBox="1"/>
+          <p:nvPr/>
+        </p:nvSpPr>
+        <p:spPr>
+          <a:xfrm>
+            <a:off x="3507108" y="2369905"/>
+            <a:ext cx="3196675" cy="230832"/>
+          </a:xfrm>
+          <a:prstGeom prst="rect">
+            <a:avLst/>
+          </a:prstGeom>
+        </p:spPr>
+        <p:txBody>
+          <a:bodyPr wrap="square" lIns="0" tIns="0" rIns="0" bIns="0" rtlCol="0" anchor="t">
+            <a:spAutoFit/>
+          </a:bodyPr>
+          <a:lstStyle>
+            <a:defPPr>
+              <a:defRPr lang="en-US"/>
+            </a:defPPr>
+            <a:lvl1pPr marL="0" algn="l" defTabSz="839876" rtl="0" eaLnBrk="1" latinLnBrk="0" hangingPunct="1">
+              <a:defRPr sz="1653" kern="1200">
+                <a:solidFill>
+                  <a:schemeClr val="tx1"/>
+                </a:solidFill>
+                <a:latin typeface="+mn-lt"/>
+                <a:ea typeface="+mn-ea"/>
+                <a:cs typeface="+mn-cs"/>
+              </a:defRPr>
+            </a:lvl1pPr>
+            <a:lvl2pPr marL="419938" algn="l" defTabSz="839876" rtl="0" eaLnBrk="1" latinLnBrk="0" hangingPunct="1">
+              <a:defRPr sz="1653" kern="1200">
+                <a:solidFill>
+                  <a:schemeClr val="tx1"/>
+                </a:solidFill>
+                <a:latin typeface="+mn-lt"/>
+                <a:ea typeface="+mn-ea"/>
+                <a:cs typeface="+mn-cs"/>
+              </a:defRPr>
+            </a:lvl2pPr>
+            <a:lvl3pPr marL="839876" algn="l" defTabSz="839876" rtl="0" eaLnBrk="1" latinLnBrk="0" hangingPunct="1">
+              <a:defRPr sz="1653" kern="1200">
+                <a:solidFill>
+                  <a:schemeClr val="tx1"/>
+                </a:solidFill>
+                <a:latin typeface="+mn-lt"/>
+                <a:ea typeface="+mn-ea"/>
+                <a:cs typeface="+mn-cs"/>
+              </a:defRPr>
+            </a:lvl3pPr>
+            <a:lvl4pPr marL="1259815" algn="l" defTabSz="839876" rtl="0" eaLnBrk="1" latinLnBrk="0" hangingPunct="1">
+              <a:defRPr sz="1653" kern="1200">
+                <a:solidFill>
+                  <a:schemeClr val="tx1"/>
+                </a:solidFill>
+                <a:latin typeface="+mn-lt"/>
+                <a:ea typeface="+mn-ea"/>
+                <a:cs typeface="+mn-cs"/>
+              </a:defRPr>
+            </a:lvl4pPr>
+            <a:lvl5pPr marL="1679753" algn="l" defTabSz="839876" rtl="0" eaLnBrk="1" latinLnBrk="0" hangingPunct="1">
+              <a:defRPr sz="1653" kern="1200">
+                <a:solidFill>
+                  <a:schemeClr val="tx1"/>
+                </a:solidFill>
+                <a:latin typeface="+mn-lt"/>
+                <a:ea typeface="+mn-ea"/>
+                <a:cs typeface="+mn-cs"/>
+              </a:defRPr>
+            </a:lvl5pPr>
+            <a:lvl6pPr marL="2099691" algn="l" defTabSz="839876" rtl="0" eaLnBrk="1" latinLnBrk="0" hangingPunct="1">
+              <a:defRPr sz="1653" kern="1200">
+                <a:solidFill>
+                  <a:schemeClr val="tx1"/>
+                </a:solidFill>
+                <a:latin typeface="+mn-lt"/>
+                <a:ea typeface="+mn-ea"/>
+                <a:cs typeface="+mn-cs"/>
+              </a:defRPr>
+            </a:lvl6pPr>
+            <a:lvl7pPr marL="2519629" algn="l" defTabSz="839876" rtl="0" eaLnBrk="1" latinLnBrk="0" hangingPunct="1">
+              <a:defRPr sz="1653" kern="1200">
+                <a:solidFill>
+                  <a:schemeClr val="tx1"/>
+                </a:solidFill>
+                <a:latin typeface="+mn-lt"/>
+                <a:ea typeface="+mn-ea"/>
+                <a:cs typeface="+mn-cs"/>
+              </a:defRPr>
+            </a:lvl7pPr>
+            <a:lvl8pPr marL="2939567" algn="l" defTabSz="839876" rtl="0" eaLnBrk="1" latinLnBrk="0" hangingPunct="1">
+              <a:defRPr sz="1653" kern="1200">
+                <a:solidFill>
+                  <a:schemeClr val="tx1"/>
+                </a:solidFill>
+                <a:latin typeface="+mn-lt"/>
+                <a:ea typeface="+mn-ea"/>
+                <a:cs typeface="+mn-cs"/>
+              </a:defRPr>
+            </a:lvl8pPr>
+            <a:lvl9pPr marL="3359506" algn="l" defTabSz="839876" rtl="0" eaLnBrk="1" latinLnBrk="0" hangingPunct="1">
+              <a:defRPr sz="1653" kern="1200">
+                <a:solidFill>
+                  <a:schemeClr val="tx1"/>
+                </a:solidFill>
+                <a:latin typeface="+mn-lt"/>
+                <a:ea typeface="+mn-ea"/>
+                <a:cs typeface="+mn-cs"/>
+              </a:defRPr>
+            </a:lvl9pPr>
+          </a:lstStyle>
+          <a:p>
+            <a:pPr>
+              <a:lnSpc>
+                <a:spcPts val="1760"/>
+              </a:lnSpc>
+            </a:pPr>
+            <a:r>
+              <a:rPr lang="es-AR" sz="1600" b="1" dirty="0">
+                <a:solidFill>
+                  <a:srgbClr val="5C378C"/>
+                </a:solidFill>
+                <a:latin typeface="Poppins Bold"/>
+                <a:cs typeface="Poppins Bold"/>
+              </a:rPr>
+              <a:t>{{PUESTO}}</a:t>
+            </a:r>
+            <a:endParaRPr lang="en-US" sz="1600" b="1" dirty="0">
+              <a:solidFill>
+                <a:srgbClr val="5C378C"/>
+              </a:solidFill>
+              <a:latin typeface="Poppins Bold"/>
+              <a:cs typeface="Poppins Bold"/>
+              <a:sym typeface="Poppins Bold"/>
+            </a:endParaRPr>
+          </a:p>
+        </p:txBody>
+      </p:sp>
+      <p:sp>
+        <p:nvSpPr>
+          <p:cNvPr id="14" name="TextBox 14"/>
+          <p:cNvSpPr txBox="1"/>
+          <p:nvPr/>
+        </p:nvSpPr>
+        <p:spPr>
+          <a:xfrm>
+            <a:off x="433007" y="3339106"/>
+            <a:ext cx="2268949" cy="278666"/>
+          </a:xfrm>
+          <a:prstGeom prst="rect">
+            <a:avLst/>
+          </a:prstGeom>
+        </p:spPr>
+        <p:txBody>
+          <a:bodyPr wrap="square" lIns="0" tIns="0" rIns="0" bIns="0" rtlCol="0" anchor="t">
+            <a:spAutoFit/>
+          </a:bodyPr>
+          <a:lstStyle>
+            <a:defPPr>
+              <a:defRPr lang="en-US"/>
+            </a:defPPr>
+            <a:lvl1pPr marL="0" algn="l" defTabSz="839876" rtl="0" eaLnBrk="1" latinLnBrk="0" hangingPunct="1">
+              <a:defRPr sz="1653" kern="1200">
+                <a:solidFill>
+                  <a:schemeClr val="tx1"/>
+                </a:solidFill>
+                <a:latin typeface="+mn-lt"/>
+                <a:ea typeface="+mn-ea"/>
+                <a:cs typeface="+mn-cs"/>
+              </a:defRPr>
+            </a:lvl1pPr>
+            <a:lvl2pPr marL="419938" algn="l" defTabSz="839876" rtl="0" eaLnBrk="1" latinLnBrk="0" hangingPunct="1">
+              <a:defRPr sz="1653" kern="1200">
+                <a:solidFill>
+                  <a:schemeClr val="tx1"/>
+                </a:solidFill>
+                <a:latin typeface="+mn-lt"/>
+                <a:ea typeface="+mn-ea"/>
+                <a:cs typeface="+mn-cs"/>
+              </a:defRPr>
+            </a:lvl2pPr>
+            <a:lvl3pPr marL="839876" algn="l" defTabSz="839876" rtl="0" eaLnBrk="1" latinLnBrk="0" hangingPunct="1">
+              <a:defRPr sz="1653" kern="1200">
+                <a:solidFill>
+                  <a:schemeClr val="tx1"/>
+                </a:solidFill>
+                <a:latin typeface="+mn-lt"/>
+                <a:ea typeface="+mn-ea"/>
+                <a:cs typeface="+mn-cs"/>
+              </a:defRPr>
+            </a:lvl3pPr>
+            <a:lvl4pPr marL="1259815" algn="l" defTabSz="839876" rtl="0" eaLnBrk="1" latinLnBrk="0" hangingPunct="1">
+              <a:defRPr sz="1653" kern="1200">
+                <a:solidFill>
+                  <a:schemeClr val="tx1"/>
+                </a:solidFill>
+                <a:latin typeface="+mn-lt"/>
+                <a:ea typeface="+mn-ea"/>
+                <a:cs typeface="+mn-cs"/>
+              </a:defRPr>
+            </a:lvl4pPr>
+            <a:lvl5pPr marL="1679753" algn="l" defTabSz="839876" rtl="0" eaLnBrk="1" latinLnBrk="0" hangingPunct="1">
+              <a:defRPr sz="1653" kern="1200">
+                <a:solidFill>
+                  <a:schemeClr val="tx1"/>
+                </a:solidFill>
+                <a:latin typeface="+mn-lt"/>
+                <a:ea typeface="+mn-ea"/>
+                <a:cs typeface="+mn-cs"/>
+              </a:defRPr>
+            </a:lvl5pPr>
+            <a:lvl6pPr marL="2099691" algn="l" defTabSz="839876" rtl="0" eaLnBrk="1" latinLnBrk="0" hangingPunct="1">
+              <a:defRPr sz="1653" kern="1200">
+                <a:solidFill>
+                  <a:schemeClr val="tx1"/>
+                </a:solidFill>
+                <a:latin typeface="+mn-lt"/>
+                <a:ea typeface="+mn-ea"/>
+                <a:cs typeface="+mn-cs"/>
+              </a:defRPr>
+            </a:lvl6pPr>
+            <a:lvl7pPr marL="2519629" algn="l" defTabSz="839876" rtl="0" eaLnBrk="1" latinLnBrk="0" hangingPunct="1">
+              <a:defRPr sz="1653" kern="1200">
+                <a:solidFill>
+                  <a:schemeClr val="tx1"/>
+                </a:solidFill>
+                <a:latin typeface="+mn-lt"/>
+                <a:ea typeface="+mn-ea"/>
+                <a:cs typeface="+mn-cs"/>
+              </a:defRPr>
+            </a:lvl7pPr>
+            <a:lvl8pPr marL="2939567" algn="l" defTabSz="839876" rtl="0" eaLnBrk="1" latinLnBrk="0" hangingPunct="1">
+              <a:defRPr sz="1653" kern="1200">
+                <a:solidFill>
+                  <a:schemeClr val="tx1"/>
+                </a:solidFill>
+                <a:latin typeface="+mn-lt"/>
+                <a:ea typeface="+mn-ea"/>
+                <a:cs typeface="+mn-cs"/>
+              </a:defRPr>
+            </a:lvl8pPr>
+            <a:lvl9pPr marL="3359506" algn="l" defTabSz="839876" rtl="0" eaLnBrk="1" latinLnBrk="0" hangingPunct="1">
+              <a:defRPr sz="1653" kern="1200">
+                <a:solidFill>
+                  <a:schemeClr val="tx1"/>
+                </a:solidFill>
+                <a:latin typeface="+mn-lt"/>
+                <a:ea typeface="+mn-ea"/>
+                <a:cs typeface="+mn-cs"/>
+              </a:defRPr>
+            </a:lvl9pPr>
+          </a:lstStyle>
+          <a:p>
+            <a:pPr marL="285750" indent="-285750">
+              <a:lnSpc>
+                <a:spcPts val="2268"/>
+              </a:lnSpc>
+              <a:buFont typeface="Arial"/>
+              <a:buChar char="•"/>
+            </a:pPr>
+            <a:r>
+              <a:rPr lang="es-AR" sz="1600" b="1" dirty="0">
+                <a:solidFill>
+                  <a:schemeClr val="bg1"/>
+                </a:solidFill>
+                <a:latin typeface="Poppins Bold"/>
+                <a:cs typeface="Poppins Bold"/>
+              </a:rPr>
+              <a:t>{{PERFIL}}</a:t>
+            </a:r>
+            <a:endParaRPr lang="en-US" sz="1600" b="1" dirty="0">
+              <a:solidFill>
+                <a:schemeClr val="bg1"/>
+              </a:solidFill>
+              <a:latin typeface="Poppins Bold"/>
+              <a:cs typeface="Poppins Bold"/>
+            </a:endParaRPr>
+          </a:p>
+        </p:txBody>
+      </p:sp>
+      <p:sp>
+        <p:nvSpPr>
+          <p:cNvPr id="15" name="TextBox 15"/>
+          <p:cNvSpPr txBox="1"/>
+          <p:nvPr/>
+        </p:nvSpPr>
+        <p:spPr>
+          <a:xfrm>
+            <a:off x="433007" y="6805629"/>
+            <a:ext cx="2005393" cy="278794"/>
+          </a:xfrm>
+          <a:prstGeom prst="rect">
+            <a:avLst/>
+          </a:prstGeom>
+        </p:spPr>
+        <p:txBody>
+          <a:bodyPr wrap="square" lIns="0" tIns="0" rIns="0" bIns="0" rtlCol="0" anchor="t">
+            <a:spAutoFit/>
+          </a:bodyPr>
+          <a:lstStyle>
+            <a:defPPr>
+              <a:defRPr lang="en-US"/>
+            </a:defPPr>
+            <a:lvl1pPr marL="0" algn="l" defTabSz="839876" rtl="0" eaLnBrk="1" latinLnBrk="0" hangingPunct="1">
+              <a:defRPr sz="1653" kern="1200">
+                <a:solidFill>
+                  <a:schemeClr val="tx1"/>
+                </a:solidFill>
+                <a:latin typeface="+mn-lt"/>
+                <a:ea typeface="+mn-ea"/>
+                <a:cs typeface="+mn-cs"/>
+              </a:defRPr>
+            </a:lvl1pPr>
+            <a:lvl2pPr marL="419938" algn="l" defTabSz="839876" rtl="0" eaLnBrk="1" latinLnBrk="0" hangingPunct="1">
+              <a:defRPr sz="1653" kern="1200">
+                <a:solidFill>
+                  <a:schemeClr val="tx1"/>
+                </a:solidFill>
+                <a:latin typeface="+mn-lt"/>
+                <a:ea typeface="+mn-ea"/>
+                <a:cs typeface="+mn-cs"/>
+              </a:defRPr>
+            </a:lvl2pPr>
+            <a:lvl3pPr marL="839876" algn="l" defTabSz="839876" rtl="0" eaLnBrk="1" latinLnBrk="0" hangingPunct="1">
+              <a:defRPr sz="1653" kern="1200">
+                <a:solidFill>
+                  <a:schemeClr val="tx1"/>
+                </a:solidFill>
+                <a:latin typeface="+mn-lt"/>
+                <a:ea typeface="+mn-ea"/>
+                <a:cs typeface="+mn-cs"/>
+              </a:defRPr>
+            </a:lvl3pPr>
+            <a:lvl4pPr marL="1259815" algn="l" defTabSz="839876" rtl="0" eaLnBrk="1" latinLnBrk="0" hangingPunct="1">
+              <a:defRPr sz="1653" kern="1200">
+                <a:solidFill>
+                  <a:schemeClr val="tx1"/>
+                </a:solidFill>
+                <a:latin typeface="+mn-lt"/>
+                <a:ea typeface="+mn-ea"/>
+                <a:cs typeface="+mn-cs"/>
+              </a:defRPr>
+            </a:lvl4pPr>
+            <a:lvl5pPr marL="1679753" algn="l" defTabSz="839876" rtl="0" eaLnBrk="1" latinLnBrk="0" hangingPunct="1">
+              <a:defRPr sz="1653" kern="1200">
+                <a:solidFill>
+                  <a:schemeClr val="tx1"/>
+                </a:solidFill>
+                <a:latin typeface="+mn-lt"/>
+                <a:ea typeface="+mn-ea"/>
+                <a:cs typeface="+mn-cs"/>
+              </a:defRPr>
+            </a:lvl5pPr>
+            <a:lvl6pPr marL="2099691" algn="l" defTabSz="839876" rtl="0" eaLnBrk="1" latinLnBrk="0" hangingPunct="1">
+              <a:defRPr sz="1653" kern="1200">
+                <a:solidFill>
+                  <a:schemeClr val="tx1"/>
+                </a:solidFill>
+                <a:latin typeface="+mn-lt"/>
+                <a:ea typeface="+mn-ea"/>
+                <a:cs typeface="+mn-cs"/>
+              </a:defRPr>
+            </a:lvl6pPr>
+            <a:lvl7pPr marL="2519629" algn="l" defTabSz="839876" rtl="0" eaLnBrk="1" latinLnBrk="0" hangingPunct="1">
+              <a:defRPr sz="1653" kern="1200">
+                <a:solidFill>
+                  <a:schemeClr val="tx1"/>
+                </a:solidFill>
+                <a:latin typeface="+mn-lt"/>
+                <a:ea typeface="+mn-ea"/>
+                <a:cs typeface="+mn-cs"/>
+              </a:defRPr>
+            </a:lvl7pPr>
+            <a:lvl8pPr marL="2939567" algn="l" defTabSz="839876" rtl="0" eaLnBrk="1" latinLnBrk="0" hangingPunct="1">
+              <a:defRPr sz="1653" kern="1200">
+                <a:solidFill>
+                  <a:schemeClr val="tx1"/>
+                </a:solidFill>
+                <a:latin typeface="+mn-lt"/>
+                <a:ea typeface="+mn-ea"/>
+                <a:cs typeface="+mn-cs"/>
+              </a:defRPr>
+            </a:lvl8pPr>
+            <a:lvl9pPr marL="3359506" algn="l" defTabSz="839876" rtl="0" eaLnBrk="1" latinLnBrk="0" hangingPunct="1">
+              <a:defRPr sz="1653" kern="1200">
+                <a:solidFill>
+                  <a:schemeClr val="tx1"/>
+                </a:solidFill>
+                <a:latin typeface="+mn-lt"/>
+                <a:ea typeface="+mn-ea"/>
+                <a:cs typeface="+mn-cs"/>
+              </a:defRPr>
+            </a:lvl9pPr>
+          </a:lstStyle>
+          <a:p>
+            <a:pPr marL="285750" indent="-285750" algn="l">
+              <a:lnSpc>
+                <a:spcPts val="2274"/>
+              </a:lnSpc>
+              <a:buFont typeface="Arial"/>
+              <a:buChar char="•"/>
+            </a:pPr>
+            <a:r>
+              <a:rPr lang="en-US" sz="1625" b="1" dirty="0">
+                <a:solidFill>
+                  <a:srgbClr val="FFFFFF"/>
+                </a:solidFill>
+                <a:latin typeface="Poppins Bold"/>
+                <a:ea typeface="Poppins Bold"/>
+                <a:cs typeface="Poppins Bold"/>
+                <a:sym typeface="Poppins Bold"/>
+              </a:rPr>
+              <a:t>{{EDUCACIÓN}}</a:t>
+            </a:r>
+            <a:endParaRPr lang="en-US" dirty="0">
+              <a:solidFill>
+                <a:srgbClr val="FFFFFF"/>
               </a:solidFill>
             </a:endParaRPr>
           </a:p>
-          <a:p>
-            <a:r>
-              <a:rPr sz="1100" b="0" dirty="0" err="1">
-                <a:solidFill>
-                  <a:srgbClr val="58188B"/>
-                </a:solidFill>
+        </p:txBody>
+      </p:sp>
+      <p:sp>
+        <p:nvSpPr>
+          <p:cNvPr id="16" name="TextBox 16"/>
+          <p:cNvSpPr txBox="1"/>
+          <p:nvPr/>
+        </p:nvSpPr>
+        <p:spPr>
+          <a:xfrm>
+            <a:off x="3519488" y="3337780"/>
+            <a:ext cx="2534539" cy="279564"/>
+          </a:xfrm>
+          <a:prstGeom prst="rect">
+            <a:avLst/>
+          </a:prstGeom>
+        </p:spPr>
+        <p:txBody>
+          <a:bodyPr wrap="square" lIns="0" tIns="0" rIns="0" bIns="0" rtlCol="0" anchor="t">
+            <a:spAutoFit/>
+          </a:bodyPr>
+          <a:lstStyle>
+            <a:defPPr>
+              <a:defRPr lang="en-US"/>
+            </a:defPPr>
+            <a:lvl1pPr marL="0" algn="l" defTabSz="839876" rtl="0" eaLnBrk="1" latinLnBrk="0" hangingPunct="1">
+              <a:defRPr sz="1653" kern="1200">
+                <a:solidFill>
+                  <a:schemeClr val="tx1"/>
+                </a:solidFill>
+                <a:latin typeface="+mn-lt"/>
+                <a:ea typeface="+mn-ea"/>
+                <a:cs typeface="+mn-cs"/>
+              </a:defRPr>
+            </a:lvl1pPr>
+            <a:lvl2pPr marL="419938" algn="l" defTabSz="839876" rtl="0" eaLnBrk="1" latinLnBrk="0" hangingPunct="1">
+              <a:defRPr sz="1653" kern="1200">
+                <a:solidFill>
+                  <a:schemeClr val="tx1"/>
+                </a:solidFill>
+                <a:latin typeface="+mn-lt"/>
+                <a:ea typeface="+mn-ea"/>
+                <a:cs typeface="+mn-cs"/>
+              </a:defRPr>
+            </a:lvl2pPr>
+            <a:lvl3pPr marL="839876" algn="l" defTabSz="839876" rtl="0" eaLnBrk="1" latinLnBrk="0" hangingPunct="1">
+              <a:defRPr sz="1653" kern="1200">
+                <a:solidFill>
+                  <a:schemeClr val="tx1"/>
+                </a:solidFill>
+                <a:latin typeface="+mn-lt"/>
+                <a:ea typeface="+mn-ea"/>
+                <a:cs typeface="+mn-cs"/>
+              </a:defRPr>
+            </a:lvl3pPr>
+            <a:lvl4pPr marL="1259815" algn="l" defTabSz="839876" rtl="0" eaLnBrk="1" latinLnBrk="0" hangingPunct="1">
+              <a:defRPr sz="1653" kern="1200">
+                <a:solidFill>
+                  <a:schemeClr val="tx1"/>
+                </a:solidFill>
+                <a:latin typeface="+mn-lt"/>
+                <a:ea typeface="+mn-ea"/>
+                <a:cs typeface="+mn-cs"/>
+              </a:defRPr>
+            </a:lvl4pPr>
+            <a:lvl5pPr marL="1679753" algn="l" defTabSz="839876" rtl="0" eaLnBrk="1" latinLnBrk="0" hangingPunct="1">
+              <a:defRPr sz="1653" kern="1200">
+                <a:solidFill>
+                  <a:schemeClr val="tx1"/>
+                </a:solidFill>
+                <a:latin typeface="+mn-lt"/>
+                <a:ea typeface="+mn-ea"/>
+                <a:cs typeface="+mn-cs"/>
+              </a:defRPr>
+            </a:lvl5pPr>
+            <a:lvl6pPr marL="2099691" algn="l" defTabSz="839876" rtl="0" eaLnBrk="1" latinLnBrk="0" hangingPunct="1">
+              <a:defRPr sz="1653" kern="1200">
+                <a:solidFill>
+                  <a:schemeClr val="tx1"/>
+                </a:solidFill>
+                <a:latin typeface="+mn-lt"/>
+                <a:ea typeface="+mn-ea"/>
+                <a:cs typeface="+mn-cs"/>
+              </a:defRPr>
+            </a:lvl6pPr>
+            <a:lvl7pPr marL="2519629" algn="l" defTabSz="839876" rtl="0" eaLnBrk="1" latinLnBrk="0" hangingPunct="1">
+              <a:defRPr sz="1653" kern="1200">
+                <a:solidFill>
+                  <a:schemeClr val="tx1"/>
+                </a:solidFill>
+                <a:latin typeface="+mn-lt"/>
+                <a:ea typeface="+mn-ea"/>
+                <a:cs typeface="+mn-cs"/>
+              </a:defRPr>
+            </a:lvl7pPr>
+            <a:lvl8pPr marL="2939567" algn="l" defTabSz="839876" rtl="0" eaLnBrk="1" latinLnBrk="0" hangingPunct="1">
+              <a:defRPr sz="1653" kern="1200">
+                <a:solidFill>
+                  <a:schemeClr val="tx1"/>
+                </a:solidFill>
+                <a:latin typeface="+mn-lt"/>
+                <a:ea typeface="+mn-ea"/>
+                <a:cs typeface="+mn-cs"/>
+              </a:defRPr>
+            </a:lvl8pPr>
+            <a:lvl9pPr marL="3359506" algn="l" defTabSz="839876" rtl="0" eaLnBrk="1" latinLnBrk="0" hangingPunct="1">
+              <a:defRPr sz="1653" kern="1200">
+                <a:solidFill>
+                  <a:schemeClr val="tx1"/>
+                </a:solidFill>
+                <a:latin typeface="+mn-lt"/>
+                <a:ea typeface="+mn-ea"/>
+                <a:cs typeface="+mn-cs"/>
+              </a:defRPr>
+            </a:lvl9pPr>
+          </a:lstStyle>
+          <a:p>
+            <a:pPr marL="285750" indent="-285750">
+              <a:lnSpc>
+                <a:spcPts val="2274"/>
+              </a:lnSpc>
+              <a:buFont typeface="Arial"/>
+              <a:buChar char="•"/>
+            </a:pPr>
+            <a:r>
+              <a:rPr lang="en-US" sz="1625" b="1" dirty="0">
+                <a:solidFill>
+                  <a:srgbClr val="5C378C"/>
+                </a:solidFill>
+                <a:ea typeface="Poppins Bold"/>
+                <a:cs typeface="Poppins Bold"/>
+                <a:sym typeface="Poppins Bold"/>
               </a:rPr>
-              <a:t>Administrador</a:t>
-            </a:r>
-            <a:r>
-              <a:rPr sz="1100" b="0" dirty="0">
-                <a:solidFill>
-                  <a:srgbClr val="58188B"/>
-                </a:solidFill>
+              <a:t>  </a:t>
+            </a:r>
+            <a:r>
+              <a:rPr lang="es-AR" sz="1625" b="1" dirty="0">
+                <a:solidFill>
+                  <a:srgbClr val="5C378C"/>
+                </a:solidFill>
+                <a:cs typeface="Poppins Bold"/>
               </a:rPr>
-              <a:t> Cross / </a:t>
-            </a:r>
-            <a:r>
-              <a:rPr sz="1100" b="0" dirty="0" err="1">
-                <a:solidFill>
-                  <a:srgbClr val="58188B"/>
-                </a:solidFill>
+              <a:t>{{EXPERIENCIA_1_2}}</a:t>
+            </a:r>
+            <a:endParaRPr lang="en-US" sz="1625" b="1" dirty="0">
+              <a:solidFill>
+                <a:srgbClr val="5C378C"/>
+              </a:solidFill>
+              <a:cs typeface="Poppins Bold"/>
+            </a:endParaRPr>
+          </a:p>
+        </p:txBody>
+      </p:sp>
+      <p:sp>
+        <p:nvSpPr>
+          <p:cNvPr id="17" name="TextBox 17"/>
+          <p:cNvSpPr txBox="1"/>
+          <p:nvPr/>
+        </p:nvSpPr>
+        <p:spPr>
+          <a:xfrm>
+            <a:off x="433007" y="4954443"/>
+            <a:ext cx="2409155" cy="279564"/>
+          </a:xfrm>
+          <a:prstGeom prst="rect">
+            <a:avLst/>
+          </a:prstGeom>
+        </p:spPr>
+        <p:txBody>
+          <a:bodyPr wrap="square" lIns="0" tIns="0" rIns="0" bIns="0" rtlCol="0" anchor="t">
+            <a:spAutoFit/>
+          </a:bodyPr>
+          <a:lstStyle>
+            <a:defPPr>
+              <a:defRPr lang="en-US"/>
+            </a:defPPr>
+            <a:lvl1pPr marL="0" algn="l" defTabSz="839876" rtl="0" eaLnBrk="1" latinLnBrk="0" hangingPunct="1">
+              <a:defRPr sz="1653" kern="1200">
+                <a:solidFill>
+                  <a:schemeClr val="tx1"/>
+                </a:solidFill>
+                <a:latin typeface="+mn-lt"/>
+                <a:ea typeface="+mn-ea"/>
+                <a:cs typeface="+mn-cs"/>
+              </a:defRPr>
+            </a:lvl1pPr>
+            <a:lvl2pPr marL="419938" algn="l" defTabSz="839876" rtl="0" eaLnBrk="1" latinLnBrk="0" hangingPunct="1">
+              <a:defRPr sz="1653" kern="1200">
+                <a:solidFill>
+                  <a:schemeClr val="tx1"/>
+                </a:solidFill>
+                <a:latin typeface="+mn-lt"/>
+                <a:ea typeface="+mn-ea"/>
+                <a:cs typeface="+mn-cs"/>
+              </a:defRPr>
+            </a:lvl2pPr>
+            <a:lvl3pPr marL="839876" algn="l" defTabSz="839876" rtl="0" eaLnBrk="1" latinLnBrk="0" hangingPunct="1">
+              <a:defRPr sz="1653" kern="1200">
+                <a:solidFill>
+                  <a:schemeClr val="tx1"/>
+                </a:solidFill>
+                <a:latin typeface="+mn-lt"/>
+                <a:ea typeface="+mn-ea"/>
+                <a:cs typeface="+mn-cs"/>
+              </a:defRPr>
+            </a:lvl3pPr>
+            <a:lvl4pPr marL="1259815" algn="l" defTabSz="839876" rtl="0" eaLnBrk="1" latinLnBrk="0" hangingPunct="1">
+              <a:defRPr sz="1653" kern="1200">
+                <a:solidFill>
+                  <a:schemeClr val="tx1"/>
+                </a:solidFill>
+                <a:latin typeface="+mn-lt"/>
+                <a:ea typeface="+mn-ea"/>
+                <a:cs typeface="+mn-cs"/>
+              </a:defRPr>
+            </a:lvl4pPr>
+            <a:lvl5pPr marL="1679753" algn="l" defTabSz="839876" rtl="0" eaLnBrk="1" latinLnBrk="0" hangingPunct="1">
+              <a:defRPr sz="1653" kern="1200">
+                <a:solidFill>
+                  <a:schemeClr val="tx1"/>
+                </a:solidFill>
+                <a:latin typeface="+mn-lt"/>
+                <a:ea typeface="+mn-ea"/>
+                <a:cs typeface="+mn-cs"/>
+              </a:defRPr>
+            </a:lvl5pPr>
+            <a:lvl6pPr marL="2099691" algn="l" defTabSz="839876" rtl="0" eaLnBrk="1" latinLnBrk="0" hangingPunct="1">
+              <a:defRPr sz="1653" kern="1200">
+                <a:solidFill>
+                  <a:schemeClr val="tx1"/>
+                </a:solidFill>
+                <a:latin typeface="+mn-lt"/>
+                <a:ea typeface="+mn-ea"/>
+                <a:cs typeface="+mn-cs"/>
+              </a:defRPr>
+            </a:lvl6pPr>
+            <a:lvl7pPr marL="2519629" algn="l" defTabSz="839876" rtl="0" eaLnBrk="1" latinLnBrk="0" hangingPunct="1">
+              <a:defRPr sz="1653" kern="1200">
+                <a:solidFill>
+                  <a:schemeClr val="tx1"/>
+                </a:solidFill>
+                <a:latin typeface="+mn-lt"/>
+                <a:ea typeface="+mn-ea"/>
+                <a:cs typeface="+mn-cs"/>
+              </a:defRPr>
+            </a:lvl7pPr>
+            <a:lvl8pPr marL="2939567" algn="l" defTabSz="839876" rtl="0" eaLnBrk="1" latinLnBrk="0" hangingPunct="1">
+              <a:defRPr sz="1653" kern="1200">
+                <a:solidFill>
+                  <a:schemeClr val="tx1"/>
+                </a:solidFill>
+                <a:latin typeface="+mn-lt"/>
+                <a:ea typeface="+mn-ea"/>
+                <a:cs typeface="+mn-cs"/>
+              </a:defRPr>
+            </a:lvl8pPr>
+            <a:lvl9pPr marL="3359506" algn="l" defTabSz="839876" rtl="0" eaLnBrk="1" latinLnBrk="0" hangingPunct="1">
+              <a:defRPr sz="1653" kern="1200">
+                <a:solidFill>
+                  <a:schemeClr val="tx1"/>
+                </a:solidFill>
+                <a:latin typeface="+mn-lt"/>
+                <a:ea typeface="+mn-ea"/>
+                <a:cs typeface="+mn-cs"/>
+              </a:defRPr>
+            </a:lvl9pPr>
+          </a:lstStyle>
+          <a:p>
+            <a:pPr marL="285750" indent="-285750" algn="l">
+              <a:lnSpc>
+                <a:spcPts val="2274"/>
+              </a:lnSpc>
+              <a:buFont typeface="Arial"/>
+              <a:buChar char="•"/>
+            </a:pPr>
+            <a:r>
+              <a:rPr lang="en-US" sz="1600" b="1" dirty="0">
+                <a:solidFill>
+                  <a:schemeClr val="bg1"/>
+                </a:solidFill>
+                <a:latin typeface="Poppins Bold"/>
+                <a:ea typeface="Poppins Bold"/>
+                <a:cs typeface="Poppins Bold"/>
+                <a:sym typeface="Poppins Bold"/>
               </a:rPr>
-              <a:t>Operador</a:t>
-            </a:r>
-            <a:r>
-              <a:rPr sz="1100" b="0" dirty="0">
-                <a:solidFill>
-                  <a:srgbClr val="58188B"/>
-                </a:solidFill>
+              <a:t>{{HABILIDADES}}</a:t>
+            </a:r>
+            <a:endParaRPr lang="en-US" sz="1600" dirty="0">
+              <a:solidFill>
+                <a:schemeClr val="bg1"/>
+              </a:solidFill>
+            </a:endParaRPr>
+          </a:p>
+        </p:txBody>
+      </p:sp>
+      <p:sp>
+        <p:nvSpPr>
+          <p:cNvPr id="18" name="TextBox 18"/>
+          <p:cNvSpPr txBox="1"/>
+          <p:nvPr/>
+        </p:nvSpPr>
+        <p:spPr>
+          <a:xfrm>
+            <a:off x="433007" y="8656815"/>
+            <a:ext cx="1820767" cy="279564"/>
+          </a:xfrm>
+          <a:prstGeom prst="rect">
+            <a:avLst/>
+          </a:prstGeom>
+        </p:spPr>
+        <p:txBody>
+          <a:bodyPr wrap="square" lIns="0" tIns="0" rIns="0" bIns="0" rtlCol="0" anchor="t">
+            <a:spAutoFit/>
+          </a:bodyPr>
+          <a:lstStyle>
+            <a:defPPr>
+              <a:defRPr lang="en-US"/>
+            </a:defPPr>
+            <a:lvl1pPr marL="0" algn="l" defTabSz="839876" rtl="0" eaLnBrk="1" latinLnBrk="0" hangingPunct="1">
+              <a:defRPr sz="1653" kern="1200">
+                <a:solidFill>
+                  <a:schemeClr val="tx1"/>
+                </a:solidFill>
+                <a:latin typeface="+mn-lt"/>
+                <a:ea typeface="+mn-ea"/>
+                <a:cs typeface="+mn-cs"/>
+              </a:defRPr>
+            </a:lvl1pPr>
+            <a:lvl2pPr marL="419938" algn="l" defTabSz="839876" rtl="0" eaLnBrk="1" latinLnBrk="0" hangingPunct="1">
+              <a:defRPr sz="1653" kern="1200">
+                <a:solidFill>
+                  <a:schemeClr val="tx1"/>
+                </a:solidFill>
+                <a:latin typeface="+mn-lt"/>
+                <a:ea typeface="+mn-ea"/>
+                <a:cs typeface="+mn-cs"/>
+              </a:defRPr>
+            </a:lvl2pPr>
+            <a:lvl3pPr marL="839876" algn="l" defTabSz="839876" rtl="0" eaLnBrk="1" latinLnBrk="0" hangingPunct="1">
+              <a:defRPr sz="1653" kern="1200">
+                <a:solidFill>
+                  <a:schemeClr val="tx1"/>
+                </a:solidFill>
+                <a:latin typeface="+mn-lt"/>
+                <a:ea typeface="+mn-ea"/>
+                <a:cs typeface="+mn-cs"/>
+              </a:defRPr>
+            </a:lvl3pPr>
+            <a:lvl4pPr marL="1259815" algn="l" defTabSz="839876" rtl="0" eaLnBrk="1" latinLnBrk="0" hangingPunct="1">
+              <a:defRPr sz="1653" kern="1200">
+                <a:solidFill>
+                  <a:schemeClr val="tx1"/>
+                </a:solidFill>
+                <a:latin typeface="+mn-lt"/>
+                <a:ea typeface="+mn-ea"/>
+                <a:cs typeface="+mn-cs"/>
+              </a:defRPr>
+            </a:lvl4pPr>
+            <a:lvl5pPr marL="1679753" algn="l" defTabSz="839876" rtl="0" eaLnBrk="1" latinLnBrk="0" hangingPunct="1">
+              <a:defRPr sz="1653" kern="1200">
+                <a:solidFill>
+                  <a:schemeClr val="tx1"/>
+                </a:solidFill>
+                <a:latin typeface="+mn-lt"/>
+                <a:ea typeface="+mn-ea"/>
+                <a:cs typeface="+mn-cs"/>
+              </a:defRPr>
+            </a:lvl5pPr>
+            <a:lvl6pPr marL="2099691" algn="l" defTabSz="839876" rtl="0" eaLnBrk="1" latinLnBrk="0" hangingPunct="1">
+              <a:defRPr sz="1653" kern="1200">
+                <a:solidFill>
+                  <a:schemeClr val="tx1"/>
+                </a:solidFill>
+                <a:latin typeface="+mn-lt"/>
+                <a:ea typeface="+mn-ea"/>
+                <a:cs typeface="+mn-cs"/>
+              </a:defRPr>
+            </a:lvl6pPr>
+            <a:lvl7pPr marL="2519629" algn="l" defTabSz="839876" rtl="0" eaLnBrk="1" latinLnBrk="0" hangingPunct="1">
+              <a:defRPr sz="1653" kern="1200">
+                <a:solidFill>
+                  <a:schemeClr val="tx1"/>
+                </a:solidFill>
+                <a:latin typeface="+mn-lt"/>
+                <a:ea typeface="+mn-ea"/>
+                <a:cs typeface="+mn-cs"/>
+              </a:defRPr>
+            </a:lvl7pPr>
+            <a:lvl8pPr marL="2939567" algn="l" defTabSz="839876" rtl="0" eaLnBrk="1" latinLnBrk="0" hangingPunct="1">
+              <a:defRPr sz="1653" kern="1200">
+                <a:solidFill>
+                  <a:schemeClr val="tx1"/>
+                </a:solidFill>
+                <a:latin typeface="+mn-lt"/>
+                <a:ea typeface="+mn-ea"/>
+                <a:cs typeface="+mn-cs"/>
+              </a:defRPr>
+            </a:lvl8pPr>
+            <a:lvl9pPr marL="3359506" algn="l" defTabSz="839876" rtl="0" eaLnBrk="1" latinLnBrk="0" hangingPunct="1">
+              <a:defRPr sz="1653" kern="1200">
+                <a:solidFill>
+                  <a:schemeClr val="tx1"/>
+                </a:solidFill>
+                <a:latin typeface="+mn-lt"/>
+                <a:ea typeface="+mn-ea"/>
+                <a:cs typeface="+mn-cs"/>
+              </a:defRPr>
+            </a:lvl9pPr>
+          </a:lstStyle>
+          <a:p>
+            <a:pPr marL="285750" indent="-285750" algn="l">
+              <a:lnSpc>
+                <a:spcPts val="2274"/>
+              </a:lnSpc>
+              <a:buFont typeface="Arial" panose="020B0604020202020204" pitchFamily="34" charset="0"/>
+              <a:buChar char="•"/>
+            </a:pPr>
+            <a:r>
+              <a:rPr lang="en-US" sz="1600" b="1" dirty="0">
+                <a:solidFill>
+                  <a:srgbClr val="FFFFFF"/>
+                </a:solidFill>
+                <a:latin typeface="Poppins Bold"/>
+                <a:ea typeface="Poppins Bold"/>
+                <a:cs typeface="Poppins Bold"/>
+                <a:sym typeface="Poppins Bold"/>
               </a:rPr>
-              <a:t> NOC / </a:t>
-            </a:r>
-            <a:r>
-              <a:rPr sz="1100" b="0" dirty="0" err="1">
-                <a:solidFill>
-                  <a:srgbClr val="58188B"/>
-                </a:solidFill>
-              </a:rPr>
-              <a:t>Analista</a:t>
-            </a:r>
-            <a:r>
-              <a:rPr sz="1100" b="0" dirty="0">
-                <a:solidFill>
-                  <a:srgbClr val="58188B"/>
-                </a:solidFill>
-              </a:rPr>
-              <a:t> de Helpdesk</a:t>
-            </a:r>
+              <a:t>{{IDIOMAS}}</a:t>
+            </a:r>
+            <a:endParaRPr lang="en-US" sz="1600" dirty="0">
+              <a:solidFill>
+                <a:srgbClr val="FFFFFF"/>
+              </a:solidFill>
+              <a:ea typeface="Calibri"/>
+              <a:cs typeface="Calibri"/>
+            </a:endParaRPr>
           </a:p>
         </p:txBody>
       </p:sp>
@@ -4076,207 +4902,12 @@
           </a:p>
         </p:txBody>
       </p:sp>
-      <p:sp>
-        <p:nvSpPr>
-          <p:cNvPr id="12" name="TextBox 12">
+      <p:grpSp>
+        <p:nvGrpSpPr>
+          <p:cNvPr id="9" name="Group 9">
             <a:extLst>
               <a:ext uri="{FF2B5EF4-FFF2-40B4-BE49-F238E27FC236}">
-                <a16:creationId xmlns:a16="http://schemas.microsoft.com/office/drawing/2014/main" id="{60365B55-E7DA-3529-4805-B7F4FC737DDA}"/>
-              </a:ext>
-            </a:extLst>
-          </p:cNvPr>
-          <p:cNvSpPr txBox="1"/>
-          <p:nvPr/>
-        </p:nvSpPr>
-        <p:spPr>
-          <a:xfrm>
-            <a:off x="3519445" y="434668"/>
-            <a:ext cx="3185963" cy="538609"/>
-          </a:xfrm>
-          <a:prstGeom prst="rect">
-            <a:avLst/>
-          </a:prstGeom>
-        </p:spPr>
-        <p:txBody>
-          <a:bodyPr wrap="square" lIns="0" tIns="0" rIns="0" bIns="0" rtlCol="0" anchor="t">
-            <a:spAutoFit/>
-          </a:bodyPr>
-          <a:lstStyle>
-            <a:defPPr>
-              <a:defRPr lang="en-US"/>
-            </a:defPPr>
-            <a:lvl1pPr marL="0" algn="l" defTabSz="839876" rtl="0" eaLnBrk="1" latinLnBrk="0" hangingPunct="1">
-              <a:defRPr sz="1653" kern="1200">
-                <a:solidFill>
-                  <a:schemeClr val="tx1"/>
-                </a:solidFill>
-                <a:latin typeface="+mn-lt"/>
-                <a:ea typeface="+mn-ea"/>
-                <a:cs typeface="+mn-cs"/>
-              </a:defRPr>
-            </a:lvl1pPr>
-            <a:lvl2pPr marL="419938" algn="l" defTabSz="839876" rtl="0" eaLnBrk="1" latinLnBrk="0" hangingPunct="1">
-              <a:defRPr sz="1653" kern="1200">
-                <a:solidFill>
-                  <a:schemeClr val="tx1"/>
-                </a:solidFill>
-                <a:latin typeface="+mn-lt"/>
-                <a:ea typeface="+mn-ea"/>
-                <a:cs typeface="+mn-cs"/>
-              </a:defRPr>
-            </a:lvl2pPr>
-            <a:lvl3pPr marL="839876" algn="l" defTabSz="839876" rtl="0" eaLnBrk="1" latinLnBrk="0" hangingPunct="1">
-              <a:defRPr sz="1653" kern="1200">
-                <a:solidFill>
-                  <a:schemeClr val="tx1"/>
-                </a:solidFill>
-                <a:latin typeface="+mn-lt"/>
-                <a:ea typeface="+mn-ea"/>
-                <a:cs typeface="+mn-cs"/>
-              </a:defRPr>
-            </a:lvl3pPr>
-            <a:lvl4pPr marL="1259815" algn="l" defTabSz="839876" rtl="0" eaLnBrk="1" latinLnBrk="0" hangingPunct="1">
-              <a:defRPr sz="1653" kern="1200">
-                <a:solidFill>
-                  <a:schemeClr val="tx1"/>
-                </a:solidFill>
-                <a:latin typeface="+mn-lt"/>
-                <a:ea typeface="+mn-ea"/>
-                <a:cs typeface="+mn-cs"/>
-              </a:defRPr>
-            </a:lvl4pPr>
-            <a:lvl5pPr marL="1679753" algn="l" defTabSz="839876" rtl="0" eaLnBrk="1" latinLnBrk="0" hangingPunct="1">
-              <a:defRPr sz="1653" kern="1200">
-                <a:solidFill>
-                  <a:schemeClr val="tx1"/>
-                </a:solidFill>
-                <a:latin typeface="+mn-lt"/>
-                <a:ea typeface="+mn-ea"/>
-                <a:cs typeface="+mn-cs"/>
-              </a:defRPr>
-            </a:lvl5pPr>
-            <a:lvl6pPr marL="2099691" algn="l" defTabSz="839876" rtl="0" eaLnBrk="1" latinLnBrk="0" hangingPunct="1">
-              <a:defRPr sz="1653" kern="1200">
-                <a:solidFill>
-                  <a:schemeClr val="tx1"/>
-                </a:solidFill>
-                <a:latin typeface="+mn-lt"/>
-                <a:ea typeface="+mn-ea"/>
-                <a:cs typeface="+mn-cs"/>
-              </a:defRPr>
-            </a:lvl6pPr>
-            <a:lvl7pPr marL="2519629" algn="l" defTabSz="839876" rtl="0" eaLnBrk="1" latinLnBrk="0" hangingPunct="1">
-              <a:defRPr sz="1653" kern="1200">
-                <a:solidFill>
-                  <a:schemeClr val="tx1"/>
-                </a:solidFill>
-                <a:latin typeface="+mn-lt"/>
-                <a:ea typeface="+mn-ea"/>
-                <a:cs typeface="+mn-cs"/>
-              </a:defRPr>
-            </a:lvl7pPr>
-            <a:lvl8pPr marL="2939567" algn="l" defTabSz="839876" rtl="0" eaLnBrk="1" latinLnBrk="0" hangingPunct="1">
-              <a:defRPr sz="1653" kern="1200">
-                <a:solidFill>
-                  <a:schemeClr val="tx1"/>
-                </a:solidFill>
-                <a:latin typeface="+mn-lt"/>
-                <a:ea typeface="+mn-ea"/>
-                <a:cs typeface="+mn-cs"/>
-              </a:defRPr>
-            </a:lvl8pPr>
-            <a:lvl9pPr marL="3359506" algn="l" defTabSz="839876" rtl="0" eaLnBrk="1" latinLnBrk="0" hangingPunct="1">
-              <a:defRPr sz="1653" kern="1200">
-                <a:solidFill>
-                  <a:schemeClr val="tx1"/>
-                </a:solidFill>
-                <a:latin typeface="+mn-lt"/>
-                <a:ea typeface="+mn-ea"/>
-                <a:cs typeface="+mn-cs"/>
-              </a:defRPr>
-            </a:lvl9pPr>
-          </a:lstStyle>
-          <a:p>
-            <a:r>
-              <a:rPr sz="1300" b="1" dirty="0">
-                <a:solidFill>
-                  <a:srgbClr val="58188B"/>
-                </a:solidFill>
-              </a:rPr>
-              <a:t>COLABORADOR PROPUESTO – </a:t>
-            </a:r>
-            <a:r>
-              <a:rPr lang="es-AR" sz="1300" b="1" dirty="0">
-                <a:solidFill>
-                  <a:srgbClr val="58188B"/>
-                </a:solidFill>
-              </a:rPr>
-              <a:t>Nombre</a:t>
-            </a:r>
-            <a:endParaRPr sz="1300" b="1" dirty="0">
-              <a:solidFill>
-                <a:srgbClr val="58188B"/>
-              </a:solidFill>
-            </a:endParaRPr>
-          </a:p>
-          <a:p>
-            <a:r>
-              <a:rPr sz="1100" b="0" dirty="0" err="1">
-                <a:solidFill>
-                  <a:srgbClr val="58188B"/>
-                </a:solidFill>
-              </a:rPr>
-              <a:t>Administrador</a:t>
-            </a:r>
-            <a:r>
-              <a:rPr sz="1100" b="0" dirty="0">
-                <a:solidFill>
-                  <a:srgbClr val="58188B"/>
-                </a:solidFill>
-              </a:rPr>
-              <a:t> Cross / </a:t>
-            </a:r>
-            <a:r>
-              <a:rPr sz="1100" b="0" dirty="0" err="1">
-                <a:solidFill>
-                  <a:srgbClr val="58188B"/>
-                </a:solidFill>
-              </a:rPr>
-              <a:t>Operador</a:t>
-            </a:r>
-            <a:r>
-              <a:rPr sz="1100" b="0" dirty="0">
-                <a:solidFill>
-                  <a:srgbClr val="58188B"/>
-                </a:solidFill>
-              </a:rPr>
-              <a:t> NOC / </a:t>
-            </a:r>
-            <a:r>
-              <a:rPr sz="1100" b="0" dirty="0" err="1">
-                <a:solidFill>
-                  <a:srgbClr val="58188B"/>
-                </a:solidFill>
-              </a:rPr>
-              <a:t>Analista</a:t>
-            </a:r>
-            <a:r>
-              <a:rPr sz="1100" b="0" dirty="0">
-                <a:solidFill>
-                  <a:srgbClr val="58188B"/>
-                </a:solidFill>
-              </a:rPr>
-              <a:t> de Helpdesk</a:t>
-            </a:r>
-          </a:p>
-        </p:txBody>
-      </p:sp>
-      <p:grpSp>
-        <p:nvGrpSpPr>
-          <p:cNvPr id="5" name="Group 9">
-            <a:extLst>
-              <a:ext uri="{FF2B5EF4-FFF2-40B4-BE49-F238E27FC236}">
-                <a16:creationId xmlns:a16="http://schemas.microsoft.com/office/drawing/2014/main" id="{D8F6F793-AD16-4E6E-A3F0-62912AFFE157}"/>
+                <a16:creationId xmlns:a16="http://schemas.microsoft.com/office/drawing/2014/main" id="{E973C82B-6DE7-9068-28D4-07F6DF125A06}"/>
               </a:ext>
             </a:extLst>
           </p:cNvPr>
@@ -4285,18 +4916,18 @@
         </p:nvGrpSpPr>
         <p:grpSpPr>
           <a:xfrm>
-            <a:off x="749902" y="630834"/>
-            <a:ext cx="1459897" cy="1459898"/>
+            <a:off x="316467" y="431976"/>
+            <a:ext cx="2602773" cy="2568228"/>
             <a:chOff x="0" y="0"/>
             <a:chExt cx="1027780" cy="1014139"/>
           </a:xfrm>
         </p:grpSpPr>
         <p:sp>
           <p:nvSpPr>
-            <p:cNvPr id="6" name="Freeform 10">
+            <p:cNvPr id="10" name="Freeform 10">
               <a:extLst>
                 <a:ext uri="{FF2B5EF4-FFF2-40B4-BE49-F238E27FC236}">
-                  <a16:creationId xmlns:a16="http://schemas.microsoft.com/office/drawing/2014/main" id="{C8627787-88CD-647B-2A37-8EFD1DBA735B}"/>
+                  <a16:creationId xmlns:a16="http://schemas.microsoft.com/office/drawing/2014/main" id="{25136B9F-8EAE-60CE-4FDE-FB4C2DD6C89E}"/>
                 </a:ext>
               </a:extLst>
             </p:cNvPr>
@@ -4346,10 +4977,10 @@
         </p:sp>
         <p:sp>
           <p:nvSpPr>
-            <p:cNvPr id="14" name="TextBox 11">
+            <p:cNvPr id="11" name="TextBox 11">
               <a:extLst>
                 <a:ext uri="{FF2B5EF4-FFF2-40B4-BE49-F238E27FC236}">
-                  <a16:creationId xmlns:a16="http://schemas.microsoft.com/office/drawing/2014/main" id="{14B35489-C32E-5CD1-3083-65548AA0ABB5}"/>
+                  <a16:creationId xmlns:a16="http://schemas.microsoft.com/office/drawing/2014/main" id="{3B145429-F543-ACBD-D4BF-6CB1AE959DE5}"/>
                 </a:ext>
               </a:extLst>
             </p:cNvPr>
@@ -4484,6 +5115,469 @@
           </p:txBody>
         </p:sp>
       </p:grpSp>
+      <p:sp>
+        <p:nvSpPr>
+          <p:cNvPr id="12" name="TextBox 12">
+            <a:extLst>
+              <a:ext uri="{FF2B5EF4-FFF2-40B4-BE49-F238E27FC236}">
+                <a16:creationId xmlns:a16="http://schemas.microsoft.com/office/drawing/2014/main" id="{60365B55-E7DA-3529-4805-B7F4FC737DDA}"/>
+              </a:ext>
+            </a:extLst>
+          </p:cNvPr>
+          <p:cNvSpPr txBox="1"/>
+          <p:nvPr/>
+        </p:nvSpPr>
+        <p:spPr>
+          <a:xfrm>
+            <a:off x="3519445" y="434668"/>
+            <a:ext cx="3185963" cy="1524072"/>
+          </a:xfrm>
+          <a:prstGeom prst="rect">
+            <a:avLst/>
+          </a:prstGeom>
+        </p:spPr>
+        <p:txBody>
+          <a:bodyPr wrap="square" lIns="0" tIns="0" rIns="0" bIns="0" rtlCol="0" anchor="t">
+            <a:spAutoFit/>
+          </a:bodyPr>
+          <a:lstStyle>
+            <a:defPPr>
+              <a:defRPr lang="en-US"/>
+            </a:defPPr>
+            <a:lvl1pPr marL="0" algn="l" defTabSz="839876" rtl="0" eaLnBrk="1" latinLnBrk="0" hangingPunct="1">
+              <a:defRPr sz="1653" kern="1200">
+                <a:solidFill>
+                  <a:schemeClr val="tx1"/>
+                </a:solidFill>
+                <a:latin typeface="+mn-lt"/>
+                <a:ea typeface="+mn-ea"/>
+                <a:cs typeface="+mn-cs"/>
+              </a:defRPr>
+            </a:lvl1pPr>
+            <a:lvl2pPr marL="419938" algn="l" defTabSz="839876" rtl="0" eaLnBrk="1" latinLnBrk="0" hangingPunct="1">
+              <a:defRPr sz="1653" kern="1200">
+                <a:solidFill>
+                  <a:schemeClr val="tx1"/>
+                </a:solidFill>
+                <a:latin typeface="+mn-lt"/>
+                <a:ea typeface="+mn-ea"/>
+                <a:cs typeface="+mn-cs"/>
+              </a:defRPr>
+            </a:lvl2pPr>
+            <a:lvl3pPr marL="839876" algn="l" defTabSz="839876" rtl="0" eaLnBrk="1" latinLnBrk="0" hangingPunct="1">
+              <a:defRPr sz="1653" kern="1200">
+                <a:solidFill>
+                  <a:schemeClr val="tx1"/>
+                </a:solidFill>
+                <a:latin typeface="+mn-lt"/>
+                <a:ea typeface="+mn-ea"/>
+                <a:cs typeface="+mn-cs"/>
+              </a:defRPr>
+            </a:lvl3pPr>
+            <a:lvl4pPr marL="1259815" algn="l" defTabSz="839876" rtl="0" eaLnBrk="1" latinLnBrk="0" hangingPunct="1">
+              <a:defRPr sz="1653" kern="1200">
+                <a:solidFill>
+                  <a:schemeClr val="tx1"/>
+                </a:solidFill>
+                <a:latin typeface="+mn-lt"/>
+                <a:ea typeface="+mn-ea"/>
+                <a:cs typeface="+mn-cs"/>
+              </a:defRPr>
+            </a:lvl4pPr>
+            <a:lvl5pPr marL="1679753" algn="l" defTabSz="839876" rtl="0" eaLnBrk="1" latinLnBrk="0" hangingPunct="1">
+              <a:defRPr sz="1653" kern="1200">
+                <a:solidFill>
+                  <a:schemeClr val="tx1"/>
+                </a:solidFill>
+                <a:latin typeface="+mn-lt"/>
+                <a:ea typeface="+mn-ea"/>
+                <a:cs typeface="+mn-cs"/>
+              </a:defRPr>
+            </a:lvl5pPr>
+            <a:lvl6pPr marL="2099691" algn="l" defTabSz="839876" rtl="0" eaLnBrk="1" latinLnBrk="0" hangingPunct="1">
+              <a:defRPr sz="1653" kern="1200">
+                <a:solidFill>
+                  <a:schemeClr val="tx1"/>
+                </a:solidFill>
+                <a:latin typeface="+mn-lt"/>
+                <a:ea typeface="+mn-ea"/>
+                <a:cs typeface="+mn-cs"/>
+              </a:defRPr>
+            </a:lvl6pPr>
+            <a:lvl7pPr marL="2519629" algn="l" defTabSz="839876" rtl="0" eaLnBrk="1" latinLnBrk="0" hangingPunct="1">
+              <a:defRPr sz="1653" kern="1200">
+                <a:solidFill>
+                  <a:schemeClr val="tx1"/>
+                </a:solidFill>
+                <a:latin typeface="+mn-lt"/>
+                <a:ea typeface="+mn-ea"/>
+                <a:cs typeface="+mn-cs"/>
+              </a:defRPr>
+            </a:lvl7pPr>
+            <a:lvl8pPr marL="2939567" algn="l" defTabSz="839876" rtl="0" eaLnBrk="1" latinLnBrk="0" hangingPunct="1">
+              <a:defRPr sz="1653" kern="1200">
+                <a:solidFill>
+                  <a:schemeClr val="tx1"/>
+                </a:solidFill>
+                <a:latin typeface="+mn-lt"/>
+                <a:ea typeface="+mn-ea"/>
+                <a:cs typeface="+mn-cs"/>
+              </a:defRPr>
+            </a:lvl8pPr>
+            <a:lvl9pPr marL="3359506" algn="l" defTabSz="839876" rtl="0" eaLnBrk="1" latinLnBrk="0" hangingPunct="1">
+              <a:defRPr sz="1653" kern="1200">
+                <a:solidFill>
+                  <a:schemeClr val="tx1"/>
+                </a:solidFill>
+                <a:latin typeface="+mn-lt"/>
+                <a:ea typeface="+mn-ea"/>
+                <a:cs typeface="+mn-cs"/>
+              </a:defRPr>
+            </a:lvl9pPr>
+          </a:lstStyle>
+          <a:p>
+            <a:pPr>
+              <a:lnSpc>
+                <a:spcPts val="4031"/>
+              </a:lnSpc>
+            </a:pPr>
+            <a:r>
+              <a:rPr lang="en-US" sz="2879" b="1" dirty="0">
+                <a:solidFill>
+                  <a:srgbClr val="5C378C"/>
+                </a:solidFill>
+                <a:latin typeface="Poppins Bold"/>
+                <a:ea typeface="Poppins Bold"/>
+                <a:cs typeface="Poppins Bold"/>
+                <a:sym typeface="Poppins Bold"/>
+              </a:rPr>
+              <a:t>COLABORADOR PROPUESTO - </a:t>
+            </a:r>
+            <a:r>
+              <a:rPr lang="es-AR" sz="2879" b="1" dirty="0">
+                <a:solidFill>
+                  <a:srgbClr val="5C378C"/>
+                </a:solidFill>
+                <a:latin typeface="Poppins Bold"/>
+                <a:cs typeface="Poppins Bold"/>
+              </a:rPr>
+              <a:t>{{NOMBRE}}</a:t>
+            </a:r>
+            <a:endParaRPr lang="en-US" sz="2879" b="1" dirty="0">
+              <a:solidFill>
+                <a:srgbClr val="5C378C"/>
+              </a:solidFill>
+              <a:latin typeface="Poppins Bold"/>
+              <a:cs typeface="Poppins Bold"/>
+              <a:sym typeface="Poppins Bold"/>
+            </a:endParaRPr>
+          </a:p>
+        </p:txBody>
+      </p:sp>
+      <p:sp>
+        <p:nvSpPr>
+          <p:cNvPr id="13" name="TextBox 13">
+            <a:extLst>
+              <a:ext uri="{FF2B5EF4-FFF2-40B4-BE49-F238E27FC236}">
+                <a16:creationId xmlns:a16="http://schemas.microsoft.com/office/drawing/2014/main" id="{E82D230F-F284-EA3A-80E5-F52551A8770B}"/>
+              </a:ext>
+            </a:extLst>
+          </p:cNvPr>
+          <p:cNvSpPr txBox="1"/>
+          <p:nvPr/>
+        </p:nvSpPr>
+        <p:spPr>
+          <a:xfrm>
+            <a:off x="3507108" y="2369905"/>
+            <a:ext cx="3196675" cy="230832"/>
+          </a:xfrm>
+          <a:prstGeom prst="rect">
+            <a:avLst/>
+          </a:prstGeom>
+        </p:spPr>
+        <p:txBody>
+          <a:bodyPr wrap="square" lIns="0" tIns="0" rIns="0" bIns="0" rtlCol="0" anchor="t">
+            <a:spAutoFit/>
+          </a:bodyPr>
+          <a:lstStyle>
+            <a:defPPr>
+              <a:defRPr lang="en-US"/>
+            </a:defPPr>
+            <a:lvl1pPr marL="0" algn="l" defTabSz="839876" rtl="0" eaLnBrk="1" latinLnBrk="0" hangingPunct="1">
+              <a:defRPr sz="1653" kern="1200">
+                <a:solidFill>
+                  <a:schemeClr val="tx1"/>
+                </a:solidFill>
+                <a:latin typeface="+mn-lt"/>
+                <a:ea typeface="+mn-ea"/>
+                <a:cs typeface="+mn-cs"/>
+              </a:defRPr>
+            </a:lvl1pPr>
+            <a:lvl2pPr marL="419938" algn="l" defTabSz="839876" rtl="0" eaLnBrk="1" latinLnBrk="0" hangingPunct="1">
+              <a:defRPr sz="1653" kern="1200">
+                <a:solidFill>
+                  <a:schemeClr val="tx1"/>
+                </a:solidFill>
+                <a:latin typeface="+mn-lt"/>
+                <a:ea typeface="+mn-ea"/>
+                <a:cs typeface="+mn-cs"/>
+              </a:defRPr>
+            </a:lvl2pPr>
+            <a:lvl3pPr marL="839876" algn="l" defTabSz="839876" rtl="0" eaLnBrk="1" latinLnBrk="0" hangingPunct="1">
+              <a:defRPr sz="1653" kern="1200">
+                <a:solidFill>
+                  <a:schemeClr val="tx1"/>
+                </a:solidFill>
+                <a:latin typeface="+mn-lt"/>
+                <a:ea typeface="+mn-ea"/>
+                <a:cs typeface="+mn-cs"/>
+              </a:defRPr>
+            </a:lvl3pPr>
+            <a:lvl4pPr marL="1259815" algn="l" defTabSz="839876" rtl="0" eaLnBrk="1" latinLnBrk="0" hangingPunct="1">
+              <a:defRPr sz="1653" kern="1200">
+                <a:solidFill>
+                  <a:schemeClr val="tx1"/>
+                </a:solidFill>
+                <a:latin typeface="+mn-lt"/>
+                <a:ea typeface="+mn-ea"/>
+                <a:cs typeface="+mn-cs"/>
+              </a:defRPr>
+            </a:lvl4pPr>
+            <a:lvl5pPr marL="1679753" algn="l" defTabSz="839876" rtl="0" eaLnBrk="1" latinLnBrk="0" hangingPunct="1">
+              <a:defRPr sz="1653" kern="1200">
+                <a:solidFill>
+                  <a:schemeClr val="tx1"/>
+                </a:solidFill>
+                <a:latin typeface="+mn-lt"/>
+                <a:ea typeface="+mn-ea"/>
+                <a:cs typeface="+mn-cs"/>
+              </a:defRPr>
+            </a:lvl5pPr>
+            <a:lvl6pPr marL="2099691" algn="l" defTabSz="839876" rtl="0" eaLnBrk="1" latinLnBrk="0" hangingPunct="1">
+              <a:defRPr sz="1653" kern="1200">
+                <a:solidFill>
+                  <a:schemeClr val="tx1"/>
+                </a:solidFill>
+                <a:latin typeface="+mn-lt"/>
+                <a:ea typeface="+mn-ea"/>
+                <a:cs typeface="+mn-cs"/>
+              </a:defRPr>
+            </a:lvl6pPr>
+            <a:lvl7pPr marL="2519629" algn="l" defTabSz="839876" rtl="0" eaLnBrk="1" latinLnBrk="0" hangingPunct="1">
+              <a:defRPr sz="1653" kern="1200">
+                <a:solidFill>
+                  <a:schemeClr val="tx1"/>
+                </a:solidFill>
+                <a:latin typeface="+mn-lt"/>
+                <a:ea typeface="+mn-ea"/>
+                <a:cs typeface="+mn-cs"/>
+              </a:defRPr>
+            </a:lvl7pPr>
+            <a:lvl8pPr marL="2939567" algn="l" defTabSz="839876" rtl="0" eaLnBrk="1" latinLnBrk="0" hangingPunct="1">
+              <a:defRPr sz="1653" kern="1200">
+                <a:solidFill>
+                  <a:schemeClr val="tx1"/>
+                </a:solidFill>
+                <a:latin typeface="+mn-lt"/>
+                <a:ea typeface="+mn-ea"/>
+                <a:cs typeface="+mn-cs"/>
+              </a:defRPr>
+            </a:lvl8pPr>
+            <a:lvl9pPr marL="3359506" algn="l" defTabSz="839876" rtl="0" eaLnBrk="1" latinLnBrk="0" hangingPunct="1">
+              <a:defRPr sz="1653" kern="1200">
+                <a:solidFill>
+                  <a:schemeClr val="tx1"/>
+                </a:solidFill>
+                <a:latin typeface="+mn-lt"/>
+                <a:ea typeface="+mn-ea"/>
+                <a:cs typeface="+mn-cs"/>
+              </a:defRPr>
+            </a:lvl9pPr>
+          </a:lstStyle>
+          <a:p>
+            <a:pPr>
+              <a:lnSpc>
+                <a:spcPts val="1760"/>
+              </a:lnSpc>
+            </a:pPr>
+            <a:r>
+              <a:rPr lang="es-AR" sz="1600" b="1" dirty="0">
+                <a:solidFill>
+                  <a:srgbClr val="5C378C"/>
+                </a:solidFill>
+                <a:latin typeface="Poppins Bold"/>
+                <a:cs typeface="Poppins Bold"/>
+              </a:rPr>
+              <a:t>{{PUESTO}}</a:t>
+            </a:r>
+            <a:endParaRPr lang="en-US" sz="1600" b="1" dirty="0">
+              <a:solidFill>
+                <a:srgbClr val="5C378C"/>
+              </a:solidFill>
+              <a:latin typeface="Poppins Bold"/>
+              <a:cs typeface="Poppins Bold"/>
+              <a:sym typeface="Poppins Bold"/>
+            </a:endParaRPr>
+          </a:p>
+        </p:txBody>
+      </p:sp>
+      <p:sp>
+        <p:nvSpPr>
+          <p:cNvPr id="16" name="TextBox 16">
+            <a:extLst>
+              <a:ext uri="{FF2B5EF4-FFF2-40B4-BE49-F238E27FC236}">
+                <a16:creationId xmlns:a16="http://schemas.microsoft.com/office/drawing/2014/main" id="{D5087085-BDD4-7AA2-7E11-AEDCCBDF3753}"/>
+              </a:ext>
+            </a:extLst>
+          </p:cNvPr>
+          <p:cNvSpPr txBox="1"/>
+          <p:nvPr/>
+        </p:nvSpPr>
+        <p:spPr>
+          <a:xfrm>
+            <a:off x="3519488" y="3337780"/>
+            <a:ext cx="2534539" cy="279564"/>
+          </a:xfrm>
+          <a:prstGeom prst="rect">
+            <a:avLst/>
+          </a:prstGeom>
+        </p:spPr>
+        <p:txBody>
+          <a:bodyPr wrap="square" lIns="0" tIns="0" rIns="0" bIns="0" rtlCol="0" anchor="t">
+            <a:spAutoFit/>
+          </a:bodyPr>
+          <a:lstStyle>
+            <a:defPPr>
+              <a:defRPr lang="en-US"/>
+            </a:defPPr>
+            <a:lvl1pPr marL="0" algn="l" defTabSz="839876" rtl="0" eaLnBrk="1" latinLnBrk="0" hangingPunct="1">
+              <a:defRPr sz="1653" kern="1200">
+                <a:solidFill>
+                  <a:schemeClr val="tx1"/>
+                </a:solidFill>
+                <a:latin typeface="+mn-lt"/>
+                <a:ea typeface="+mn-ea"/>
+                <a:cs typeface="+mn-cs"/>
+              </a:defRPr>
+            </a:lvl1pPr>
+            <a:lvl2pPr marL="419938" algn="l" defTabSz="839876" rtl="0" eaLnBrk="1" latinLnBrk="0" hangingPunct="1">
+              <a:defRPr sz="1653" kern="1200">
+                <a:solidFill>
+                  <a:schemeClr val="tx1"/>
+                </a:solidFill>
+                <a:latin typeface="+mn-lt"/>
+                <a:ea typeface="+mn-ea"/>
+                <a:cs typeface="+mn-cs"/>
+              </a:defRPr>
+            </a:lvl2pPr>
+            <a:lvl3pPr marL="839876" algn="l" defTabSz="839876" rtl="0" eaLnBrk="1" latinLnBrk="0" hangingPunct="1">
+              <a:defRPr sz="1653" kern="1200">
+                <a:solidFill>
+                  <a:schemeClr val="tx1"/>
+                </a:solidFill>
+                <a:latin typeface="+mn-lt"/>
+                <a:ea typeface="+mn-ea"/>
+                <a:cs typeface="+mn-cs"/>
+              </a:defRPr>
+            </a:lvl3pPr>
+            <a:lvl4pPr marL="1259815" algn="l" defTabSz="839876" rtl="0" eaLnBrk="1" latinLnBrk="0" hangingPunct="1">
+              <a:defRPr sz="1653" kern="1200">
+                <a:solidFill>
+                  <a:schemeClr val="tx1"/>
+                </a:solidFill>
+                <a:latin typeface="+mn-lt"/>
+                <a:ea typeface="+mn-ea"/>
+                <a:cs typeface="+mn-cs"/>
+              </a:defRPr>
+            </a:lvl4pPr>
+            <a:lvl5pPr marL="1679753" algn="l" defTabSz="839876" rtl="0" eaLnBrk="1" latinLnBrk="0" hangingPunct="1">
+              <a:defRPr sz="1653" kern="1200">
+                <a:solidFill>
+                  <a:schemeClr val="tx1"/>
+                </a:solidFill>
+                <a:latin typeface="+mn-lt"/>
+                <a:ea typeface="+mn-ea"/>
+                <a:cs typeface="+mn-cs"/>
+              </a:defRPr>
+            </a:lvl5pPr>
+            <a:lvl6pPr marL="2099691" algn="l" defTabSz="839876" rtl="0" eaLnBrk="1" latinLnBrk="0" hangingPunct="1">
+              <a:defRPr sz="1653" kern="1200">
+                <a:solidFill>
+                  <a:schemeClr val="tx1"/>
+                </a:solidFill>
+                <a:latin typeface="+mn-lt"/>
+                <a:ea typeface="+mn-ea"/>
+                <a:cs typeface="+mn-cs"/>
+              </a:defRPr>
+            </a:lvl6pPr>
+            <a:lvl7pPr marL="2519629" algn="l" defTabSz="839876" rtl="0" eaLnBrk="1" latinLnBrk="0" hangingPunct="1">
+              <a:defRPr sz="1653" kern="1200">
+                <a:solidFill>
+                  <a:schemeClr val="tx1"/>
+                </a:solidFill>
+                <a:latin typeface="+mn-lt"/>
+                <a:ea typeface="+mn-ea"/>
+                <a:cs typeface="+mn-cs"/>
+              </a:defRPr>
+            </a:lvl7pPr>
+            <a:lvl8pPr marL="2939567" algn="l" defTabSz="839876" rtl="0" eaLnBrk="1" latinLnBrk="0" hangingPunct="1">
+              <a:defRPr sz="1653" kern="1200">
+                <a:solidFill>
+                  <a:schemeClr val="tx1"/>
+                </a:solidFill>
+                <a:latin typeface="+mn-lt"/>
+                <a:ea typeface="+mn-ea"/>
+                <a:cs typeface="+mn-cs"/>
+              </a:defRPr>
+            </a:lvl8pPr>
+            <a:lvl9pPr marL="3359506" algn="l" defTabSz="839876" rtl="0" eaLnBrk="1" latinLnBrk="0" hangingPunct="1">
+              <a:defRPr sz="1653" kern="1200">
+                <a:solidFill>
+                  <a:schemeClr val="tx1"/>
+                </a:solidFill>
+                <a:latin typeface="+mn-lt"/>
+                <a:ea typeface="+mn-ea"/>
+                <a:cs typeface="+mn-cs"/>
+              </a:defRPr>
+            </a:lvl9pPr>
+          </a:lstStyle>
+          <a:p>
+            <a:pPr marL="285750" indent="-285750">
+              <a:lnSpc>
+                <a:spcPts val="2274"/>
+              </a:lnSpc>
+              <a:buFont typeface="Arial"/>
+              <a:buChar char="•"/>
+            </a:pPr>
+            <a:r>
+              <a:rPr lang="en-US" sz="1625" b="1" dirty="0">
+                <a:solidFill>
+                  <a:srgbClr val="5C378C"/>
+                </a:solidFill>
+                <a:ea typeface="Poppins Bold"/>
+                <a:cs typeface="Poppins Bold"/>
+                <a:sym typeface="Poppins Bold"/>
+              </a:rPr>
+              <a:t>  </a:t>
+            </a:r>
+            <a:r>
+              <a:rPr lang="es-AR" sz="1625" b="1" dirty="0">
+                <a:solidFill>
+                  <a:srgbClr val="5C378C"/>
+                </a:solidFill>
+                <a:cs typeface="Poppins Bold"/>
+              </a:rPr>
+              <a:t>{{EXPERIENCIA_RESTO}}</a:t>
+            </a:r>
+            <a:endParaRPr lang="en-US" sz="1625" b="1" dirty="0">
+              <a:solidFill>
+                <a:srgbClr val="5C378C"/>
+              </a:solidFill>
+              <a:cs typeface="Poppins Bold"/>
+            </a:endParaRPr>
+          </a:p>
+        </p:txBody>
+      </p:sp>
     </p:spTree>
     <p:extLst>
       <p:ext uri="{BB962C8B-B14F-4D97-AF65-F5344CB8AC3E}">
@@ -4830,199 +5924,12 @@
           </a:p>
         </p:txBody>
       </p:sp>
-      <p:sp>
-        <p:nvSpPr>
-          <p:cNvPr id="12" name="TextBox 12">
+      <p:grpSp>
+        <p:nvGrpSpPr>
+          <p:cNvPr id="9" name="Group 9">
             <a:extLst>
               <a:ext uri="{FF2B5EF4-FFF2-40B4-BE49-F238E27FC236}">
-                <a16:creationId xmlns:a16="http://schemas.microsoft.com/office/drawing/2014/main" id="{D08B7FF6-BE27-9BB2-5859-A40AC450BCB6}"/>
-              </a:ext>
-            </a:extLst>
-          </p:cNvPr>
-          <p:cNvSpPr txBox="1"/>
-          <p:nvPr/>
-        </p:nvSpPr>
-        <p:spPr>
-          <a:xfrm>
-            <a:off x="3519445" y="434668"/>
-            <a:ext cx="3185963" cy="538609"/>
-          </a:xfrm>
-          <a:prstGeom prst="rect">
-            <a:avLst/>
-          </a:prstGeom>
-        </p:spPr>
-        <p:txBody>
-          <a:bodyPr wrap="square" lIns="0" tIns="0" rIns="0" bIns="0" rtlCol="0" anchor="t">
-            <a:spAutoFit/>
-          </a:bodyPr>
-          <a:lstStyle>
-            <a:defPPr>
-              <a:defRPr lang="en-US"/>
-            </a:defPPr>
-            <a:lvl1pPr marL="0" algn="l" defTabSz="839876" rtl="0" eaLnBrk="1" latinLnBrk="0" hangingPunct="1">
-              <a:defRPr sz="1653" kern="1200">
-                <a:solidFill>
-                  <a:schemeClr val="tx1"/>
-                </a:solidFill>
-                <a:latin typeface="+mn-lt"/>
-                <a:ea typeface="+mn-ea"/>
-                <a:cs typeface="+mn-cs"/>
-              </a:defRPr>
-            </a:lvl1pPr>
-            <a:lvl2pPr marL="419938" algn="l" defTabSz="839876" rtl="0" eaLnBrk="1" latinLnBrk="0" hangingPunct="1">
-              <a:defRPr sz="1653" kern="1200">
-                <a:solidFill>
-                  <a:schemeClr val="tx1"/>
-                </a:solidFill>
-                <a:latin typeface="+mn-lt"/>
-                <a:ea typeface="+mn-ea"/>
-                <a:cs typeface="+mn-cs"/>
-              </a:defRPr>
-            </a:lvl2pPr>
-            <a:lvl3pPr marL="839876" algn="l" defTabSz="839876" rtl="0" eaLnBrk="1" latinLnBrk="0" hangingPunct="1">
-              <a:defRPr sz="1653" kern="1200">
-                <a:solidFill>
-                  <a:schemeClr val="tx1"/>
-                </a:solidFill>
-                <a:latin typeface="+mn-lt"/>
-                <a:ea typeface="+mn-ea"/>
-                <a:cs typeface="+mn-cs"/>
-              </a:defRPr>
-            </a:lvl3pPr>
-            <a:lvl4pPr marL="1259815" algn="l" defTabSz="839876" rtl="0" eaLnBrk="1" latinLnBrk="0" hangingPunct="1">
-              <a:defRPr sz="1653" kern="1200">
-                <a:solidFill>
-                  <a:schemeClr val="tx1"/>
-                </a:solidFill>
-                <a:latin typeface="+mn-lt"/>
-                <a:ea typeface="+mn-ea"/>
-                <a:cs typeface="+mn-cs"/>
-              </a:defRPr>
-            </a:lvl4pPr>
-            <a:lvl5pPr marL="1679753" algn="l" defTabSz="839876" rtl="0" eaLnBrk="1" latinLnBrk="0" hangingPunct="1">
-              <a:defRPr sz="1653" kern="1200">
-                <a:solidFill>
-                  <a:schemeClr val="tx1"/>
-                </a:solidFill>
-                <a:latin typeface="+mn-lt"/>
-                <a:ea typeface="+mn-ea"/>
-                <a:cs typeface="+mn-cs"/>
-              </a:defRPr>
-            </a:lvl5pPr>
-            <a:lvl6pPr marL="2099691" algn="l" defTabSz="839876" rtl="0" eaLnBrk="1" latinLnBrk="0" hangingPunct="1">
-              <a:defRPr sz="1653" kern="1200">
-                <a:solidFill>
-                  <a:schemeClr val="tx1"/>
-                </a:solidFill>
-                <a:latin typeface="+mn-lt"/>
-                <a:ea typeface="+mn-ea"/>
-                <a:cs typeface="+mn-cs"/>
-              </a:defRPr>
-            </a:lvl6pPr>
-            <a:lvl7pPr marL="2519629" algn="l" defTabSz="839876" rtl="0" eaLnBrk="1" latinLnBrk="0" hangingPunct="1">
-              <a:defRPr sz="1653" kern="1200">
-                <a:solidFill>
-                  <a:schemeClr val="tx1"/>
-                </a:solidFill>
-                <a:latin typeface="+mn-lt"/>
-                <a:ea typeface="+mn-ea"/>
-                <a:cs typeface="+mn-cs"/>
-              </a:defRPr>
-            </a:lvl7pPr>
-            <a:lvl8pPr marL="2939567" algn="l" defTabSz="839876" rtl="0" eaLnBrk="1" latinLnBrk="0" hangingPunct="1">
-              <a:defRPr sz="1653" kern="1200">
-                <a:solidFill>
-                  <a:schemeClr val="tx1"/>
-                </a:solidFill>
-                <a:latin typeface="+mn-lt"/>
-                <a:ea typeface="+mn-ea"/>
-                <a:cs typeface="+mn-cs"/>
-              </a:defRPr>
-            </a:lvl8pPr>
-            <a:lvl9pPr marL="3359506" algn="l" defTabSz="839876" rtl="0" eaLnBrk="1" latinLnBrk="0" hangingPunct="1">
-              <a:defRPr sz="1653" kern="1200">
-                <a:solidFill>
-                  <a:schemeClr val="tx1"/>
-                </a:solidFill>
-                <a:latin typeface="+mn-lt"/>
-                <a:ea typeface="+mn-ea"/>
-                <a:cs typeface="+mn-cs"/>
-              </a:defRPr>
-            </a:lvl9pPr>
-          </a:lstStyle>
-          <a:p>
-            <a:r>
-              <a:rPr lang="es-AR" sz="1300" b="1" dirty="0">
-                <a:solidFill>
-                  <a:srgbClr val="58188B"/>
-                </a:solidFill>
-              </a:rPr>
-              <a:t>COLABORADOR PROPUESTO – Nombre</a:t>
-            </a:r>
-            <a:endParaRPr sz="1300" b="1" dirty="0">
-              <a:solidFill>
-                <a:srgbClr val="58188B"/>
-              </a:solidFill>
-            </a:endParaRPr>
-          </a:p>
-          <a:p>
-            <a:r>
-              <a:rPr sz="1100" b="0" dirty="0" err="1">
-                <a:solidFill>
-                  <a:srgbClr val="58188B"/>
-                </a:solidFill>
-              </a:rPr>
-              <a:t>Administrador</a:t>
-            </a:r>
-            <a:r>
-              <a:rPr sz="1100" b="0" dirty="0">
-                <a:solidFill>
-                  <a:srgbClr val="58188B"/>
-                </a:solidFill>
-              </a:rPr>
-              <a:t> Cross / </a:t>
-            </a:r>
-            <a:r>
-              <a:rPr sz="1100" b="0" dirty="0" err="1">
-                <a:solidFill>
-                  <a:srgbClr val="58188B"/>
-                </a:solidFill>
-              </a:rPr>
-              <a:t>Operador</a:t>
-            </a:r>
-            <a:r>
-              <a:rPr sz="1100" b="0" dirty="0">
-                <a:solidFill>
-                  <a:srgbClr val="58188B"/>
-                </a:solidFill>
-              </a:rPr>
-              <a:t> NOC / </a:t>
-            </a:r>
-            <a:r>
-              <a:rPr sz="1100" b="0" dirty="0" err="1">
-                <a:solidFill>
-                  <a:srgbClr val="58188B"/>
-                </a:solidFill>
-              </a:rPr>
-              <a:t>Analista</a:t>
-            </a:r>
-            <a:r>
-              <a:rPr sz="1100" b="0" dirty="0">
-                <a:solidFill>
-                  <a:srgbClr val="58188B"/>
-                </a:solidFill>
-              </a:rPr>
-              <a:t> de Helpdesk</a:t>
-            </a:r>
-          </a:p>
-        </p:txBody>
-      </p:sp>
-      <p:grpSp>
-        <p:nvGrpSpPr>
-          <p:cNvPr id="5" name="Group 9">
-            <a:extLst>
-              <a:ext uri="{FF2B5EF4-FFF2-40B4-BE49-F238E27FC236}">
-                <a16:creationId xmlns:a16="http://schemas.microsoft.com/office/drawing/2014/main" id="{FC904AD5-473A-719B-7C8E-70A0919A606D}"/>
+                <a16:creationId xmlns:a16="http://schemas.microsoft.com/office/drawing/2014/main" id="{84345D80-C7A1-B8B2-7199-33605EABA313}"/>
               </a:ext>
             </a:extLst>
           </p:cNvPr>
@@ -5031,18 +5938,18 @@
         </p:nvGrpSpPr>
         <p:grpSpPr>
           <a:xfrm>
-            <a:off x="749902" y="630834"/>
-            <a:ext cx="1459897" cy="1459898"/>
+            <a:off x="316467" y="431976"/>
+            <a:ext cx="2602773" cy="2568228"/>
             <a:chOff x="0" y="0"/>
             <a:chExt cx="1027780" cy="1014139"/>
           </a:xfrm>
         </p:grpSpPr>
         <p:sp>
           <p:nvSpPr>
-            <p:cNvPr id="6" name="Freeform 10">
+            <p:cNvPr id="10" name="Freeform 10">
               <a:extLst>
                 <a:ext uri="{FF2B5EF4-FFF2-40B4-BE49-F238E27FC236}">
-                  <a16:creationId xmlns:a16="http://schemas.microsoft.com/office/drawing/2014/main" id="{7A0C3863-7D71-89D7-4D0C-2695E6E31FDA}"/>
+                  <a16:creationId xmlns:a16="http://schemas.microsoft.com/office/drawing/2014/main" id="{358A9DF9-534A-5F94-CE4C-1DCA56AE4CBB}"/>
                 </a:ext>
               </a:extLst>
             </p:cNvPr>
@@ -5092,10 +5999,10 @@
         </p:sp>
         <p:sp>
           <p:nvSpPr>
-            <p:cNvPr id="14" name="TextBox 11">
+            <p:cNvPr id="11" name="TextBox 11">
               <a:extLst>
                 <a:ext uri="{FF2B5EF4-FFF2-40B4-BE49-F238E27FC236}">
-                  <a16:creationId xmlns:a16="http://schemas.microsoft.com/office/drawing/2014/main" id="{1CE6CA17-71E5-BE53-6736-A304CCFC219A}"/>
+                  <a16:creationId xmlns:a16="http://schemas.microsoft.com/office/drawing/2014/main" id="{463F3ED8-CFCB-D35B-40A9-60F4722723D8}"/>
                 </a:ext>
               </a:extLst>
             </p:cNvPr>
@@ -5230,6 +6137,469 @@
           </p:txBody>
         </p:sp>
       </p:grpSp>
+      <p:sp>
+        <p:nvSpPr>
+          <p:cNvPr id="12" name="TextBox 12">
+            <a:extLst>
+              <a:ext uri="{FF2B5EF4-FFF2-40B4-BE49-F238E27FC236}">
+                <a16:creationId xmlns:a16="http://schemas.microsoft.com/office/drawing/2014/main" id="{D08B7FF6-BE27-9BB2-5859-A40AC450BCB6}"/>
+              </a:ext>
+            </a:extLst>
+          </p:cNvPr>
+          <p:cNvSpPr txBox="1"/>
+          <p:nvPr/>
+        </p:nvSpPr>
+        <p:spPr>
+          <a:xfrm>
+            <a:off x="3519445" y="434668"/>
+            <a:ext cx="3185963" cy="1524072"/>
+          </a:xfrm>
+          <a:prstGeom prst="rect">
+            <a:avLst/>
+          </a:prstGeom>
+        </p:spPr>
+        <p:txBody>
+          <a:bodyPr wrap="square" lIns="0" tIns="0" rIns="0" bIns="0" rtlCol="0" anchor="t">
+            <a:spAutoFit/>
+          </a:bodyPr>
+          <a:lstStyle>
+            <a:defPPr>
+              <a:defRPr lang="en-US"/>
+            </a:defPPr>
+            <a:lvl1pPr marL="0" algn="l" defTabSz="839876" rtl="0" eaLnBrk="1" latinLnBrk="0" hangingPunct="1">
+              <a:defRPr sz="1653" kern="1200">
+                <a:solidFill>
+                  <a:schemeClr val="tx1"/>
+                </a:solidFill>
+                <a:latin typeface="+mn-lt"/>
+                <a:ea typeface="+mn-ea"/>
+                <a:cs typeface="+mn-cs"/>
+              </a:defRPr>
+            </a:lvl1pPr>
+            <a:lvl2pPr marL="419938" algn="l" defTabSz="839876" rtl="0" eaLnBrk="1" latinLnBrk="0" hangingPunct="1">
+              <a:defRPr sz="1653" kern="1200">
+                <a:solidFill>
+                  <a:schemeClr val="tx1"/>
+                </a:solidFill>
+                <a:latin typeface="+mn-lt"/>
+                <a:ea typeface="+mn-ea"/>
+                <a:cs typeface="+mn-cs"/>
+              </a:defRPr>
+            </a:lvl2pPr>
+            <a:lvl3pPr marL="839876" algn="l" defTabSz="839876" rtl="0" eaLnBrk="1" latinLnBrk="0" hangingPunct="1">
+              <a:defRPr sz="1653" kern="1200">
+                <a:solidFill>
+                  <a:schemeClr val="tx1"/>
+                </a:solidFill>
+                <a:latin typeface="+mn-lt"/>
+                <a:ea typeface="+mn-ea"/>
+                <a:cs typeface="+mn-cs"/>
+              </a:defRPr>
+            </a:lvl3pPr>
+            <a:lvl4pPr marL="1259815" algn="l" defTabSz="839876" rtl="0" eaLnBrk="1" latinLnBrk="0" hangingPunct="1">
+              <a:defRPr sz="1653" kern="1200">
+                <a:solidFill>
+                  <a:schemeClr val="tx1"/>
+                </a:solidFill>
+                <a:latin typeface="+mn-lt"/>
+                <a:ea typeface="+mn-ea"/>
+                <a:cs typeface="+mn-cs"/>
+              </a:defRPr>
+            </a:lvl4pPr>
+            <a:lvl5pPr marL="1679753" algn="l" defTabSz="839876" rtl="0" eaLnBrk="1" latinLnBrk="0" hangingPunct="1">
+              <a:defRPr sz="1653" kern="1200">
+                <a:solidFill>
+                  <a:schemeClr val="tx1"/>
+                </a:solidFill>
+                <a:latin typeface="+mn-lt"/>
+                <a:ea typeface="+mn-ea"/>
+                <a:cs typeface="+mn-cs"/>
+              </a:defRPr>
+            </a:lvl5pPr>
+            <a:lvl6pPr marL="2099691" algn="l" defTabSz="839876" rtl="0" eaLnBrk="1" latinLnBrk="0" hangingPunct="1">
+              <a:defRPr sz="1653" kern="1200">
+                <a:solidFill>
+                  <a:schemeClr val="tx1"/>
+                </a:solidFill>
+                <a:latin typeface="+mn-lt"/>
+                <a:ea typeface="+mn-ea"/>
+                <a:cs typeface="+mn-cs"/>
+              </a:defRPr>
+            </a:lvl6pPr>
+            <a:lvl7pPr marL="2519629" algn="l" defTabSz="839876" rtl="0" eaLnBrk="1" latinLnBrk="0" hangingPunct="1">
+              <a:defRPr sz="1653" kern="1200">
+                <a:solidFill>
+                  <a:schemeClr val="tx1"/>
+                </a:solidFill>
+                <a:latin typeface="+mn-lt"/>
+                <a:ea typeface="+mn-ea"/>
+                <a:cs typeface="+mn-cs"/>
+              </a:defRPr>
+            </a:lvl7pPr>
+            <a:lvl8pPr marL="2939567" algn="l" defTabSz="839876" rtl="0" eaLnBrk="1" latinLnBrk="0" hangingPunct="1">
+              <a:defRPr sz="1653" kern="1200">
+                <a:solidFill>
+                  <a:schemeClr val="tx1"/>
+                </a:solidFill>
+                <a:latin typeface="+mn-lt"/>
+                <a:ea typeface="+mn-ea"/>
+                <a:cs typeface="+mn-cs"/>
+              </a:defRPr>
+            </a:lvl8pPr>
+            <a:lvl9pPr marL="3359506" algn="l" defTabSz="839876" rtl="0" eaLnBrk="1" latinLnBrk="0" hangingPunct="1">
+              <a:defRPr sz="1653" kern="1200">
+                <a:solidFill>
+                  <a:schemeClr val="tx1"/>
+                </a:solidFill>
+                <a:latin typeface="+mn-lt"/>
+                <a:ea typeface="+mn-ea"/>
+                <a:cs typeface="+mn-cs"/>
+              </a:defRPr>
+            </a:lvl9pPr>
+          </a:lstStyle>
+          <a:p>
+            <a:pPr>
+              <a:lnSpc>
+                <a:spcPts val="4031"/>
+              </a:lnSpc>
+            </a:pPr>
+            <a:r>
+              <a:rPr lang="en-US" sz="2879" b="1" dirty="0">
+                <a:solidFill>
+                  <a:srgbClr val="5C378C"/>
+                </a:solidFill>
+                <a:latin typeface="Poppins Bold"/>
+                <a:ea typeface="Poppins Bold"/>
+                <a:cs typeface="Poppins Bold"/>
+                <a:sym typeface="Poppins Bold"/>
+              </a:rPr>
+              <a:t>COLABORADOR PROPUESTO - </a:t>
+            </a:r>
+            <a:r>
+              <a:rPr lang="es-AR" sz="2879" b="1" dirty="0">
+                <a:solidFill>
+                  <a:srgbClr val="5C378C"/>
+                </a:solidFill>
+                <a:latin typeface="Poppins Bold"/>
+                <a:cs typeface="Poppins Bold"/>
+              </a:rPr>
+              <a:t>{{NOMBRE}}</a:t>
+            </a:r>
+            <a:endParaRPr lang="en-US" sz="2879" b="1" dirty="0">
+              <a:solidFill>
+                <a:srgbClr val="5C378C"/>
+              </a:solidFill>
+              <a:latin typeface="Poppins Bold"/>
+              <a:cs typeface="Poppins Bold"/>
+              <a:sym typeface="Poppins Bold"/>
+            </a:endParaRPr>
+          </a:p>
+        </p:txBody>
+      </p:sp>
+      <p:sp>
+        <p:nvSpPr>
+          <p:cNvPr id="13" name="TextBox 13">
+            <a:extLst>
+              <a:ext uri="{FF2B5EF4-FFF2-40B4-BE49-F238E27FC236}">
+                <a16:creationId xmlns:a16="http://schemas.microsoft.com/office/drawing/2014/main" id="{97110E52-4C97-3AC9-D09B-4D646F417DCC}"/>
+              </a:ext>
+            </a:extLst>
+          </p:cNvPr>
+          <p:cNvSpPr txBox="1"/>
+          <p:nvPr/>
+        </p:nvSpPr>
+        <p:spPr>
+          <a:xfrm>
+            <a:off x="3507108" y="2369905"/>
+            <a:ext cx="3196675" cy="230832"/>
+          </a:xfrm>
+          <a:prstGeom prst="rect">
+            <a:avLst/>
+          </a:prstGeom>
+        </p:spPr>
+        <p:txBody>
+          <a:bodyPr wrap="square" lIns="0" tIns="0" rIns="0" bIns="0" rtlCol="0" anchor="t">
+            <a:spAutoFit/>
+          </a:bodyPr>
+          <a:lstStyle>
+            <a:defPPr>
+              <a:defRPr lang="en-US"/>
+            </a:defPPr>
+            <a:lvl1pPr marL="0" algn="l" defTabSz="839876" rtl="0" eaLnBrk="1" latinLnBrk="0" hangingPunct="1">
+              <a:defRPr sz="1653" kern="1200">
+                <a:solidFill>
+                  <a:schemeClr val="tx1"/>
+                </a:solidFill>
+                <a:latin typeface="+mn-lt"/>
+                <a:ea typeface="+mn-ea"/>
+                <a:cs typeface="+mn-cs"/>
+              </a:defRPr>
+            </a:lvl1pPr>
+            <a:lvl2pPr marL="419938" algn="l" defTabSz="839876" rtl="0" eaLnBrk="1" latinLnBrk="0" hangingPunct="1">
+              <a:defRPr sz="1653" kern="1200">
+                <a:solidFill>
+                  <a:schemeClr val="tx1"/>
+                </a:solidFill>
+                <a:latin typeface="+mn-lt"/>
+                <a:ea typeface="+mn-ea"/>
+                <a:cs typeface="+mn-cs"/>
+              </a:defRPr>
+            </a:lvl2pPr>
+            <a:lvl3pPr marL="839876" algn="l" defTabSz="839876" rtl="0" eaLnBrk="1" latinLnBrk="0" hangingPunct="1">
+              <a:defRPr sz="1653" kern="1200">
+                <a:solidFill>
+                  <a:schemeClr val="tx1"/>
+                </a:solidFill>
+                <a:latin typeface="+mn-lt"/>
+                <a:ea typeface="+mn-ea"/>
+                <a:cs typeface="+mn-cs"/>
+              </a:defRPr>
+            </a:lvl3pPr>
+            <a:lvl4pPr marL="1259815" algn="l" defTabSz="839876" rtl="0" eaLnBrk="1" latinLnBrk="0" hangingPunct="1">
+              <a:defRPr sz="1653" kern="1200">
+                <a:solidFill>
+                  <a:schemeClr val="tx1"/>
+                </a:solidFill>
+                <a:latin typeface="+mn-lt"/>
+                <a:ea typeface="+mn-ea"/>
+                <a:cs typeface="+mn-cs"/>
+              </a:defRPr>
+            </a:lvl4pPr>
+            <a:lvl5pPr marL="1679753" algn="l" defTabSz="839876" rtl="0" eaLnBrk="1" latinLnBrk="0" hangingPunct="1">
+              <a:defRPr sz="1653" kern="1200">
+                <a:solidFill>
+                  <a:schemeClr val="tx1"/>
+                </a:solidFill>
+                <a:latin typeface="+mn-lt"/>
+                <a:ea typeface="+mn-ea"/>
+                <a:cs typeface="+mn-cs"/>
+              </a:defRPr>
+            </a:lvl5pPr>
+            <a:lvl6pPr marL="2099691" algn="l" defTabSz="839876" rtl="0" eaLnBrk="1" latinLnBrk="0" hangingPunct="1">
+              <a:defRPr sz="1653" kern="1200">
+                <a:solidFill>
+                  <a:schemeClr val="tx1"/>
+                </a:solidFill>
+                <a:latin typeface="+mn-lt"/>
+                <a:ea typeface="+mn-ea"/>
+                <a:cs typeface="+mn-cs"/>
+              </a:defRPr>
+            </a:lvl6pPr>
+            <a:lvl7pPr marL="2519629" algn="l" defTabSz="839876" rtl="0" eaLnBrk="1" latinLnBrk="0" hangingPunct="1">
+              <a:defRPr sz="1653" kern="1200">
+                <a:solidFill>
+                  <a:schemeClr val="tx1"/>
+                </a:solidFill>
+                <a:latin typeface="+mn-lt"/>
+                <a:ea typeface="+mn-ea"/>
+                <a:cs typeface="+mn-cs"/>
+              </a:defRPr>
+            </a:lvl7pPr>
+            <a:lvl8pPr marL="2939567" algn="l" defTabSz="839876" rtl="0" eaLnBrk="1" latinLnBrk="0" hangingPunct="1">
+              <a:defRPr sz="1653" kern="1200">
+                <a:solidFill>
+                  <a:schemeClr val="tx1"/>
+                </a:solidFill>
+                <a:latin typeface="+mn-lt"/>
+                <a:ea typeface="+mn-ea"/>
+                <a:cs typeface="+mn-cs"/>
+              </a:defRPr>
+            </a:lvl8pPr>
+            <a:lvl9pPr marL="3359506" algn="l" defTabSz="839876" rtl="0" eaLnBrk="1" latinLnBrk="0" hangingPunct="1">
+              <a:defRPr sz="1653" kern="1200">
+                <a:solidFill>
+                  <a:schemeClr val="tx1"/>
+                </a:solidFill>
+                <a:latin typeface="+mn-lt"/>
+                <a:ea typeface="+mn-ea"/>
+                <a:cs typeface="+mn-cs"/>
+              </a:defRPr>
+            </a:lvl9pPr>
+          </a:lstStyle>
+          <a:p>
+            <a:pPr>
+              <a:lnSpc>
+                <a:spcPts val="1760"/>
+              </a:lnSpc>
+            </a:pPr>
+            <a:r>
+              <a:rPr lang="es-AR" sz="1600" b="1" dirty="0">
+                <a:solidFill>
+                  <a:srgbClr val="5C378C"/>
+                </a:solidFill>
+                <a:latin typeface="Poppins Bold"/>
+                <a:cs typeface="Poppins Bold"/>
+              </a:rPr>
+              <a:t>{{PUESTO}}</a:t>
+            </a:r>
+            <a:endParaRPr lang="en-US" sz="1600" b="1" dirty="0">
+              <a:solidFill>
+                <a:srgbClr val="5C378C"/>
+              </a:solidFill>
+              <a:latin typeface="Poppins Bold"/>
+              <a:cs typeface="Poppins Bold"/>
+              <a:sym typeface="Poppins Bold"/>
+            </a:endParaRPr>
+          </a:p>
+        </p:txBody>
+      </p:sp>
+      <p:sp>
+        <p:nvSpPr>
+          <p:cNvPr id="16" name="TextBox 16">
+            <a:extLst>
+              <a:ext uri="{FF2B5EF4-FFF2-40B4-BE49-F238E27FC236}">
+                <a16:creationId xmlns:a16="http://schemas.microsoft.com/office/drawing/2014/main" id="{7B184D02-0570-3C40-0B7F-EABC36EBC4C9}"/>
+              </a:ext>
+            </a:extLst>
+          </p:cNvPr>
+          <p:cNvSpPr txBox="1"/>
+          <p:nvPr/>
+        </p:nvSpPr>
+        <p:spPr>
+          <a:xfrm>
+            <a:off x="3519488" y="3337780"/>
+            <a:ext cx="2534539" cy="279564"/>
+          </a:xfrm>
+          <a:prstGeom prst="rect">
+            <a:avLst/>
+          </a:prstGeom>
+        </p:spPr>
+        <p:txBody>
+          <a:bodyPr wrap="square" lIns="0" tIns="0" rIns="0" bIns="0" rtlCol="0" anchor="t">
+            <a:spAutoFit/>
+          </a:bodyPr>
+          <a:lstStyle>
+            <a:defPPr>
+              <a:defRPr lang="en-US"/>
+            </a:defPPr>
+            <a:lvl1pPr marL="0" algn="l" defTabSz="839876" rtl="0" eaLnBrk="1" latinLnBrk="0" hangingPunct="1">
+              <a:defRPr sz="1653" kern="1200">
+                <a:solidFill>
+                  <a:schemeClr val="tx1"/>
+                </a:solidFill>
+                <a:latin typeface="+mn-lt"/>
+                <a:ea typeface="+mn-ea"/>
+                <a:cs typeface="+mn-cs"/>
+              </a:defRPr>
+            </a:lvl1pPr>
+            <a:lvl2pPr marL="419938" algn="l" defTabSz="839876" rtl="0" eaLnBrk="1" latinLnBrk="0" hangingPunct="1">
+              <a:defRPr sz="1653" kern="1200">
+                <a:solidFill>
+                  <a:schemeClr val="tx1"/>
+                </a:solidFill>
+                <a:latin typeface="+mn-lt"/>
+                <a:ea typeface="+mn-ea"/>
+                <a:cs typeface="+mn-cs"/>
+              </a:defRPr>
+            </a:lvl2pPr>
+            <a:lvl3pPr marL="839876" algn="l" defTabSz="839876" rtl="0" eaLnBrk="1" latinLnBrk="0" hangingPunct="1">
+              <a:defRPr sz="1653" kern="1200">
+                <a:solidFill>
+                  <a:schemeClr val="tx1"/>
+                </a:solidFill>
+                <a:latin typeface="+mn-lt"/>
+                <a:ea typeface="+mn-ea"/>
+                <a:cs typeface="+mn-cs"/>
+              </a:defRPr>
+            </a:lvl3pPr>
+            <a:lvl4pPr marL="1259815" algn="l" defTabSz="839876" rtl="0" eaLnBrk="1" latinLnBrk="0" hangingPunct="1">
+              <a:defRPr sz="1653" kern="1200">
+                <a:solidFill>
+                  <a:schemeClr val="tx1"/>
+                </a:solidFill>
+                <a:latin typeface="+mn-lt"/>
+                <a:ea typeface="+mn-ea"/>
+                <a:cs typeface="+mn-cs"/>
+              </a:defRPr>
+            </a:lvl4pPr>
+            <a:lvl5pPr marL="1679753" algn="l" defTabSz="839876" rtl="0" eaLnBrk="1" latinLnBrk="0" hangingPunct="1">
+              <a:defRPr sz="1653" kern="1200">
+                <a:solidFill>
+                  <a:schemeClr val="tx1"/>
+                </a:solidFill>
+                <a:latin typeface="+mn-lt"/>
+                <a:ea typeface="+mn-ea"/>
+                <a:cs typeface="+mn-cs"/>
+              </a:defRPr>
+            </a:lvl5pPr>
+            <a:lvl6pPr marL="2099691" algn="l" defTabSz="839876" rtl="0" eaLnBrk="1" latinLnBrk="0" hangingPunct="1">
+              <a:defRPr sz="1653" kern="1200">
+                <a:solidFill>
+                  <a:schemeClr val="tx1"/>
+                </a:solidFill>
+                <a:latin typeface="+mn-lt"/>
+                <a:ea typeface="+mn-ea"/>
+                <a:cs typeface="+mn-cs"/>
+              </a:defRPr>
+            </a:lvl6pPr>
+            <a:lvl7pPr marL="2519629" algn="l" defTabSz="839876" rtl="0" eaLnBrk="1" latinLnBrk="0" hangingPunct="1">
+              <a:defRPr sz="1653" kern="1200">
+                <a:solidFill>
+                  <a:schemeClr val="tx1"/>
+                </a:solidFill>
+                <a:latin typeface="+mn-lt"/>
+                <a:ea typeface="+mn-ea"/>
+                <a:cs typeface="+mn-cs"/>
+              </a:defRPr>
+            </a:lvl7pPr>
+            <a:lvl8pPr marL="2939567" algn="l" defTabSz="839876" rtl="0" eaLnBrk="1" latinLnBrk="0" hangingPunct="1">
+              <a:defRPr sz="1653" kern="1200">
+                <a:solidFill>
+                  <a:schemeClr val="tx1"/>
+                </a:solidFill>
+                <a:latin typeface="+mn-lt"/>
+                <a:ea typeface="+mn-ea"/>
+                <a:cs typeface="+mn-cs"/>
+              </a:defRPr>
+            </a:lvl8pPr>
+            <a:lvl9pPr marL="3359506" algn="l" defTabSz="839876" rtl="0" eaLnBrk="1" latinLnBrk="0" hangingPunct="1">
+              <a:defRPr sz="1653" kern="1200">
+                <a:solidFill>
+                  <a:schemeClr val="tx1"/>
+                </a:solidFill>
+                <a:latin typeface="+mn-lt"/>
+                <a:ea typeface="+mn-ea"/>
+                <a:cs typeface="+mn-cs"/>
+              </a:defRPr>
+            </a:lvl9pPr>
+          </a:lstStyle>
+          <a:p>
+            <a:pPr marL="285750" indent="-285750">
+              <a:lnSpc>
+                <a:spcPts val="2274"/>
+              </a:lnSpc>
+              <a:buFont typeface="Arial"/>
+              <a:buChar char="•"/>
+            </a:pPr>
+            <a:r>
+              <a:rPr lang="en-US" sz="1625" b="1" dirty="0">
+                <a:solidFill>
+                  <a:srgbClr val="5C378C"/>
+                </a:solidFill>
+                <a:ea typeface="Poppins Bold"/>
+                <a:cs typeface="Poppins Bold"/>
+                <a:sym typeface="Poppins Bold"/>
+              </a:rPr>
+              <a:t> </a:t>
+            </a:r>
+            <a:r>
+              <a:rPr lang="es-AR" sz="1625" b="1" dirty="0">
+                <a:solidFill>
+                  <a:srgbClr val="5C378C"/>
+                </a:solidFill>
+                <a:cs typeface="Poppins Bold"/>
+              </a:rPr>
+              <a:t>{{EXPERIENCIA_RESTO}}</a:t>
+            </a:r>
+            <a:endParaRPr lang="en-US" sz="1625" b="1" dirty="0">
+              <a:solidFill>
+                <a:srgbClr val="5C378C"/>
+              </a:solidFill>
+              <a:cs typeface="Poppins Bold"/>
+            </a:endParaRPr>
+          </a:p>
+        </p:txBody>
+      </p:sp>
     </p:spTree>
     <p:extLst>
       <p:ext uri="{BB962C8B-B14F-4D97-AF65-F5344CB8AC3E}">

--- a/CV HORIZON-MODELO 2.pptx
+++ b/CV HORIZON-MODELO 2.pptx
@@ -3359,8 +3359,8 @@
         </p:nvGrpSpPr>
         <p:grpSpPr>
           <a:xfrm>
-            <a:off x="316467" y="431976"/>
-            <a:ext cx="2602773" cy="2568228"/>
+            <a:off x="182880" y="285193"/>
+            <a:ext cx="1371600" cy="1360727"/>
             <a:chOff x="0" y="0"/>
             <a:chExt cx="1027780" cy="1014139"/>
           </a:xfrm>
@@ -3689,147 +3689,6 @@
               <a:t>{{NOMBRE}}</a:t>
             </a:r>
             <a:endParaRPr lang="en-US" sz="2879" b="1" dirty="0">
-              <a:solidFill>
-                <a:srgbClr val="5C378C"/>
-              </a:solidFill>
-              <a:latin typeface="Poppins Bold"/>
-              <a:cs typeface="Poppins Bold"/>
-              <a:sym typeface="Poppins Bold"/>
-            </a:endParaRPr>
-          </a:p>
-        </p:txBody>
-      </p:sp>
-      <p:sp>
-        <p:nvSpPr>
-          <p:cNvPr id="13" name="TextBox 13"/>
-          <p:cNvSpPr txBox="1"/>
-          <p:nvPr/>
-        </p:nvSpPr>
-        <p:spPr>
-          <a:xfrm>
-            <a:off x="3507108" y="2369905"/>
-            <a:ext cx="3196675" cy="230832"/>
-          </a:xfrm>
-          <a:prstGeom prst="rect">
-            <a:avLst/>
-          </a:prstGeom>
-        </p:spPr>
-        <p:txBody>
-          <a:bodyPr wrap="square" lIns="0" tIns="0" rIns="0" bIns="0" rtlCol="0" anchor="t">
-            <a:spAutoFit/>
-          </a:bodyPr>
-          <a:lstStyle>
-            <a:defPPr>
-              <a:defRPr lang="en-US"/>
-            </a:defPPr>
-            <a:lvl1pPr marL="0" algn="l" defTabSz="839876" rtl="0" eaLnBrk="1" latinLnBrk="0" hangingPunct="1">
-              <a:defRPr sz="1653" kern="1200">
-                <a:solidFill>
-                  <a:schemeClr val="tx1"/>
-                </a:solidFill>
-                <a:latin typeface="+mn-lt"/>
-                <a:ea typeface="+mn-ea"/>
-                <a:cs typeface="+mn-cs"/>
-              </a:defRPr>
-            </a:lvl1pPr>
-            <a:lvl2pPr marL="419938" algn="l" defTabSz="839876" rtl="0" eaLnBrk="1" latinLnBrk="0" hangingPunct="1">
-              <a:defRPr sz="1653" kern="1200">
-                <a:solidFill>
-                  <a:schemeClr val="tx1"/>
-                </a:solidFill>
-                <a:latin typeface="+mn-lt"/>
-                <a:ea typeface="+mn-ea"/>
-                <a:cs typeface="+mn-cs"/>
-              </a:defRPr>
-            </a:lvl2pPr>
-            <a:lvl3pPr marL="839876" algn="l" defTabSz="839876" rtl="0" eaLnBrk="1" latinLnBrk="0" hangingPunct="1">
-              <a:defRPr sz="1653" kern="1200">
-                <a:solidFill>
-                  <a:schemeClr val="tx1"/>
-                </a:solidFill>
-                <a:latin typeface="+mn-lt"/>
-                <a:ea typeface="+mn-ea"/>
-                <a:cs typeface="+mn-cs"/>
-              </a:defRPr>
-            </a:lvl3pPr>
-            <a:lvl4pPr marL="1259815" algn="l" defTabSz="839876" rtl="0" eaLnBrk="1" latinLnBrk="0" hangingPunct="1">
-              <a:defRPr sz="1653" kern="1200">
-                <a:solidFill>
-                  <a:schemeClr val="tx1"/>
-                </a:solidFill>
-                <a:latin typeface="+mn-lt"/>
-                <a:ea typeface="+mn-ea"/>
-                <a:cs typeface="+mn-cs"/>
-              </a:defRPr>
-            </a:lvl4pPr>
-            <a:lvl5pPr marL="1679753" algn="l" defTabSz="839876" rtl="0" eaLnBrk="1" latinLnBrk="0" hangingPunct="1">
-              <a:defRPr sz="1653" kern="1200">
-                <a:solidFill>
-                  <a:schemeClr val="tx1"/>
-                </a:solidFill>
-                <a:latin typeface="+mn-lt"/>
-                <a:ea typeface="+mn-ea"/>
-                <a:cs typeface="+mn-cs"/>
-              </a:defRPr>
-            </a:lvl5pPr>
-            <a:lvl6pPr marL="2099691" algn="l" defTabSz="839876" rtl="0" eaLnBrk="1" latinLnBrk="0" hangingPunct="1">
-              <a:defRPr sz="1653" kern="1200">
-                <a:solidFill>
-                  <a:schemeClr val="tx1"/>
-                </a:solidFill>
-                <a:latin typeface="+mn-lt"/>
-                <a:ea typeface="+mn-ea"/>
-                <a:cs typeface="+mn-cs"/>
-              </a:defRPr>
-            </a:lvl6pPr>
-            <a:lvl7pPr marL="2519629" algn="l" defTabSz="839876" rtl="0" eaLnBrk="1" latinLnBrk="0" hangingPunct="1">
-              <a:defRPr sz="1653" kern="1200">
-                <a:solidFill>
-                  <a:schemeClr val="tx1"/>
-                </a:solidFill>
-                <a:latin typeface="+mn-lt"/>
-                <a:ea typeface="+mn-ea"/>
-                <a:cs typeface="+mn-cs"/>
-              </a:defRPr>
-            </a:lvl7pPr>
-            <a:lvl8pPr marL="2939567" algn="l" defTabSz="839876" rtl="0" eaLnBrk="1" latinLnBrk="0" hangingPunct="1">
-              <a:defRPr sz="1653" kern="1200">
-                <a:solidFill>
-                  <a:schemeClr val="tx1"/>
-                </a:solidFill>
-                <a:latin typeface="+mn-lt"/>
-                <a:ea typeface="+mn-ea"/>
-                <a:cs typeface="+mn-cs"/>
-              </a:defRPr>
-            </a:lvl8pPr>
-            <a:lvl9pPr marL="3359506" algn="l" defTabSz="839876" rtl="0" eaLnBrk="1" latinLnBrk="0" hangingPunct="1">
-              <a:defRPr sz="1653" kern="1200">
-                <a:solidFill>
-                  <a:schemeClr val="tx1"/>
-                </a:solidFill>
-                <a:latin typeface="+mn-lt"/>
-                <a:ea typeface="+mn-ea"/>
-                <a:cs typeface="+mn-cs"/>
-              </a:defRPr>
-            </a:lvl9pPr>
-          </a:lstStyle>
-          <a:p>
-            <a:pPr>
-              <a:lnSpc>
-                <a:spcPts val="1760"/>
-              </a:lnSpc>
-            </a:pPr>
-            <a:r>
-              <a:rPr lang="es-AR" sz="1600" b="1" dirty="0">
-                <a:solidFill>
-                  <a:srgbClr val="5C378C"/>
-                </a:solidFill>
-                <a:latin typeface="Poppins Bold"/>
-                <a:cs typeface="Poppins Bold"/>
-              </a:rPr>
-              <a:t>{{PUESTO}}</a:t>
-            </a:r>
-            <a:endParaRPr lang="en-US" sz="1600" b="1" dirty="0">
               <a:solidFill>
                 <a:srgbClr val="5C378C"/>
               </a:solidFill>
@@ -4902,12 +4761,328 @@
           </a:p>
         </p:txBody>
       </p:sp>
+      <p:sp>
+        <p:nvSpPr>
+          <p:cNvPr id="12" name="TextBox 12">
+            <a:extLst>
+              <a:ext uri="{FF2B5EF4-FFF2-40B4-BE49-F238E27FC236}">
+                <a16:creationId xmlns:a16="http://schemas.microsoft.com/office/drawing/2014/main" id="{60365B55-E7DA-3529-4805-B7F4FC737DDA}"/>
+              </a:ext>
+            </a:extLst>
+          </p:cNvPr>
+          <p:cNvSpPr txBox="1"/>
+          <p:nvPr/>
+        </p:nvSpPr>
+        <p:spPr>
+          <a:xfrm>
+            <a:off x="3519445" y="434668"/>
+            <a:ext cx="3185963" cy="1524072"/>
+          </a:xfrm>
+          <a:prstGeom prst="rect">
+            <a:avLst/>
+          </a:prstGeom>
+        </p:spPr>
+        <p:txBody>
+          <a:bodyPr wrap="square" lIns="0" tIns="0" rIns="0" bIns="0" rtlCol="0" anchor="t">
+            <a:spAutoFit/>
+          </a:bodyPr>
+          <a:lstStyle>
+            <a:defPPr>
+              <a:defRPr lang="en-US"/>
+            </a:defPPr>
+            <a:lvl1pPr marL="0" algn="l" defTabSz="839876" rtl="0" eaLnBrk="1" latinLnBrk="0" hangingPunct="1">
+              <a:defRPr sz="1653" kern="1200">
+                <a:solidFill>
+                  <a:schemeClr val="tx1"/>
+                </a:solidFill>
+                <a:latin typeface="+mn-lt"/>
+                <a:ea typeface="+mn-ea"/>
+                <a:cs typeface="+mn-cs"/>
+              </a:defRPr>
+            </a:lvl1pPr>
+            <a:lvl2pPr marL="419938" algn="l" defTabSz="839876" rtl="0" eaLnBrk="1" latinLnBrk="0" hangingPunct="1">
+              <a:defRPr sz="1653" kern="1200">
+                <a:solidFill>
+                  <a:schemeClr val="tx1"/>
+                </a:solidFill>
+                <a:latin typeface="+mn-lt"/>
+                <a:ea typeface="+mn-ea"/>
+                <a:cs typeface="+mn-cs"/>
+              </a:defRPr>
+            </a:lvl2pPr>
+            <a:lvl3pPr marL="839876" algn="l" defTabSz="839876" rtl="0" eaLnBrk="1" latinLnBrk="0" hangingPunct="1">
+              <a:defRPr sz="1653" kern="1200">
+                <a:solidFill>
+                  <a:schemeClr val="tx1"/>
+                </a:solidFill>
+                <a:latin typeface="+mn-lt"/>
+                <a:ea typeface="+mn-ea"/>
+                <a:cs typeface="+mn-cs"/>
+              </a:defRPr>
+            </a:lvl3pPr>
+            <a:lvl4pPr marL="1259815" algn="l" defTabSz="839876" rtl="0" eaLnBrk="1" latinLnBrk="0" hangingPunct="1">
+              <a:defRPr sz="1653" kern="1200">
+                <a:solidFill>
+                  <a:schemeClr val="tx1"/>
+                </a:solidFill>
+                <a:latin typeface="+mn-lt"/>
+                <a:ea typeface="+mn-ea"/>
+                <a:cs typeface="+mn-cs"/>
+              </a:defRPr>
+            </a:lvl4pPr>
+            <a:lvl5pPr marL="1679753" algn="l" defTabSz="839876" rtl="0" eaLnBrk="1" latinLnBrk="0" hangingPunct="1">
+              <a:defRPr sz="1653" kern="1200">
+                <a:solidFill>
+                  <a:schemeClr val="tx1"/>
+                </a:solidFill>
+                <a:latin typeface="+mn-lt"/>
+                <a:ea typeface="+mn-ea"/>
+                <a:cs typeface="+mn-cs"/>
+              </a:defRPr>
+            </a:lvl5pPr>
+            <a:lvl6pPr marL="2099691" algn="l" defTabSz="839876" rtl="0" eaLnBrk="1" latinLnBrk="0" hangingPunct="1">
+              <a:defRPr sz="1653" kern="1200">
+                <a:solidFill>
+                  <a:schemeClr val="tx1"/>
+                </a:solidFill>
+                <a:latin typeface="+mn-lt"/>
+                <a:ea typeface="+mn-ea"/>
+                <a:cs typeface="+mn-cs"/>
+              </a:defRPr>
+            </a:lvl6pPr>
+            <a:lvl7pPr marL="2519629" algn="l" defTabSz="839876" rtl="0" eaLnBrk="1" latinLnBrk="0" hangingPunct="1">
+              <a:defRPr sz="1653" kern="1200">
+                <a:solidFill>
+                  <a:schemeClr val="tx1"/>
+                </a:solidFill>
+                <a:latin typeface="+mn-lt"/>
+                <a:ea typeface="+mn-ea"/>
+                <a:cs typeface="+mn-cs"/>
+              </a:defRPr>
+            </a:lvl7pPr>
+            <a:lvl8pPr marL="2939567" algn="l" defTabSz="839876" rtl="0" eaLnBrk="1" latinLnBrk="0" hangingPunct="1">
+              <a:defRPr sz="1653" kern="1200">
+                <a:solidFill>
+                  <a:schemeClr val="tx1"/>
+                </a:solidFill>
+                <a:latin typeface="+mn-lt"/>
+                <a:ea typeface="+mn-ea"/>
+                <a:cs typeface="+mn-cs"/>
+              </a:defRPr>
+            </a:lvl8pPr>
+            <a:lvl9pPr marL="3359506" algn="l" defTabSz="839876" rtl="0" eaLnBrk="1" latinLnBrk="0" hangingPunct="1">
+              <a:defRPr sz="1653" kern="1200">
+                <a:solidFill>
+                  <a:schemeClr val="tx1"/>
+                </a:solidFill>
+                <a:latin typeface="+mn-lt"/>
+                <a:ea typeface="+mn-ea"/>
+                <a:cs typeface="+mn-cs"/>
+              </a:defRPr>
+            </a:lvl9pPr>
+          </a:lstStyle>
+          <a:p>
+            <a:pPr>
+              <a:lnSpc>
+                <a:spcPts val="4031"/>
+              </a:lnSpc>
+            </a:pPr>
+            <a:r>
+              <a:rPr lang="en-US" sz="2879" b="1" dirty="0">
+                <a:solidFill>
+                  <a:srgbClr val="5C378C"/>
+                </a:solidFill>
+                <a:latin typeface="Poppins Bold"/>
+                <a:ea typeface="Poppins Bold"/>
+                <a:cs typeface="Poppins Bold"/>
+                <a:sym typeface="Poppins Bold"/>
+              </a:rPr>
+              <a:t>COLABORADOR PROPUESTO - </a:t>
+            </a:r>
+            <a:r>
+              <a:rPr lang="es-AR" sz="2879" b="1" dirty="0">
+                <a:solidFill>
+                  <a:srgbClr val="5C378C"/>
+                </a:solidFill>
+                <a:latin typeface="Poppins Bold"/>
+                <a:cs typeface="Poppins Bold"/>
+              </a:rPr>
+              <a:t>{{NOMBRE}}</a:t>
+            </a:r>
+            <a:endParaRPr lang="en-US" sz="2879" b="1" dirty="0">
+              <a:solidFill>
+                <a:srgbClr val="5C378C"/>
+              </a:solidFill>
+              <a:latin typeface="Poppins Bold"/>
+              <a:cs typeface="Poppins Bold"/>
+              <a:sym typeface="Poppins Bold"/>
+            </a:endParaRPr>
+          </a:p>
+        </p:txBody>
+      </p:sp>
+      <p:sp>
+        <p:nvSpPr>
+          <p:cNvPr id="16" name="TextBox 16">
+            <a:extLst>
+              <a:ext uri="{FF2B5EF4-FFF2-40B4-BE49-F238E27FC236}">
+                <a16:creationId xmlns:a16="http://schemas.microsoft.com/office/drawing/2014/main" id="{D5087085-BDD4-7AA2-7E11-AEDCCBDF3753}"/>
+              </a:ext>
+            </a:extLst>
+          </p:cNvPr>
+          <p:cNvSpPr txBox="1"/>
+          <p:nvPr/>
+        </p:nvSpPr>
+        <p:spPr>
+          <a:xfrm>
+            <a:off x="3519488" y="3337780"/>
+            <a:ext cx="2534539" cy="279564"/>
+          </a:xfrm>
+          <a:prstGeom prst="rect">
+            <a:avLst/>
+          </a:prstGeom>
+        </p:spPr>
+        <p:txBody>
+          <a:bodyPr wrap="square" lIns="0" tIns="0" rIns="0" bIns="0" rtlCol="0" anchor="t">
+            <a:spAutoFit/>
+          </a:bodyPr>
+          <a:lstStyle>
+            <a:defPPr>
+              <a:defRPr lang="en-US"/>
+            </a:defPPr>
+            <a:lvl1pPr marL="0" algn="l" defTabSz="839876" rtl="0" eaLnBrk="1" latinLnBrk="0" hangingPunct="1">
+              <a:defRPr sz="1653" kern="1200">
+                <a:solidFill>
+                  <a:schemeClr val="tx1"/>
+                </a:solidFill>
+                <a:latin typeface="+mn-lt"/>
+                <a:ea typeface="+mn-ea"/>
+                <a:cs typeface="+mn-cs"/>
+              </a:defRPr>
+            </a:lvl1pPr>
+            <a:lvl2pPr marL="419938" algn="l" defTabSz="839876" rtl="0" eaLnBrk="1" latinLnBrk="0" hangingPunct="1">
+              <a:defRPr sz="1653" kern="1200">
+                <a:solidFill>
+                  <a:schemeClr val="tx1"/>
+                </a:solidFill>
+                <a:latin typeface="+mn-lt"/>
+                <a:ea typeface="+mn-ea"/>
+                <a:cs typeface="+mn-cs"/>
+              </a:defRPr>
+            </a:lvl2pPr>
+            <a:lvl3pPr marL="839876" algn="l" defTabSz="839876" rtl="0" eaLnBrk="1" latinLnBrk="0" hangingPunct="1">
+              <a:defRPr sz="1653" kern="1200">
+                <a:solidFill>
+                  <a:schemeClr val="tx1"/>
+                </a:solidFill>
+                <a:latin typeface="+mn-lt"/>
+                <a:ea typeface="+mn-ea"/>
+                <a:cs typeface="+mn-cs"/>
+              </a:defRPr>
+            </a:lvl3pPr>
+            <a:lvl4pPr marL="1259815" algn="l" defTabSz="839876" rtl="0" eaLnBrk="1" latinLnBrk="0" hangingPunct="1">
+              <a:defRPr sz="1653" kern="1200">
+                <a:solidFill>
+                  <a:schemeClr val="tx1"/>
+                </a:solidFill>
+                <a:latin typeface="+mn-lt"/>
+                <a:ea typeface="+mn-ea"/>
+                <a:cs typeface="+mn-cs"/>
+              </a:defRPr>
+            </a:lvl4pPr>
+            <a:lvl5pPr marL="1679753" algn="l" defTabSz="839876" rtl="0" eaLnBrk="1" latinLnBrk="0" hangingPunct="1">
+              <a:defRPr sz="1653" kern="1200">
+                <a:solidFill>
+                  <a:schemeClr val="tx1"/>
+                </a:solidFill>
+                <a:latin typeface="+mn-lt"/>
+                <a:ea typeface="+mn-ea"/>
+                <a:cs typeface="+mn-cs"/>
+              </a:defRPr>
+            </a:lvl5pPr>
+            <a:lvl6pPr marL="2099691" algn="l" defTabSz="839876" rtl="0" eaLnBrk="1" latinLnBrk="0" hangingPunct="1">
+              <a:defRPr sz="1653" kern="1200">
+                <a:solidFill>
+                  <a:schemeClr val="tx1"/>
+                </a:solidFill>
+                <a:latin typeface="+mn-lt"/>
+                <a:ea typeface="+mn-ea"/>
+                <a:cs typeface="+mn-cs"/>
+              </a:defRPr>
+            </a:lvl6pPr>
+            <a:lvl7pPr marL="2519629" algn="l" defTabSz="839876" rtl="0" eaLnBrk="1" latinLnBrk="0" hangingPunct="1">
+              <a:defRPr sz="1653" kern="1200">
+                <a:solidFill>
+                  <a:schemeClr val="tx1"/>
+                </a:solidFill>
+                <a:latin typeface="+mn-lt"/>
+                <a:ea typeface="+mn-ea"/>
+                <a:cs typeface="+mn-cs"/>
+              </a:defRPr>
+            </a:lvl7pPr>
+            <a:lvl8pPr marL="2939567" algn="l" defTabSz="839876" rtl="0" eaLnBrk="1" latinLnBrk="0" hangingPunct="1">
+              <a:defRPr sz="1653" kern="1200">
+                <a:solidFill>
+                  <a:schemeClr val="tx1"/>
+                </a:solidFill>
+                <a:latin typeface="+mn-lt"/>
+                <a:ea typeface="+mn-ea"/>
+                <a:cs typeface="+mn-cs"/>
+              </a:defRPr>
+            </a:lvl8pPr>
+            <a:lvl9pPr marL="3359506" algn="l" defTabSz="839876" rtl="0" eaLnBrk="1" latinLnBrk="0" hangingPunct="1">
+              <a:defRPr sz="1653" kern="1200">
+                <a:solidFill>
+                  <a:schemeClr val="tx1"/>
+                </a:solidFill>
+                <a:latin typeface="+mn-lt"/>
+                <a:ea typeface="+mn-ea"/>
+                <a:cs typeface="+mn-cs"/>
+              </a:defRPr>
+            </a:lvl9pPr>
+          </a:lstStyle>
+          <a:p>
+            <a:pPr marL="285750" indent="-285750">
+              <a:lnSpc>
+                <a:spcPts val="2274"/>
+              </a:lnSpc>
+              <a:buFont typeface="Arial"/>
+              <a:buChar char="•"/>
+            </a:pPr>
+            <a:r>
+              <a:rPr lang="en-US" sz="1625" b="1" dirty="0">
+                <a:solidFill>
+                  <a:srgbClr val="5C378C"/>
+                </a:solidFill>
+                <a:ea typeface="Poppins Bold"/>
+                <a:cs typeface="Poppins Bold"/>
+                <a:sym typeface="Poppins Bold"/>
+              </a:rPr>
+              <a:t>  </a:t>
+            </a:r>
+            <a:r>
+              <a:rPr lang="es-AR" sz="1625" b="1" dirty="0">
+                <a:solidFill>
+                  <a:srgbClr val="5C378C"/>
+                </a:solidFill>
+                <a:cs typeface="Poppins Bold"/>
+              </a:rPr>
+              <a:t>{{EXPERIENCIA_RESTO}}</a:t>
+            </a:r>
+            <a:endParaRPr lang="en-US" sz="1625" b="1" dirty="0">
+              <a:solidFill>
+                <a:srgbClr val="5C378C"/>
+              </a:solidFill>
+              <a:cs typeface="Poppins Bold"/>
+            </a:endParaRPr>
+          </a:p>
+        </p:txBody>
+      </p:sp>
       <p:grpSp>
         <p:nvGrpSpPr>
-          <p:cNvPr id="9" name="Group 9">
+          <p:cNvPr id="5" name="Group 9">
             <a:extLst>
               <a:ext uri="{FF2B5EF4-FFF2-40B4-BE49-F238E27FC236}">
-                <a16:creationId xmlns:a16="http://schemas.microsoft.com/office/drawing/2014/main" id="{E973C82B-6DE7-9068-28D4-07F6DF125A06}"/>
+                <a16:creationId xmlns:a16="http://schemas.microsoft.com/office/drawing/2014/main" id="{3273471D-02BF-5C75-63D0-128C6EDF04F3}"/>
               </a:ext>
             </a:extLst>
           </p:cNvPr>
@@ -4916,18 +5091,18 @@
         </p:nvGrpSpPr>
         <p:grpSpPr>
           <a:xfrm>
-            <a:off x="316467" y="431976"/>
-            <a:ext cx="2602773" cy="2568228"/>
+            <a:off x="182880" y="285193"/>
+            <a:ext cx="1371600" cy="1360727"/>
             <a:chOff x="0" y="0"/>
             <a:chExt cx="1027780" cy="1014139"/>
           </a:xfrm>
         </p:grpSpPr>
         <p:sp>
           <p:nvSpPr>
-            <p:cNvPr id="10" name="Freeform 10">
+            <p:cNvPr id="6" name="Freeform 10">
               <a:extLst>
                 <a:ext uri="{FF2B5EF4-FFF2-40B4-BE49-F238E27FC236}">
-                  <a16:creationId xmlns:a16="http://schemas.microsoft.com/office/drawing/2014/main" id="{25136B9F-8EAE-60CE-4FDE-FB4C2DD6C89E}"/>
+                  <a16:creationId xmlns:a16="http://schemas.microsoft.com/office/drawing/2014/main" id="{6E4E4322-325A-8075-0D29-05D26A9EF9CE}"/>
                 </a:ext>
               </a:extLst>
             </p:cNvPr>
@@ -4977,10 +5152,10 @@
         </p:sp>
         <p:sp>
           <p:nvSpPr>
-            <p:cNvPr id="11" name="TextBox 11">
+            <p:cNvPr id="14" name="TextBox 11">
               <a:extLst>
                 <a:ext uri="{FF2B5EF4-FFF2-40B4-BE49-F238E27FC236}">
-                  <a16:creationId xmlns:a16="http://schemas.microsoft.com/office/drawing/2014/main" id="{3B145429-F543-ACBD-D4BF-6CB1AE959DE5}"/>
+                  <a16:creationId xmlns:a16="http://schemas.microsoft.com/office/drawing/2014/main" id="{63626D7F-02A4-A656-C395-F47A55119E87}"/>
                 </a:ext>
               </a:extLst>
             </p:cNvPr>
@@ -5115,469 +5290,6 @@
           </p:txBody>
         </p:sp>
       </p:grpSp>
-      <p:sp>
-        <p:nvSpPr>
-          <p:cNvPr id="12" name="TextBox 12">
-            <a:extLst>
-              <a:ext uri="{FF2B5EF4-FFF2-40B4-BE49-F238E27FC236}">
-                <a16:creationId xmlns:a16="http://schemas.microsoft.com/office/drawing/2014/main" id="{60365B55-E7DA-3529-4805-B7F4FC737DDA}"/>
-              </a:ext>
-            </a:extLst>
-          </p:cNvPr>
-          <p:cNvSpPr txBox="1"/>
-          <p:nvPr/>
-        </p:nvSpPr>
-        <p:spPr>
-          <a:xfrm>
-            <a:off x="3519445" y="434668"/>
-            <a:ext cx="3185963" cy="1524072"/>
-          </a:xfrm>
-          <a:prstGeom prst="rect">
-            <a:avLst/>
-          </a:prstGeom>
-        </p:spPr>
-        <p:txBody>
-          <a:bodyPr wrap="square" lIns="0" tIns="0" rIns="0" bIns="0" rtlCol="0" anchor="t">
-            <a:spAutoFit/>
-          </a:bodyPr>
-          <a:lstStyle>
-            <a:defPPr>
-              <a:defRPr lang="en-US"/>
-            </a:defPPr>
-            <a:lvl1pPr marL="0" algn="l" defTabSz="839876" rtl="0" eaLnBrk="1" latinLnBrk="0" hangingPunct="1">
-              <a:defRPr sz="1653" kern="1200">
-                <a:solidFill>
-                  <a:schemeClr val="tx1"/>
-                </a:solidFill>
-                <a:latin typeface="+mn-lt"/>
-                <a:ea typeface="+mn-ea"/>
-                <a:cs typeface="+mn-cs"/>
-              </a:defRPr>
-            </a:lvl1pPr>
-            <a:lvl2pPr marL="419938" algn="l" defTabSz="839876" rtl="0" eaLnBrk="1" latinLnBrk="0" hangingPunct="1">
-              <a:defRPr sz="1653" kern="1200">
-                <a:solidFill>
-                  <a:schemeClr val="tx1"/>
-                </a:solidFill>
-                <a:latin typeface="+mn-lt"/>
-                <a:ea typeface="+mn-ea"/>
-                <a:cs typeface="+mn-cs"/>
-              </a:defRPr>
-            </a:lvl2pPr>
-            <a:lvl3pPr marL="839876" algn="l" defTabSz="839876" rtl="0" eaLnBrk="1" latinLnBrk="0" hangingPunct="1">
-              <a:defRPr sz="1653" kern="1200">
-                <a:solidFill>
-                  <a:schemeClr val="tx1"/>
-                </a:solidFill>
-                <a:latin typeface="+mn-lt"/>
-                <a:ea typeface="+mn-ea"/>
-                <a:cs typeface="+mn-cs"/>
-              </a:defRPr>
-            </a:lvl3pPr>
-            <a:lvl4pPr marL="1259815" algn="l" defTabSz="839876" rtl="0" eaLnBrk="1" latinLnBrk="0" hangingPunct="1">
-              <a:defRPr sz="1653" kern="1200">
-                <a:solidFill>
-                  <a:schemeClr val="tx1"/>
-                </a:solidFill>
-                <a:latin typeface="+mn-lt"/>
-                <a:ea typeface="+mn-ea"/>
-                <a:cs typeface="+mn-cs"/>
-              </a:defRPr>
-            </a:lvl4pPr>
-            <a:lvl5pPr marL="1679753" algn="l" defTabSz="839876" rtl="0" eaLnBrk="1" latinLnBrk="0" hangingPunct="1">
-              <a:defRPr sz="1653" kern="1200">
-                <a:solidFill>
-                  <a:schemeClr val="tx1"/>
-                </a:solidFill>
-                <a:latin typeface="+mn-lt"/>
-                <a:ea typeface="+mn-ea"/>
-                <a:cs typeface="+mn-cs"/>
-              </a:defRPr>
-            </a:lvl5pPr>
-            <a:lvl6pPr marL="2099691" algn="l" defTabSz="839876" rtl="0" eaLnBrk="1" latinLnBrk="0" hangingPunct="1">
-              <a:defRPr sz="1653" kern="1200">
-                <a:solidFill>
-                  <a:schemeClr val="tx1"/>
-                </a:solidFill>
-                <a:latin typeface="+mn-lt"/>
-                <a:ea typeface="+mn-ea"/>
-                <a:cs typeface="+mn-cs"/>
-              </a:defRPr>
-            </a:lvl6pPr>
-            <a:lvl7pPr marL="2519629" algn="l" defTabSz="839876" rtl="0" eaLnBrk="1" latinLnBrk="0" hangingPunct="1">
-              <a:defRPr sz="1653" kern="1200">
-                <a:solidFill>
-                  <a:schemeClr val="tx1"/>
-                </a:solidFill>
-                <a:latin typeface="+mn-lt"/>
-                <a:ea typeface="+mn-ea"/>
-                <a:cs typeface="+mn-cs"/>
-              </a:defRPr>
-            </a:lvl7pPr>
-            <a:lvl8pPr marL="2939567" algn="l" defTabSz="839876" rtl="0" eaLnBrk="1" latinLnBrk="0" hangingPunct="1">
-              <a:defRPr sz="1653" kern="1200">
-                <a:solidFill>
-                  <a:schemeClr val="tx1"/>
-                </a:solidFill>
-                <a:latin typeface="+mn-lt"/>
-                <a:ea typeface="+mn-ea"/>
-                <a:cs typeface="+mn-cs"/>
-              </a:defRPr>
-            </a:lvl8pPr>
-            <a:lvl9pPr marL="3359506" algn="l" defTabSz="839876" rtl="0" eaLnBrk="1" latinLnBrk="0" hangingPunct="1">
-              <a:defRPr sz="1653" kern="1200">
-                <a:solidFill>
-                  <a:schemeClr val="tx1"/>
-                </a:solidFill>
-                <a:latin typeface="+mn-lt"/>
-                <a:ea typeface="+mn-ea"/>
-                <a:cs typeface="+mn-cs"/>
-              </a:defRPr>
-            </a:lvl9pPr>
-          </a:lstStyle>
-          <a:p>
-            <a:pPr>
-              <a:lnSpc>
-                <a:spcPts val="4031"/>
-              </a:lnSpc>
-            </a:pPr>
-            <a:r>
-              <a:rPr lang="en-US" sz="2879" b="1" dirty="0">
-                <a:solidFill>
-                  <a:srgbClr val="5C378C"/>
-                </a:solidFill>
-                <a:latin typeface="Poppins Bold"/>
-                <a:ea typeface="Poppins Bold"/>
-                <a:cs typeface="Poppins Bold"/>
-                <a:sym typeface="Poppins Bold"/>
-              </a:rPr>
-              <a:t>COLABORADOR PROPUESTO - </a:t>
-            </a:r>
-            <a:r>
-              <a:rPr lang="es-AR" sz="2879" b="1" dirty="0">
-                <a:solidFill>
-                  <a:srgbClr val="5C378C"/>
-                </a:solidFill>
-                <a:latin typeface="Poppins Bold"/>
-                <a:cs typeface="Poppins Bold"/>
-              </a:rPr>
-              <a:t>{{NOMBRE}}</a:t>
-            </a:r>
-            <a:endParaRPr lang="en-US" sz="2879" b="1" dirty="0">
-              <a:solidFill>
-                <a:srgbClr val="5C378C"/>
-              </a:solidFill>
-              <a:latin typeface="Poppins Bold"/>
-              <a:cs typeface="Poppins Bold"/>
-              <a:sym typeface="Poppins Bold"/>
-            </a:endParaRPr>
-          </a:p>
-        </p:txBody>
-      </p:sp>
-      <p:sp>
-        <p:nvSpPr>
-          <p:cNvPr id="13" name="TextBox 13">
-            <a:extLst>
-              <a:ext uri="{FF2B5EF4-FFF2-40B4-BE49-F238E27FC236}">
-                <a16:creationId xmlns:a16="http://schemas.microsoft.com/office/drawing/2014/main" id="{E82D230F-F284-EA3A-80E5-F52551A8770B}"/>
-              </a:ext>
-            </a:extLst>
-          </p:cNvPr>
-          <p:cNvSpPr txBox="1"/>
-          <p:nvPr/>
-        </p:nvSpPr>
-        <p:spPr>
-          <a:xfrm>
-            <a:off x="3507108" y="2369905"/>
-            <a:ext cx="3196675" cy="230832"/>
-          </a:xfrm>
-          <a:prstGeom prst="rect">
-            <a:avLst/>
-          </a:prstGeom>
-        </p:spPr>
-        <p:txBody>
-          <a:bodyPr wrap="square" lIns="0" tIns="0" rIns="0" bIns="0" rtlCol="0" anchor="t">
-            <a:spAutoFit/>
-          </a:bodyPr>
-          <a:lstStyle>
-            <a:defPPr>
-              <a:defRPr lang="en-US"/>
-            </a:defPPr>
-            <a:lvl1pPr marL="0" algn="l" defTabSz="839876" rtl="0" eaLnBrk="1" latinLnBrk="0" hangingPunct="1">
-              <a:defRPr sz="1653" kern="1200">
-                <a:solidFill>
-                  <a:schemeClr val="tx1"/>
-                </a:solidFill>
-                <a:latin typeface="+mn-lt"/>
-                <a:ea typeface="+mn-ea"/>
-                <a:cs typeface="+mn-cs"/>
-              </a:defRPr>
-            </a:lvl1pPr>
-            <a:lvl2pPr marL="419938" algn="l" defTabSz="839876" rtl="0" eaLnBrk="1" latinLnBrk="0" hangingPunct="1">
-              <a:defRPr sz="1653" kern="1200">
-                <a:solidFill>
-                  <a:schemeClr val="tx1"/>
-                </a:solidFill>
-                <a:latin typeface="+mn-lt"/>
-                <a:ea typeface="+mn-ea"/>
-                <a:cs typeface="+mn-cs"/>
-              </a:defRPr>
-            </a:lvl2pPr>
-            <a:lvl3pPr marL="839876" algn="l" defTabSz="839876" rtl="0" eaLnBrk="1" latinLnBrk="0" hangingPunct="1">
-              <a:defRPr sz="1653" kern="1200">
-                <a:solidFill>
-                  <a:schemeClr val="tx1"/>
-                </a:solidFill>
-                <a:latin typeface="+mn-lt"/>
-                <a:ea typeface="+mn-ea"/>
-                <a:cs typeface="+mn-cs"/>
-              </a:defRPr>
-            </a:lvl3pPr>
-            <a:lvl4pPr marL="1259815" algn="l" defTabSz="839876" rtl="0" eaLnBrk="1" latinLnBrk="0" hangingPunct="1">
-              <a:defRPr sz="1653" kern="1200">
-                <a:solidFill>
-                  <a:schemeClr val="tx1"/>
-                </a:solidFill>
-                <a:latin typeface="+mn-lt"/>
-                <a:ea typeface="+mn-ea"/>
-                <a:cs typeface="+mn-cs"/>
-              </a:defRPr>
-            </a:lvl4pPr>
-            <a:lvl5pPr marL="1679753" algn="l" defTabSz="839876" rtl="0" eaLnBrk="1" latinLnBrk="0" hangingPunct="1">
-              <a:defRPr sz="1653" kern="1200">
-                <a:solidFill>
-                  <a:schemeClr val="tx1"/>
-                </a:solidFill>
-                <a:latin typeface="+mn-lt"/>
-                <a:ea typeface="+mn-ea"/>
-                <a:cs typeface="+mn-cs"/>
-              </a:defRPr>
-            </a:lvl5pPr>
-            <a:lvl6pPr marL="2099691" algn="l" defTabSz="839876" rtl="0" eaLnBrk="1" latinLnBrk="0" hangingPunct="1">
-              <a:defRPr sz="1653" kern="1200">
-                <a:solidFill>
-                  <a:schemeClr val="tx1"/>
-                </a:solidFill>
-                <a:latin typeface="+mn-lt"/>
-                <a:ea typeface="+mn-ea"/>
-                <a:cs typeface="+mn-cs"/>
-              </a:defRPr>
-            </a:lvl6pPr>
-            <a:lvl7pPr marL="2519629" algn="l" defTabSz="839876" rtl="0" eaLnBrk="1" latinLnBrk="0" hangingPunct="1">
-              <a:defRPr sz="1653" kern="1200">
-                <a:solidFill>
-                  <a:schemeClr val="tx1"/>
-                </a:solidFill>
-                <a:latin typeface="+mn-lt"/>
-                <a:ea typeface="+mn-ea"/>
-                <a:cs typeface="+mn-cs"/>
-              </a:defRPr>
-            </a:lvl7pPr>
-            <a:lvl8pPr marL="2939567" algn="l" defTabSz="839876" rtl="0" eaLnBrk="1" latinLnBrk="0" hangingPunct="1">
-              <a:defRPr sz="1653" kern="1200">
-                <a:solidFill>
-                  <a:schemeClr val="tx1"/>
-                </a:solidFill>
-                <a:latin typeface="+mn-lt"/>
-                <a:ea typeface="+mn-ea"/>
-                <a:cs typeface="+mn-cs"/>
-              </a:defRPr>
-            </a:lvl8pPr>
-            <a:lvl9pPr marL="3359506" algn="l" defTabSz="839876" rtl="0" eaLnBrk="1" latinLnBrk="0" hangingPunct="1">
-              <a:defRPr sz="1653" kern="1200">
-                <a:solidFill>
-                  <a:schemeClr val="tx1"/>
-                </a:solidFill>
-                <a:latin typeface="+mn-lt"/>
-                <a:ea typeface="+mn-ea"/>
-                <a:cs typeface="+mn-cs"/>
-              </a:defRPr>
-            </a:lvl9pPr>
-          </a:lstStyle>
-          <a:p>
-            <a:pPr>
-              <a:lnSpc>
-                <a:spcPts val="1760"/>
-              </a:lnSpc>
-            </a:pPr>
-            <a:r>
-              <a:rPr lang="es-AR" sz="1600" b="1" dirty="0">
-                <a:solidFill>
-                  <a:srgbClr val="5C378C"/>
-                </a:solidFill>
-                <a:latin typeface="Poppins Bold"/>
-                <a:cs typeface="Poppins Bold"/>
-              </a:rPr>
-              <a:t>{{PUESTO}}</a:t>
-            </a:r>
-            <a:endParaRPr lang="en-US" sz="1600" b="1" dirty="0">
-              <a:solidFill>
-                <a:srgbClr val="5C378C"/>
-              </a:solidFill>
-              <a:latin typeface="Poppins Bold"/>
-              <a:cs typeface="Poppins Bold"/>
-              <a:sym typeface="Poppins Bold"/>
-            </a:endParaRPr>
-          </a:p>
-        </p:txBody>
-      </p:sp>
-      <p:sp>
-        <p:nvSpPr>
-          <p:cNvPr id="16" name="TextBox 16">
-            <a:extLst>
-              <a:ext uri="{FF2B5EF4-FFF2-40B4-BE49-F238E27FC236}">
-                <a16:creationId xmlns:a16="http://schemas.microsoft.com/office/drawing/2014/main" id="{D5087085-BDD4-7AA2-7E11-AEDCCBDF3753}"/>
-              </a:ext>
-            </a:extLst>
-          </p:cNvPr>
-          <p:cNvSpPr txBox="1"/>
-          <p:nvPr/>
-        </p:nvSpPr>
-        <p:spPr>
-          <a:xfrm>
-            <a:off x="3519488" y="3337780"/>
-            <a:ext cx="2534539" cy="279564"/>
-          </a:xfrm>
-          <a:prstGeom prst="rect">
-            <a:avLst/>
-          </a:prstGeom>
-        </p:spPr>
-        <p:txBody>
-          <a:bodyPr wrap="square" lIns="0" tIns="0" rIns="0" bIns="0" rtlCol="0" anchor="t">
-            <a:spAutoFit/>
-          </a:bodyPr>
-          <a:lstStyle>
-            <a:defPPr>
-              <a:defRPr lang="en-US"/>
-            </a:defPPr>
-            <a:lvl1pPr marL="0" algn="l" defTabSz="839876" rtl="0" eaLnBrk="1" latinLnBrk="0" hangingPunct="1">
-              <a:defRPr sz="1653" kern="1200">
-                <a:solidFill>
-                  <a:schemeClr val="tx1"/>
-                </a:solidFill>
-                <a:latin typeface="+mn-lt"/>
-                <a:ea typeface="+mn-ea"/>
-                <a:cs typeface="+mn-cs"/>
-              </a:defRPr>
-            </a:lvl1pPr>
-            <a:lvl2pPr marL="419938" algn="l" defTabSz="839876" rtl="0" eaLnBrk="1" latinLnBrk="0" hangingPunct="1">
-              <a:defRPr sz="1653" kern="1200">
-                <a:solidFill>
-                  <a:schemeClr val="tx1"/>
-                </a:solidFill>
-                <a:latin typeface="+mn-lt"/>
-                <a:ea typeface="+mn-ea"/>
-                <a:cs typeface="+mn-cs"/>
-              </a:defRPr>
-            </a:lvl2pPr>
-            <a:lvl3pPr marL="839876" algn="l" defTabSz="839876" rtl="0" eaLnBrk="1" latinLnBrk="0" hangingPunct="1">
-              <a:defRPr sz="1653" kern="1200">
-                <a:solidFill>
-                  <a:schemeClr val="tx1"/>
-                </a:solidFill>
-                <a:latin typeface="+mn-lt"/>
-                <a:ea typeface="+mn-ea"/>
-                <a:cs typeface="+mn-cs"/>
-              </a:defRPr>
-            </a:lvl3pPr>
-            <a:lvl4pPr marL="1259815" algn="l" defTabSz="839876" rtl="0" eaLnBrk="1" latinLnBrk="0" hangingPunct="1">
-              <a:defRPr sz="1653" kern="1200">
-                <a:solidFill>
-                  <a:schemeClr val="tx1"/>
-                </a:solidFill>
-                <a:latin typeface="+mn-lt"/>
-                <a:ea typeface="+mn-ea"/>
-                <a:cs typeface="+mn-cs"/>
-              </a:defRPr>
-            </a:lvl4pPr>
-            <a:lvl5pPr marL="1679753" algn="l" defTabSz="839876" rtl="0" eaLnBrk="1" latinLnBrk="0" hangingPunct="1">
-              <a:defRPr sz="1653" kern="1200">
-                <a:solidFill>
-                  <a:schemeClr val="tx1"/>
-                </a:solidFill>
-                <a:latin typeface="+mn-lt"/>
-                <a:ea typeface="+mn-ea"/>
-                <a:cs typeface="+mn-cs"/>
-              </a:defRPr>
-            </a:lvl5pPr>
-            <a:lvl6pPr marL="2099691" algn="l" defTabSz="839876" rtl="0" eaLnBrk="1" latinLnBrk="0" hangingPunct="1">
-              <a:defRPr sz="1653" kern="1200">
-                <a:solidFill>
-                  <a:schemeClr val="tx1"/>
-                </a:solidFill>
-                <a:latin typeface="+mn-lt"/>
-                <a:ea typeface="+mn-ea"/>
-                <a:cs typeface="+mn-cs"/>
-              </a:defRPr>
-            </a:lvl6pPr>
-            <a:lvl7pPr marL="2519629" algn="l" defTabSz="839876" rtl="0" eaLnBrk="1" latinLnBrk="0" hangingPunct="1">
-              <a:defRPr sz="1653" kern="1200">
-                <a:solidFill>
-                  <a:schemeClr val="tx1"/>
-                </a:solidFill>
-                <a:latin typeface="+mn-lt"/>
-                <a:ea typeface="+mn-ea"/>
-                <a:cs typeface="+mn-cs"/>
-              </a:defRPr>
-            </a:lvl7pPr>
-            <a:lvl8pPr marL="2939567" algn="l" defTabSz="839876" rtl="0" eaLnBrk="1" latinLnBrk="0" hangingPunct="1">
-              <a:defRPr sz="1653" kern="1200">
-                <a:solidFill>
-                  <a:schemeClr val="tx1"/>
-                </a:solidFill>
-                <a:latin typeface="+mn-lt"/>
-                <a:ea typeface="+mn-ea"/>
-                <a:cs typeface="+mn-cs"/>
-              </a:defRPr>
-            </a:lvl8pPr>
-            <a:lvl9pPr marL="3359506" algn="l" defTabSz="839876" rtl="0" eaLnBrk="1" latinLnBrk="0" hangingPunct="1">
-              <a:defRPr sz="1653" kern="1200">
-                <a:solidFill>
-                  <a:schemeClr val="tx1"/>
-                </a:solidFill>
-                <a:latin typeface="+mn-lt"/>
-                <a:ea typeface="+mn-ea"/>
-                <a:cs typeface="+mn-cs"/>
-              </a:defRPr>
-            </a:lvl9pPr>
-          </a:lstStyle>
-          <a:p>
-            <a:pPr marL="285750" indent="-285750">
-              <a:lnSpc>
-                <a:spcPts val="2274"/>
-              </a:lnSpc>
-              <a:buFont typeface="Arial"/>
-              <a:buChar char="•"/>
-            </a:pPr>
-            <a:r>
-              <a:rPr lang="en-US" sz="1625" b="1" dirty="0">
-                <a:solidFill>
-                  <a:srgbClr val="5C378C"/>
-                </a:solidFill>
-                <a:ea typeface="Poppins Bold"/>
-                <a:cs typeface="Poppins Bold"/>
-                <a:sym typeface="Poppins Bold"/>
-              </a:rPr>
-              <a:t>  </a:t>
-            </a:r>
-            <a:r>
-              <a:rPr lang="es-AR" sz="1625" b="1" dirty="0">
-                <a:solidFill>
-                  <a:srgbClr val="5C378C"/>
-                </a:solidFill>
-                <a:cs typeface="Poppins Bold"/>
-              </a:rPr>
-              <a:t>{{EXPERIENCIA_RESTO}}</a:t>
-            </a:r>
-            <a:endParaRPr lang="en-US" sz="1625" b="1" dirty="0">
-              <a:solidFill>
-                <a:srgbClr val="5C378C"/>
-              </a:solidFill>
-              <a:cs typeface="Poppins Bold"/>
-            </a:endParaRPr>
-          </a:p>
-        </p:txBody>
-      </p:sp>
     </p:spTree>
     <p:extLst>
       <p:ext uri="{BB962C8B-B14F-4D97-AF65-F5344CB8AC3E}">
@@ -5924,12 +5636,328 @@
           </a:p>
         </p:txBody>
       </p:sp>
+      <p:sp>
+        <p:nvSpPr>
+          <p:cNvPr id="12" name="TextBox 12">
+            <a:extLst>
+              <a:ext uri="{FF2B5EF4-FFF2-40B4-BE49-F238E27FC236}">
+                <a16:creationId xmlns:a16="http://schemas.microsoft.com/office/drawing/2014/main" id="{D08B7FF6-BE27-9BB2-5859-A40AC450BCB6}"/>
+              </a:ext>
+            </a:extLst>
+          </p:cNvPr>
+          <p:cNvSpPr txBox="1"/>
+          <p:nvPr/>
+        </p:nvSpPr>
+        <p:spPr>
+          <a:xfrm>
+            <a:off x="3519445" y="434668"/>
+            <a:ext cx="3185963" cy="1524072"/>
+          </a:xfrm>
+          <a:prstGeom prst="rect">
+            <a:avLst/>
+          </a:prstGeom>
+        </p:spPr>
+        <p:txBody>
+          <a:bodyPr wrap="square" lIns="0" tIns="0" rIns="0" bIns="0" rtlCol="0" anchor="t">
+            <a:spAutoFit/>
+          </a:bodyPr>
+          <a:lstStyle>
+            <a:defPPr>
+              <a:defRPr lang="en-US"/>
+            </a:defPPr>
+            <a:lvl1pPr marL="0" algn="l" defTabSz="839876" rtl="0" eaLnBrk="1" latinLnBrk="0" hangingPunct="1">
+              <a:defRPr sz="1653" kern="1200">
+                <a:solidFill>
+                  <a:schemeClr val="tx1"/>
+                </a:solidFill>
+                <a:latin typeface="+mn-lt"/>
+                <a:ea typeface="+mn-ea"/>
+                <a:cs typeface="+mn-cs"/>
+              </a:defRPr>
+            </a:lvl1pPr>
+            <a:lvl2pPr marL="419938" algn="l" defTabSz="839876" rtl="0" eaLnBrk="1" latinLnBrk="0" hangingPunct="1">
+              <a:defRPr sz="1653" kern="1200">
+                <a:solidFill>
+                  <a:schemeClr val="tx1"/>
+                </a:solidFill>
+                <a:latin typeface="+mn-lt"/>
+                <a:ea typeface="+mn-ea"/>
+                <a:cs typeface="+mn-cs"/>
+              </a:defRPr>
+            </a:lvl2pPr>
+            <a:lvl3pPr marL="839876" algn="l" defTabSz="839876" rtl="0" eaLnBrk="1" latinLnBrk="0" hangingPunct="1">
+              <a:defRPr sz="1653" kern="1200">
+                <a:solidFill>
+                  <a:schemeClr val="tx1"/>
+                </a:solidFill>
+                <a:latin typeface="+mn-lt"/>
+                <a:ea typeface="+mn-ea"/>
+                <a:cs typeface="+mn-cs"/>
+              </a:defRPr>
+            </a:lvl3pPr>
+            <a:lvl4pPr marL="1259815" algn="l" defTabSz="839876" rtl="0" eaLnBrk="1" latinLnBrk="0" hangingPunct="1">
+              <a:defRPr sz="1653" kern="1200">
+                <a:solidFill>
+                  <a:schemeClr val="tx1"/>
+                </a:solidFill>
+                <a:latin typeface="+mn-lt"/>
+                <a:ea typeface="+mn-ea"/>
+                <a:cs typeface="+mn-cs"/>
+              </a:defRPr>
+            </a:lvl4pPr>
+            <a:lvl5pPr marL="1679753" algn="l" defTabSz="839876" rtl="0" eaLnBrk="1" latinLnBrk="0" hangingPunct="1">
+              <a:defRPr sz="1653" kern="1200">
+                <a:solidFill>
+                  <a:schemeClr val="tx1"/>
+                </a:solidFill>
+                <a:latin typeface="+mn-lt"/>
+                <a:ea typeface="+mn-ea"/>
+                <a:cs typeface="+mn-cs"/>
+              </a:defRPr>
+            </a:lvl5pPr>
+            <a:lvl6pPr marL="2099691" algn="l" defTabSz="839876" rtl="0" eaLnBrk="1" latinLnBrk="0" hangingPunct="1">
+              <a:defRPr sz="1653" kern="1200">
+                <a:solidFill>
+                  <a:schemeClr val="tx1"/>
+                </a:solidFill>
+                <a:latin typeface="+mn-lt"/>
+                <a:ea typeface="+mn-ea"/>
+                <a:cs typeface="+mn-cs"/>
+              </a:defRPr>
+            </a:lvl6pPr>
+            <a:lvl7pPr marL="2519629" algn="l" defTabSz="839876" rtl="0" eaLnBrk="1" latinLnBrk="0" hangingPunct="1">
+              <a:defRPr sz="1653" kern="1200">
+                <a:solidFill>
+                  <a:schemeClr val="tx1"/>
+                </a:solidFill>
+                <a:latin typeface="+mn-lt"/>
+                <a:ea typeface="+mn-ea"/>
+                <a:cs typeface="+mn-cs"/>
+              </a:defRPr>
+            </a:lvl7pPr>
+            <a:lvl8pPr marL="2939567" algn="l" defTabSz="839876" rtl="0" eaLnBrk="1" latinLnBrk="0" hangingPunct="1">
+              <a:defRPr sz="1653" kern="1200">
+                <a:solidFill>
+                  <a:schemeClr val="tx1"/>
+                </a:solidFill>
+                <a:latin typeface="+mn-lt"/>
+                <a:ea typeface="+mn-ea"/>
+                <a:cs typeface="+mn-cs"/>
+              </a:defRPr>
+            </a:lvl8pPr>
+            <a:lvl9pPr marL="3359506" algn="l" defTabSz="839876" rtl="0" eaLnBrk="1" latinLnBrk="0" hangingPunct="1">
+              <a:defRPr sz="1653" kern="1200">
+                <a:solidFill>
+                  <a:schemeClr val="tx1"/>
+                </a:solidFill>
+                <a:latin typeface="+mn-lt"/>
+                <a:ea typeface="+mn-ea"/>
+                <a:cs typeface="+mn-cs"/>
+              </a:defRPr>
+            </a:lvl9pPr>
+          </a:lstStyle>
+          <a:p>
+            <a:pPr>
+              <a:lnSpc>
+                <a:spcPts val="4031"/>
+              </a:lnSpc>
+            </a:pPr>
+            <a:r>
+              <a:rPr lang="en-US" sz="2879" b="1" dirty="0">
+                <a:solidFill>
+                  <a:srgbClr val="5C378C"/>
+                </a:solidFill>
+                <a:latin typeface="Poppins Bold"/>
+                <a:ea typeface="Poppins Bold"/>
+                <a:cs typeface="Poppins Bold"/>
+                <a:sym typeface="Poppins Bold"/>
+              </a:rPr>
+              <a:t>COLABORADOR PROPUESTO - </a:t>
+            </a:r>
+            <a:r>
+              <a:rPr lang="es-AR" sz="2879" b="1" dirty="0">
+                <a:solidFill>
+                  <a:srgbClr val="5C378C"/>
+                </a:solidFill>
+                <a:latin typeface="Poppins Bold"/>
+                <a:cs typeface="Poppins Bold"/>
+              </a:rPr>
+              <a:t>{{NOMBRE}}</a:t>
+            </a:r>
+            <a:endParaRPr lang="en-US" sz="2879" b="1" dirty="0">
+              <a:solidFill>
+                <a:srgbClr val="5C378C"/>
+              </a:solidFill>
+              <a:latin typeface="Poppins Bold"/>
+              <a:cs typeface="Poppins Bold"/>
+              <a:sym typeface="Poppins Bold"/>
+            </a:endParaRPr>
+          </a:p>
+        </p:txBody>
+      </p:sp>
+      <p:sp>
+        <p:nvSpPr>
+          <p:cNvPr id="16" name="TextBox 16">
+            <a:extLst>
+              <a:ext uri="{FF2B5EF4-FFF2-40B4-BE49-F238E27FC236}">
+                <a16:creationId xmlns:a16="http://schemas.microsoft.com/office/drawing/2014/main" id="{7B184D02-0570-3C40-0B7F-EABC36EBC4C9}"/>
+              </a:ext>
+            </a:extLst>
+          </p:cNvPr>
+          <p:cNvSpPr txBox="1"/>
+          <p:nvPr/>
+        </p:nvSpPr>
+        <p:spPr>
+          <a:xfrm>
+            <a:off x="3519488" y="3337780"/>
+            <a:ext cx="2534539" cy="279564"/>
+          </a:xfrm>
+          <a:prstGeom prst="rect">
+            <a:avLst/>
+          </a:prstGeom>
+        </p:spPr>
+        <p:txBody>
+          <a:bodyPr wrap="square" lIns="0" tIns="0" rIns="0" bIns="0" rtlCol="0" anchor="t">
+            <a:spAutoFit/>
+          </a:bodyPr>
+          <a:lstStyle>
+            <a:defPPr>
+              <a:defRPr lang="en-US"/>
+            </a:defPPr>
+            <a:lvl1pPr marL="0" algn="l" defTabSz="839876" rtl="0" eaLnBrk="1" latinLnBrk="0" hangingPunct="1">
+              <a:defRPr sz="1653" kern="1200">
+                <a:solidFill>
+                  <a:schemeClr val="tx1"/>
+                </a:solidFill>
+                <a:latin typeface="+mn-lt"/>
+                <a:ea typeface="+mn-ea"/>
+                <a:cs typeface="+mn-cs"/>
+              </a:defRPr>
+            </a:lvl1pPr>
+            <a:lvl2pPr marL="419938" algn="l" defTabSz="839876" rtl="0" eaLnBrk="1" latinLnBrk="0" hangingPunct="1">
+              <a:defRPr sz="1653" kern="1200">
+                <a:solidFill>
+                  <a:schemeClr val="tx1"/>
+                </a:solidFill>
+                <a:latin typeface="+mn-lt"/>
+                <a:ea typeface="+mn-ea"/>
+                <a:cs typeface="+mn-cs"/>
+              </a:defRPr>
+            </a:lvl2pPr>
+            <a:lvl3pPr marL="839876" algn="l" defTabSz="839876" rtl="0" eaLnBrk="1" latinLnBrk="0" hangingPunct="1">
+              <a:defRPr sz="1653" kern="1200">
+                <a:solidFill>
+                  <a:schemeClr val="tx1"/>
+                </a:solidFill>
+                <a:latin typeface="+mn-lt"/>
+                <a:ea typeface="+mn-ea"/>
+                <a:cs typeface="+mn-cs"/>
+              </a:defRPr>
+            </a:lvl3pPr>
+            <a:lvl4pPr marL="1259815" algn="l" defTabSz="839876" rtl="0" eaLnBrk="1" latinLnBrk="0" hangingPunct="1">
+              <a:defRPr sz="1653" kern="1200">
+                <a:solidFill>
+                  <a:schemeClr val="tx1"/>
+                </a:solidFill>
+                <a:latin typeface="+mn-lt"/>
+                <a:ea typeface="+mn-ea"/>
+                <a:cs typeface="+mn-cs"/>
+              </a:defRPr>
+            </a:lvl4pPr>
+            <a:lvl5pPr marL="1679753" algn="l" defTabSz="839876" rtl="0" eaLnBrk="1" latinLnBrk="0" hangingPunct="1">
+              <a:defRPr sz="1653" kern="1200">
+                <a:solidFill>
+                  <a:schemeClr val="tx1"/>
+                </a:solidFill>
+                <a:latin typeface="+mn-lt"/>
+                <a:ea typeface="+mn-ea"/>
+                <a:cs typeface="+mn-cs"/>
+              </a:defRPr>
+            </a:lvl5pPr>
+            <a:lvl6pPr marL="2099691" algn="l" defTabSz="839876" rtl="0" eaLnBrk="1" latinLnBrk="0" hangingPunct="1">
+              <a:defRPr sz="1653" kern="1200">
+                <a:solidFill>
+                  <a:schemeClr val="tx1"/>
+                </a:solidFill>
+                <a:latin typeface="+mn-lt"/>
+                <a:ea typeface="+mn-ea"/>
+                <a:cs typeface="+mn-cs"/>
+              </a:defRPr>
+            </a:lvl6pPr>
+            <a:lvl7pPr marL="2519629" algn="l" defTabSz="839876" rtl="0" eaLnBrk="1" latinLnBrk="0" hangingPunct="1">
+              <a:defRPr sz="1653" kern="1200">
+                <a:solidFill>
+                  <a:schemeClr val="tx1"/>
+                </a:solidFill>
+                <a:latin typeface="+mn-lt"/>
+                <a:ea typeface="+mn-ea"/>
+                <a:cs typeface="+mn-cs"/>
+              </a:defRPr>
+            </a:lvl7pPr>
+            <a:lvl8pPr marL="2939567" algn="l" defTabSz="839876" rtl="0" eaLnBrk="1" latinLnBrk="0" hangingPunct="1">
+              <a:defRPr sz="1653" kern="1200">
+                <a:solidFill>
+                  <a:schemeClr val="tx1"/>
+                </a:solidFill>
+                <a:latin typeface="+mn-lt"/>
+                <a:ea typeface="+mn-ea"/>
+                <a:cs typeface="+mn-cs"/>
+              </a:defRPr>
+            </a:lvl8pPr>
+            <a:lvl9pPr marL="3359506" algn="l" defTabSz="839876" rtl="0" eaLnBrk="1" latinLnBrk="0" hangingPunct="1">
+              <a:defRPr sz="1653" kern="1200">
+                <a:solidFill>
+                  <a:schemeClr val="tx1"/>
+                </a:solidFill>
+                <a:latin typeface="+mn-lt"/>
+                <a:ea typeface="+mn-ea"/>
+                <a:cs typeface="+mn-cs"/>
+              </a:defRPr>
+            </a:lvl9pPr>
+          </a:lstStyle>
+          <a:p>
+            <a:pPr marL="285750" indent="-285750">
+              <a:lnSpc>
+                <a:spcPts val="2274"/>
+              </a:lnSpc>
+              <a:buFont typeface="Arial"/>
+              <a:buChar char="•"/>
+            </a:pPr>
+            <a:r>
+              <a:rPr lang="en-US" sz="1625" b="1" dirty="0">
+                <a:solidFill>
+                  <a:srgbClr val="5C378C"/>
+                </a:solidFill>
+                <a:ea typeface="Poppins Bold"/>
+                <a:cs typeface="Poppins Bold"/>
+                <a:sym typeface="Poppins Bold"/>
+              </a:rPr>
+              <a:t> </a:t>
+            </a:r>
+            <a:r>
+              <a:rPr lang="es-AR" sz="1625" b="1" dirty="0">
+                <a:solidFill>
+                  <a:srgbClr val="5C378C"/>
+                </a:solidFill>
+                <a:cs typeface="Poppins Bold"/>
+              </a:rPr>
+              <a:t>{{EXPERIENCIA_RESTO}}</a:t>
+            </a:r>
+            <a:endParaRPr lang="en-US" sz="1625" b="1" dirty="0">
+              <a:solidFill>
+                <a:srgbClr val="5C378C"/>
+              </a:solidFill>
+              <a:cs typeface="Poppins Bold"/>
+            </a:endParaRPr>
+          </a:p>
+        </p:txBody>
+      </p:sp>
       <p:grpSp>
         <p:nvGrpSpPr>
-          <p:cNvPr id="9" name="Group 9">
+          <p:cNvPr id="5" name="Group 9">
             <a:extLst>
               <a:ext uri="{FF2B5EF4-FFF2-40B4-BE49-F238E27FC236}">
-                <a16:creationId xmlns:a16="http://schemas.microsoft.com/office/drawing/2014/main" id="{84345D80-C7A1-B8B2-7199-33605EABA313}"/>
+                <a16:creationId xmlns:a16="http://schemas.microsoft.com/office/drawing/2014/main" id="{AF1DAC52-AF0B-ADC2-4DE0-A2E6F47DDA70}"/>
               </a:ext>
             </a:extLst>
           </p:cNvPr>
@@ -5938,18 +5966,18 @@
         </p:nvGrpSpPr>
         <p:grpSpPr>
           <a:xfrm>
-            <a:off x="316467" y="431976"/>
-            <a:ext cx="2602773" cy="2568228"/>
+            <a:off x="182880" y="285193"/>
+            <a:ext cx="1371600" cy="1360727"/>
             <a:chOff x="0" y="0"/>
             <a:chExt cx="1027780" cy="1014139"/>
           </a:xfrm>
         </p:grpSpPr>
         <p:sp>
           <p:nvSpPr>
-            <p:cNvPr id="10" name="Freeform 10">
+            <p:cNvPr id="6" name="Freeform 10">
               <a:extLst>
                 <a:ext uri="{FF2B5EF4-FFF2-40B4-BE49-F238E27FC236}">
-                  <a16:creationId xmlns:a16="http://schemas.microsoft.com/office/drawing/2014/main" id="{358A9DF9-534A-5F94-CE4C-1DCA56AE4CBB}"/>
+                  <a16:creationId xmlns:a16="http://schemas.microsoft.com/office/drawing/2014/main" id="{3F2EFD41-9605-25FF-C5F9-E29AC4E69A72}"/>
                 </a:ext>
               </a:extLst>
             </p:cNvPr>
@@ -5999,10 +6027,10 @@
         </p:sp>
         <p:sp>
           <p:nvSpPr>
-            <p:cNvPr id="11" name="TextBox 11">
+            <p:cNvPr id="14" name="TextBox 11">
               <a:extLst>
                 <a:ext uri="{FF2B5EF4-FFF2-40B4-BE49-F238E27FC236}">
-                  <a16:creationId xmlns:a16="http://schemas.microsoft.com/office/drawing/2014/main" id="{463F3ED8-CFCB-D35B-40A9-60F4722723D8}"/>
+                  <a16:creationId xmlns:a16="http://schemas.microsoft.com/office/drawing/2014/main" id="{26AB7D65-CE24-EED7-5009-994E8CEF629A}"/>
                 </a:ext>
               </a:extLst>
             </p:cNvPr>
@@ -6137,469 +6165,6 @@
           </p:txBody>
         </p:sp>
       </p:grpSp>
-      <p:sp>
-        <p:nvSpPr>
-          <p:cNvPr id="12" name="TextBox 12">
-            <a:extLst>
-              <a:ext uri="{FF2B5EF4-FFF2-40B4-BE49-F238E27FC236}">
-                <a16:creationId xmlns:a16="http://schemas.microsoft.com/office/drawing/2014/main" id="{D08B7FF6-BE27-9BB2-5859-A40AC450BCB6}"/>
-              </a:ext>
-            </a:extLst>
-          </p:cNvPr>
-          <p:cNvSpPr txBox="1"/>
-          <p:nvPr/>
-        </p:nvSpPr>
-        <p:spPr>
-          <a:xfrm>
-            <a:off x="3519445" y="434668"/>
-            <a:ext cx="3185963" cy="1524072"/>
-          </a:xfrm>
-          <a:prstGeom prst="rect">
-            <a:avLst/>
-          </a:prstGeom>
-        </p:spPr>
-        <p:txBody>
-          <a:bodyPr wrap="square" lIns="0" tIns="0" rIns="0" bIns="0" rtlCol="0" anchor="t">
-            <a:spAutoFit/>
-          </a:bodyPr>
-          <a:lstStyle>
-            <a:defPPr>
-              <a:defRPr lang="en-US"/>
-            </a:defPPr>
-            <a:lvl1pPr marL="0" algn="l" defTabSz="839876" rtl="0" eaLnBrk="1" latinLnBrk="0" hangingPunct="1">
-              <a:defRPr sz="1653" kern="1200">
-                <a:solidFill>
-                  <a:schemeClr val="tx1"/>
-                </a:solidFill>
-                <a:latin typeface="+mn-lt"/>
-                <a:ea typeface="+mn-ea"/>
-                <a:cs typeface="+mn-cs"/>
-              </a:defRPr>
-            </a:lvl1pPr>
-            <a:lvl2pPr marL="419938" algn="l" defTabSz="839876" rtl="0" eaLnBrk="1" latinLnBrk="0" hangingPunct="1">
-              <a:defRPr sz="1653" kern="1200">
-                <a:solidFill>
-                  <a:schemeClr val="tx1"/>
-                </a:solidFill>
-                <a:latin typeface="+mn-lt"/>
-                <a:ea typeface="+mn-ea"/>
-                <a:cs typeface="+mn-cs"/>
-              </a:defRPr>
-            </a:lvl2pPr>
-            <a:lvl3pPr marL="839876" algn="l" defTabSz="839876" rtl="0" eaLnBrk="1" latinLnBrk="0" hangingPunct="1">
-              <a:defRPr sz="1653" kern="1200">
-                <a:solidFill>
-                  <a:schemeClr val="tx1"/>
-                </a:solidFill>
-                <a:latin typeface="+mn-lt"/>
-                <a:ea typeface="+mn-ea"/>
-                <a:cs typeface="+mn-cs"/>
-              </a:defRPr>
-            </a:lvl3pPr>
-            <a:lvl4pPr marL="1259815" algn="l" defTabSz="839876" rtl="0" eaLnBrk="1" latinLnBrk="0" hangingPunct="1">
-              <a:defRPr sz="1653" kern="1200">
-                <a:solidFill>
-                  <a:schemeClr val="tx1"/>
-                </a:solidFill>
-                <a:latin typeface="+mn-lt"/>
-                <a:ea typeface="+mn-ea"/>
-                <a:cs typeface="+mn-cs"/>
-              </a:defRPr>
-            </a:lvl4pPr>
-            <a:lvl5pPr marL="1679753" algn="l" defTabSz="839876" rtl="0" eaLnBrk="1" latinLnBrk="0" hangingPunct="1">
-              <a:defRPr sz="1653" kern="1200">
-                <a:solidFill>
-                  <a:schemeClr val="tx1"/>
-                </a:solidFill>
-                <a:latin typeface="+mn-lt"/>
-                <a:ea typeface="+mn-ea"/>
-                <a:cs typeface="+mn-cs"/>
-              </a:defRPr>
-            </a:lvl5pPr>
-            <a:lvl6pPr marL="2099691" algn="l" defTabSz="839876" rtl="0" eaLnBrk="1" latinLnBrk="0" hangingPunct="1">
-              <a:defRPr sz="1653" kern="1200">
-                <a:solidFill>
-                  <a:schemeClr val="tx1"/>
-                </a:solidFill>
-                <a:latin typeface="+mn-lt"/>
-                <a:ea typeface="+mn-ea"/>
-                <a:cs typeface="+mn-cs"/>
-              </a:defRPr>
-            </a:lvl6pPr>
-            <a:lvl7pPr marL="2519629" algn="l" defTabSz="839876" rtl="0" eaLnBrk="1" latinLnBrk="0" hangingPunct="1">
-              <a:defRPr sz="1653" kern="1200">
-                <a:solidFill>
-                  <a:schemeClr val="tx1"/>
-                </a:solidFill>
-                <a:latin typeface="+mn-lt"/>
-                <a:ea typeface="+mn-ea"/>
-                <a:cs typeface="+mn-cs"/>
-              </a:defRPr>
-            </a:lvl7pPr>
-            <a:lvl8pPr marL="2939567" algn="l" defTabSz="839876" rtl="0" eaLnBrk="1" latinLnBrk="0" hangingPunct="1">
-              <a:defRPr sz="1653" kern="1200">
-                <a:solidFill>
-                  <a:schemeClr val="tx1"/>
-                </a:solidFill>
-                <a:latin typeface="+mn-lt"/>
-                <a:ea typeface="+mn-ea"/>
-                <a:cs typeface="+mn-cs"/>
-              </a:defRPr>
-            </a:lvl8pPr>
-            <a:lvl9pPr marL="3359506" algn="l" defTabSz="839876" rtl="0" eaLnBrk="1" latinLnBrk="0" hangingPunct="1">
-              <a:defRPr sz="1653" kern="1200">
-                <a:solidFill>
-                  <a:schemeClr val="tx1"/>
-                </a:solidFill>
-                <a:latin typeface="+mn-lt"/>
-                <a:ea typeface="+mn-ea"/>
-                <a:cs typeface="+mn-cs"/>
-              </a:defRPr>
-            </a:lvl9pPr>
-          </a:lstStyle>
-          <a:p>
-            <a:pPr>
-              <a:lnSpc>
-                <a:spcPts val="4031"/>
-              </a:lnSpc>
-            </a:pPr>
-            <a:r>
-              <a:rPr lang="en-US" sz="2879" b="1" dirty="0">
-                <a:solidFill>
-                  <a:srgbClr val="5C378C"/>
-                </a:solidFill>
-                <a:latin typeface="Poppins Bold"/>
-                <a:ea typeface="Poppins Bold"/>
-                <a:cs typeface="Poppins Bold"/>
-                <a:sym typeface="Poppins Bold"/>
-              </a:rPr>
-              <a:t>COLABORADOR PROPUESTO - </a:t>
-            </a:r>
-            <a:r>
-              <a:rPr lang="es-AR" sz="2879" b="1" dirty="0">
-                <a:solidFill>
-                  <a:srgbClr val="5C378C"/>
-                </a:solidFill>
-                <a:latin typeface="Poppins Bold"/>
-                <a:cs typeface="Poppins Bold"/>
-              </a:rPr>
-              <a:t>{{NOMBRE}}</a:t>
-            </a:r>
-            <a:endParaRPr lang="en-US" sz="2879" b="1" dirty="0">
-              <a:solidFill>
-                <a:srgbClr val="5C378C"/>
-              </a:solidFill>
-              <a:latin typeface="Poppins Bold"/>
-              <a:cs typeface="Poppins Bold"/>
-              <a:sym typeface="Poppins Bold"/>
-            </a:endParaRPr>
-          </a:p>
-        </p:txBody>
-      </p:sp>
-      <p:sp>
-        <p:nvSpPr>
-          <p:cNvPr id="13" name="TextBox 13">
-            <a:extLst>
-              <a:ext uri="{FF2B5EF4-FFF2-40B4-BE49-F238E27FC236}">
-                <a16:creationId xmlns:a16="http://schemas.microsoft.com/office/drawing/2014/main" id="{97110E52-4C97-3AC9-D09B-4D646F417DCC}"/>
-              </a:ext>
-            </a:extLst>
-          </p:cNvPr>
-          <p:cNvSpPr txBox="1"/>
-          <p:nvPr/>
-        </p:nvSpPr>
-        <p:spPr>
-          <a:xfrm>
-            <a:off x="3507108" y="2369905"/>
-            <a:ext cx="3196675" cy="230832"/>
-          </a:xfrm>
-          <a:prstGeom prst="rect">
-            <a:avLst/>
-          </a:prstGeom>
-        </p:spPr>
-        <p:txBody>
-          <a:bodyPr wrap="square" lIns="0" tIns="0" rIns="0" bIns="0" rtlCol="0" anchor="t">
-            <a:spAutoFit/>
-          </a:bodyPr>
-          <a:lstStyle>
-            <a:defPPr>
-              <a:defRPr lang="en-US"/>
-            </a:defPPr>
-            <a:lvl1pPr marL="0" algn="l" defTabSz="839876" rtl="0" eaLnBrk="1" latinLnBrk="0" hangingPunct="1">
-              <a:defRPr sz="1653" kern="1200">
-                <a:solidFill>
-                  <a:schemeClr val="tx1"/>
-                </a:solidFill>
-                <a:latin typeface="+mn-lt"/>
-                <a:ea typeface="+mn-ea"/>
-                <a:cs typeface="+mn-cs"/>
-              </a:defRPr>
-            </a:lvl1pPr>
-            <a:lvl2pPr marL="419938" algn="l" defTabSz="839876" rtl="0" eaLnBrk="1" latinLnBrk="0" hangingPunct="1">
-              <a:defRPr sz="1653" kern="1200">
-                <a:solidFill>
-                  <a:schemeClr val="tx1"/>
-                </a:solidFill>
-                <a:latin typeface="+mn-lt"/>
-                <a:ea typeface="+mn-ea"/>
-                <a:cs typeface="+mn-cs"/>
-              </a:defRPr>
-            </a:lvl2pPr>
-            <a:lvl3pPr marL="839876" algn="l" defTabSz="839876" rtl="0" eaLnBrk="1" latinLnBrk="0" hangingPunct="1">
-              <a:defRPr sz="1653" kern="1200">
-                <a:solidFill>
-                  <a:schemeClr val="tx1"/>
-                </a:solidFill>
-                <a:latin typeface="+mn-lt"/>
-                <a:ea typeface="+mn-ea"/>
-                <a:cs typeface="+mn-cs"/>
-              </a:defRPr>
-            </a:lvl3pPr>
-            <a:lvl4pPr marL="1259815" algn="l" defTabSz="839876" rtl="0" eaLnBrk="1" latinLnBrk="0" hangingPunct="1">
-              <a:defRPr sz="1653" kern="1200">
-                <a:solidFill>
-                  <a:schemeClr val="tx1"/>
-                </a:solidFill>
-                <a:latin typeface="+mn-lt"/>
-                <a:ea typeface="+mn-ea"/>
-                <a:cs typeface="+mn-cs"/>
-              </a:defRPr>
-            </a:lvl4pPr>
-            <a:lvl5pPr marL="1679753" algn="l" defTabSz="839876" rtl="0" eaLnBrk="1" latinLnBrk="0" hangingPunct="1">
-              <a:defRPr sz="1653" kern="1200">
-                <a:solidFill>
-                  <a:schemeClr val="tx1"/>
-                </a:solidFill>
-                <a:latin typeface="+mn-lt"/>
-                <a:ea typeface="+mn-ea"/>
-                <a:cs typeface="+mn-cs"/>
-              </a:defRPr>
-            </a:lvl5pPr>
-            <a:lvl6pPr marL="2099691" algn="l" defTabSz="839876" rtl="0" eaLnBrk="1" latinLnBrk="0" hangingPunct="1">
-              <a:defRPr sz="1653" kern="1200">
-                <a:solidFill>
-                  <a:schemeClr val="tx1"/>
-                </a:solidFill>
-                <a:latin typeface="+mn-lt"/>
-                <a:ea typeface="+mn-ea"/>
-                <a:cs typeface="+mn-cs"/>
-              </a:defRPr>
-            </a:lvl6pPr>
-            <a:lvl7pPr marL="2519629" algn="l" defTabSz="839876" rtl="0" eaLnBrk="1" latinLnBrk="0" hangingPunct="1">
-              <a:defRPr sz="1653" kern="1200">
-                <a:solidFill>
-                  <a:schemeClr val="tx1"/>
-                </a:solidFill>
-                <a:latin typeface="+mn-lt"/>
-                <a:ea typeface="+mn-ea"/>
-                <a:cs typeface="+mn-cs"/>
-              </a:defRPr>
-            </a:lvl7pPr>
-            <a:lvl8pPr marL="2939567" algn="l" defTabSz="839876" rtl="0" eaLnBrk="1" latinLnBrk="0" hangingPunct="1">
-              <a:defRPr sz="1653" kern="1200">
-                <a:solidFill>
-                  <a:schemeClr val="tx1"/>
-                </a:solidFill>
-                <a:latin typeface="+mn-lt"/>
-                <a:ea typeface="+mn-ea"/>
-                <a:cs typeface="+mn-cs"/>
-              </a:defRPr>
-            </a:lvl8pPr>
-            <a:lvl9pPr marL="3359506" algn="l" defTabSz="839876" rtl="0" eaLnBrk="1" latinLnBrk="0" hangingPunct="1">
-              <a:defRPr sz="1653" kern="1200">
-                <a:solidFill>
-                  <a:schemeClr val="tx1"/>
-                </a:solidFill>
-                <a:latin typeface="+mn-lt"/>
-                <a:ea typeface="+mn-ea"/>
-                <a:cs typeface="+mn-cs"/>
-              </a:defRPr>
-            </a:lvl9pPr>
-          </a:lstStyle>
-          <a:p>
-            <a:pPr>
-              <a:lnSpc>
-                <a:spcPts val="1760"/>
-              </a:lnSpc>
-            </a:pPr>
-            <a:r>
-              <a:rPr lang="es-AR" sz="1600" b="1" dirty="0">
-                <a:solidFill>
-                  <a:srgbClr val="5C378C"/>
-                </a:solidFill>
-                <a:latin typeface="Poppins Bold"/>
-                <a:cs typeface="Poppins Bold"/>
-              </a:rPr>
-              <a:t>{{PUESTO}}</a:t>
-            </a:r>
-            <a:endParaRPr lang="en-US" sz="1600" b="1" dirty="0">
-              <a:solidFill>
-                <a:srgbClr val="5C378C"/>
-              </a:solidFill>
-              <a:latin typeface="Poppins Bold"/>
-              <a:cs typeface="Poppins Bold"/>
-              <a:sym typeface="Poppins Bold"/>
-            </a:endParaRPr>
-          </a:p>
-        </p:txBody>
-      </p:sp>
-      <p:sp>
-        <p:nvSpPr>
-          <p:cNvPr id="16" name="TextBox 16">
-            <a:extLst>
-              <a:ext uri="{FF2B5EF4-FFF2-40B4-BE49-F238E27FC236}">
-                <a16:creationId xmlns:a16="http://schemas.microsoft.com/office/drawing/2014/main" id="{7B184D02-0570-3C40-0B7F-EABC36EBC4C9}"/>
-              </a:ext>
-            </a:extLst>
-          </p:cNvPr>
-          <p:cNvSpPr txBox="1"/>
-          <p:nvPr/>
-        </p:nvSpPr>
-        <p:spPr>
-          <a:xfrm>
-            <a:off x="3519488" y="3337780"/>
-            <a:ext cx="2534539" cy="279564"/>
-          </a:xfrm>
-          <a:prstGeom prst="rect">
-            <a:avLst/>
-          </a:prstGeom>
-        </p:spPr>
-        <p:txBody>
-          <a:bodyPr wrap="square" lIns="0" tIns="0" rIns="0" bIns="0" rtlCol="0" anchor="t">
-            <a:spAutoFit/>
-          </a:bodyPr>
-          <a:lstStyle>
-            <a:defPPr>
-              <a:defRPr lang="en-US"/>
-            </a:defPPr>
-            <a:lvl1pPr marL="0" algn="l" defTabSz="839876" rtl="0" eaLnBrk="1" latinLnBrk="0" hangingPunct="1">
-              <a:defRPr sz="1653" kern="1200">
-                <a:solidFill>
-                  <a:schemeClr val="tx1"/>
-                </a:solidFill>
-                <a:latin typeface="+mn-lt"/>
-                <a:ea typeface="+mn-ea"/>
-                <a:cs typeface="+mn-cs"/>
-              </a:defRPr>
-            </a:lvl1pPr>
-            <a:lvl2pPr marL="419938" algn="l" defTabSz="839876" rtl="0" eaLnBrk="1" latinLnBrk="0" hangingPunct="1">
-              <a:defRPr sz="1653" kern="1200">
-                <a:solidFill>
-                  <a:schemeClr val="tx1"/>
-                </a:solidFill>
-                <a:latin typeface="+mn-lt"/>
-                <a:ea typeface="+mn-ea"/>
-                <a:cs typeface="+mn-cs"/>
-              </a:defRPr>
-            </a:lvl2pPr>
-            <a:lvl3pPr marL="839876" algn="l" defTabSz="839876" rtl="0" eaLnBrk="1" latinLnBrk="0" hangingPunct="1">
-              <a:defRPr sz="1653" kern="1200">
-                <a:solidFill>
-                  <a:schemeClr val="tx1"/>
-                </a:solidFill>
-                <a:latin typeface="+mn-lt"/>
-                <a:ea typeface="+mn-ea"/>
-                <a:cs typeface="+mn-cs"/>
-              </a:defRPr>
-            </a:lvl3pPr>
-            <a:lvl4pPr marL="1259815" algn="l" defTabSz="839876" rtl="0" eaLnBrk="1" latinLnBrk="0" hangingPunct="1">
-              <a:defRPr sz="1653" kern="1200">
-                <a:solidFill>
-                  <a:schemeClr val="tx1"/>
-                </a:solidFill>
-                <a:latin typeface="+mn-lt"/>
-                <a:ea typeface="+mn-ea"/>
-                <a:cs typeface="+mn-cs"/>
-              </a:defRPr>
-            </a:lvl4pPr>
-            <a:lvl5pPr marL="1679753" algn="l" defTabSz="839876" rtl="0" eaLnBrk="1" latinLnBrk="0" hangingPunct="1">
-              <a:defRPr sz="1653" kern="1200">
-                <a:solidFill>
-                  <a:schemeClr val="tx1"/>
-                </a:solidFill>
-                <a:latin typeface="+mn-lt"/>
-                <a:ea typeface="+mn-ea"/>
-                <a:cs typeface="+mn-cs"/>
-              </a:defRPr>
-            </a:lvl5pPr>
-            <a:lvl6pPr marL="2099691" algn="l" defTabSz="839876" rtl="0" eaLnBrk="1" latinLnBrk="0" hangingPunct="1">
-              <a:defRPr sz="1653" kern="1200">
-                <a:solidFill>
-                  <a:schemeClr val="tx1"/>
-                </a:solidFill>
-                <a:latin typeface="+mn-lt"/>
-                <a:ea typeface="+mn-ea"/>
-                <a:cs typeface="+mn-cs"/>
-              </a:defRPr>
-            </a:lvl6pPr>
-            <a:lvl7pPr marL="2519629" algn="l" defTabSz="839876" rtl="0" eaLnBrk="1" latinLnBrk="0" hangingPunct="1">
-              <a:defRPr sz="1653" kern="1200">
-                <a:solidFill>
-                  <a:schemeClr val="tx1"/>
-                </a:solidFill>
-                <a:latin typeface="+mn-lt"/>
-                <a:ea typeface="+mn-ea"/>
-                <a:cs typeface="+mn-cs"/>
-              </a:defRPr>
-            </a:lvl7pPr>
-            <a:lvl8pPr marL="2939567" algn="l" defTabSz="839876" rtl="0" eaLnBrk="1" latinLnBrk="0" hangingPunct="1">
-              <a:defRPr sz="1653" kern="1200">
-                <a:solidFill>
-                  <a:schemeClr val="tx1"/>
-                </a:solidFill>
-                <a:latin typeface="+mn-lt"/>
-                <a:ea typeface="+mn-ea"/>
-                <a:cs typeface="+mn-cs"/>
-              </a:defRPr>
-            </a:lvl8pPr>
-            <a:lvl9pPr marL="3359506" algn="l" defTabSz="839876" rtl="0" eaLnBrk="1" latinLnBrk="0" hangingPunct="1">
-              <a:defRPr sz="1653" kern="1200">
-                <a:solidFill>
-                  <a:schemeClr val="tx1"/>
-                </a:solidFill>
-                <a:latin typeface="+mn-lt"/>
-                <a:ea typeface="+mn-ea"/>
-                <a:cs typeface="+mn-cs"/>
-              </a:defRPr>
-            </a:lvl9pPr>
-          </a:lstStyle>
-          <a:p>
-            <a:pPr marL="285750" indent="-285750">
-              <a:lnSpc>
-                <a:spcPts val="2274"/>
-              </a:lnSpc>
-              <a:buFont typeface="Arial"/>
-              <a:buChar char="•"/>
-            </a:pPr>
-            <a:r>
-              <a:rPr lang="en-US" sz="1625" b="1" dirty="0">
-                <a:solidFill>
-                  <a:srgbClr val="5C378C"/>
-                </a:solidFill>
-                <a:ea typeface="Poppins Bold"/>
-                <a:cs typeface="Poppins Bold"/>
-                <a:sym typeface="Poppins Bold"/>
-              </a:rPr>
-              <a:t> </a:t>
-            </a:r>
-            <a:r>
-              <a:rPr lang="es-AR" sz="1625" b="1" dirty="0">
-                <a:solidFill>
-                  <a:srgbClr val="5C378C"/>
-                </a:solidFill>
-                <a:cs typeface="Poppins Bold"/>
-              </a:rPr>
-              <a:t>{{EXPERIENCIA_RESTO}}</a:t>
-            </a:r>
-            <a:endParaRPr lang="en-US" sz="1625" b="1" dirty="0">
-              <a:solidFill>
-                <a:srgbClr val="5C378C"/>
-              </a:solidFill>
-              <a:cs typeface="Poppins Bold"/>
-            </a:endParaRPr>
-          </a:p>
-        </p:txBody>
-      </p:sp>
     </p:spTree>
     <p:extLst>
       <p:ext uri="{BB962C8B-B14F-4D97-AF65-F5344CB8AC3E}">

--- a/CV HORIZON-MODELO 2.pptx
+++ b/CV HORIZON-MODELO 2.pptx
@@ -3275,7 +3275,7 @@
         </p:nvSpPr>
         <p:spPr>
           <a:xfrm>
-            <a:off x="3349881" y="2999752"/>
+            <a:off x="3349881" y="2362200"/>
             <a:ext cx="3514180" cy="0"/>
           </a:xfrm>
           <a:prstGeom prst="line">
@@ -3707,7 +3707,7 @@
         </p:nvSpPr>
         <p:spPr>
           <a:xfrm>
-            <a:off x="433007" y="3339106"/>
+            <a:off x="433007" y="2362200"/>
             <a:ext cx="2268949" cy="278666"/>
           </a:xfrm>
           <a:prstGeom prst="rect">
@@ -3991,7 +3991,7 @@
         </p:nvSpPr>
         <p:spPr>
           <a:xfrm>
-            <a:off x="3519488" y="3337780"/>
+            <a:off x="3519488" y="2692236"/>
             <a:ext cx="2534539" cy="279564"/>
           </a:xfrm>
           <a:prstGeom prst="rect">
@@ -4142,7 +4142,7 @@
         </p:nvSpPr>
         <p:spPr>
           <a:xfrm>
-            <a:off x="433007" y="4954443"/>
+            <a:off x="433007" y="4495800"/>
             <a:ext cx="2409155" cy="279564"/>
           </a:xfrm>
           <a:prstGeom prst="rect">
@@ -4667,43 +4667,6 @@
       </p:grpSp>
       <p:sp>
         <p:nvSpPr>
-          <p:cNvPr id="7" name="AutoShape 7">
-            <a:extLst>
-              <a:ext uri="{FF2B5EF4-FFF2-40B4-BE49-F238E27FC236}">
-                <a16:creationId xmlns:a16="http://schemas.microsoft.com/office/drawing/2014/main" id="{8DC18CF8-53C5-1E31-76C1-5CFE8594E6C2}"/>
-              </a:ext>
-            </a:extLst>
-          </p:cNvPr>
-          <p:cNvSpPr/>
-          <p:nvPr/>
-        </p:nvSpPr>
-        <p:spPr>
-          <a:xfrm>
-            <a:off x="3349881" y="2999752"/>
-            <a:ext cx="3514180" cy="0"/>
-          </a:xfrm>
-          <a:prstGeom prst="line">
-            <a:avLst/>
-          </a:prstGeom>
-          <a:ln w="19050" cap="flat">
-            <a:solidFill>
-              <a:srgbClr val="6C2C7E"/>
-            </a:solidFill>
-            <a:prstDash val="solid"/>
-            <a:headEnd type="none" w="sm" len="sm"/>
-            <a:tailEnd type="none" w="sm" len="sm"/>
-          </a:ln>
-        </p:spPr>
-        <p:txBody>
-          <a:bodyPr/>
-          <a:lstStyle/>
-          <a:p>
-            <a:endParaRPr lang="es-AR"/>
-          </a:p>
-        </p:txBody>
-      </p:sp>
-      <p:sp>
-        <p:nvSpPr>
           <p:cNvPr id="8" name="Freeform 8">
             <a:extLst>
               <a:ext uri="{FF2B5EF4-FFF2-40B4-BE49-F238E27FC236}">
@@ -4916,163 +4879,6 @@
               <a:latin typeface="Poppins Bold"/>
               <a:cs typeface="Poppins Bold"/>
               <a:sym typeface="Poppins Bold"/>
-            </a:endParaRPr>
-          </a:p>
-        </p:txBody>
-      </p:sp>
-      <p:sp>
-        <p:nvSpPr>
-          <p:cNvPr id="16" name="TextBox 16">
-            <a:extLst>
-              <a:ext uri="{FF2B5EF4-FFF2-40B4-BE49-F238E27FC236}">
-                <a16:creationId xmlns:a16="http://schemas.microsoft.com/office/drawing/2014/main" id="{D5087085-BDD4-7AA2-7E11-AEDCCBDF3753}"/>
-              </a:ext>
-            </a:extLst>
-          </p:cNvPr>
-          <p:cNvSpPr txBox="1"/>
-          <p:nvPr/>
-        </p:nvSpPr>
-        <p:spPr>
-          <a:xfrm>
-            <a:off x="3519488" y="3337780"/>
-            <a:ext cx="2534539" cy="279564"/>
-          </a:xfrm>
-          <a:prstGeom prst="rect">
-            <a:avLst/>
-          </a:prstGeom>
-        </p:spPr>
-        <p:txBody>
-          <a:bodyPr wrap="square" lIns="0" tIns="0" rIns="0" bIns="0" rtlCol="0" anchor="t">
-            <a:spAutoFit/>
-          </a:bodyPr>
-          <a:lstStyle>
-            <a:defPPr>
-              <a:defRPr lang="en-US"/>
-            </a:defPPr>
-            <a:lvl1pPr marL="0" algn="l" defTabSz="839876" rtl="0" eaLnBrk="1" latinLnBrk="0" hangingPunct="1">
-              <a:defRPr sz="1653" kern="1200">
-                <a:solidFill>
-                  <a:schemeClr val="tx1"/>
-                </a:solidFill>
-                <a:latin typeface="+mn-lt"/>
-                <a:ea typeface="+mn-ea"/>
-                <a:cs typeface="+mn-cs"/>
-              </a:defRPr>
-            </a:lvl1pPr>
-            <a:lvl2pPr marL="419938" algn="l" defTabSz="839876" rtl="0" eaLnBrk="1" latinLnBrk="0" hangingPunct="1">
-              <a:defRPr sz="1653" kern="1200">
-                <a:solidFill>
-                  <a:schemeClr val="tx1"/>
-                </a:solidFill>
-                <a:latin typeface="+mn-lt"/>
-                <a:ea typeface="+mn-ea"/>
-                <a:cs typeface="+mn-cs"/>
-              </a:defRPr>
-            </a:lvl2pPr>
-            <a:lvl3pPr marL="839876" algn="l" defTabSz="839876" rtl="0" eaLnBrk="1" latinLnBrk="0" hangingPunct="1">
-              <a:defRPr sz="1653" kern="1200">
-                <a:solidFill>
-                  <a:schemeClr val="tx1"/>
-                </a:solidFill>
-                <a:latin typeface="+mn-lt"/>
-                <a:ea typeface="+mn-ea"/>
-                <a:cs typeface="+mn-cs"/>
-              </a:defRPr>
-            </a:lvl3pPr>
-            <a:lvl4pPr marL="1259815" algn="l" defTabSz="839876" rtl="0" eaLnBrk="1" latinLnBrk="0" hangingPunct="1">
-              <a:defRPr sz="1653" kern="1200">
-                <a:solidFill>
-                  <a:schemeClr val="tx1"/>
-                </a:solidFill>
-                <a:latin typeface="+mn-lt"/>
-                <a:ea typeface="+mn-ea"/>
-                <a:cs typeface="+mn-cs"/>
-              </a:defRPr>
-            </a:lvl4pPr>
-            <a:lvl5pPr marL="1679753" algn="l" defTabSz="839876" rtl="0" eaLnBrk="1" latinLnBrk="0" hangingPunct="1">
-              <a:defRPr sz="1653" kern="1200">
-                <a:solidFill>
-                  <a:schemeClr val="tx1"/>
-                </a:solidFill>
-                <a:latin typeface="+mn-lt"/>
-                <a:ea typeface="+mn-ea"/>
-                <a:cs typeface="+mn-cs"/>
-              </a:defRPr>
-            </a:lvl5pPr>
-            <a:lvl6pPr marL="2099691" algn="l" defTabSz="839876" rtl="0" eaLnBrk="1" latinLnBrk="0" hangingPunct="1">
-              <a:defRPr sz="1653" kern="1200">
-                <a:solidFill>
-                  <a:schemeClr val="tx1"/>
-                </a:solidFill>
-                <a:latin typeface="+mn-lt"/>
-                <a:ea typeface="+mn-ea"/>
-                <a:cs typeface="+mn-cs"/>
-              </a:defRPr>
-            </a:lvl6pPr>
-            <a:lvl7pPr marL="2519629" algn="l" defTabSz="839876" rtl="0" eaLnBrk="1" latinLnBrk="0" hangingPunct="1">
-              <a:defRPr sz="1653" kern="1200">
-                <a:solidFill>
-                  <a:schemeClr val="tx1"/>
-                </a:solidFill>
-                <a:latin typeface="+mn-lt"/>
-                <a:ea typeface="+mn-ea"/>
-                <a:cs typeface="+mn-cs"/>
-              </a:defRPr>
-            </a:lvl7pPr>
-            <a:lvl8pPr marL="2939567" algn="l" defTabSz="839876" rtl="0" eaLnBrk="1" latinLnBrk="0" hangingPunct="1">
-              <a:defRPr sz="1653" kern="1200">
-                <a:solidFill>
-                  <a:schemeClr val="tx1"/>
-                </a:solidFill>
-                <a:latin typeface="+mn-lt"/>
-                <a:ea typeface="+mn-ea"/>
-                <a:cs typeface="+mn-cs"/>
-              </a:defRPr>
-            </a:lvl8pPr>
-            <a:lvl9pPr marL="3359506" algn="l" defTabSz="839876" rtl="0" eaLnBrk="1" latinLnBrk="0" hangingPunct="1">
-              <a:defRPr sz="1653" kern="1200">
-                <a:solidFill>
-                  <a:schemeClr val="tx1"/>
-                </a:solidFill>
-                <a:latin typeface="+mn-lt"/>
-                <a:ea typeface="+mn-ea"/>
-                <a:cs typeface="+mn-cs"/>
-              </a:defRPr>
-            </a:lvl9pPr>
-          </a:lstStyle>
-          <a:p>
-            <a:pPr marL="285750" indent="-285750">
-              <a:lnSpc>
-                <a:spcPts val="2274"/>
-              </a:lnSpc>
-              <a:buFont typeface="Arial"/>
-              <a:buChar char="•"/>
-            </a:pPr>
-            <a:r>
-              <a:rPr lang="en-US" sz="1625" b="1" dirty="0">
-                <a:solidFill>
-                  <a:srgbClr val="5C378C"/>
-                </a:solidFill>
-                <a:ea typeface="Poppins Bold"/>
-                <a:cs typeface="Poppins Bold"/>
-                <a:sym typeface="Poppins Bold"/>
-              </a:rPr>
-              <a:t>  </a:t>
-            </a:r>
-            <a:r>
-              <a:rPr lang="es-AR" sz="1625" b="1" dirty="0">
-                <a:solidFill>
-                  <a:srgbClr val="5C378C"/>
-                </a:solidFill>
-                <a:cs typeface="Poppins Bold"/>
-              </a:rPr>
-              <a:t>{{EXPERIENCIA_RESTO}}</a:t>
-            </a:r>
-            <a:endParaRPr lang="en-US" sz="1625" b="1" dirty="0">
-              <a:solidFill>
-                <a:srgbClr val="5C378C"/>
-              </a:solidFill>
-              <a:cs typeface="Poppins Bold"/>
             </a:endParaRPr>
           </a:p>
         </p:txBody>
@@ -5290,6 +5096,200 @@
           </p:txBody>
         </p:sp>
       </p:grpSp>
+      <p:sp>
+        <p:nvSpPr>
+          <p:cNvPr id="9" name="AutoShape 7">
+            <a:extLst>
+              <a:ext uri="{FF2B5EF4-FFF2-40B4-BE49-F238E27FC236}">
+                <a16:creationId xmlns:a16="http://schemas.microsoft.com/office/drawing/2014/main" id="{7C1046AC-79E3-815B-84F4-75B3DA826E60}"/>
+              </a:ext>
+            </a:extLst>
+          </p:cNvPr>
+          <p:cNvSpPr/>
+          <p:nvPr/>
+        </p:nvSpPr>
+        <p:spPr>
+          <a:xfrm>
+            <a:off x="3349881" y="2362200"/>
+            <a:ext cx="3514180" cy="0"/>
+          </a:xfrm>
+          <a:prstGeom prst="line">
+            <a:avLst/>
+          </a:prstGeom>
+          <a:ln w="19050" cap="flat">
+            <a:solidFill>
+              <a:srgbClr val="6C2C7E"/>
+            </a:solidFill>
+            <a:prstDash val="solid"/>
+            <a:headEnd type="none" w="sm" len="sm"/>
+            <a:tailEnd type="none" w="sm" len="sm"/>
+          </a:ln>
+        </p:spPr>
+        <p:txBody>
+          <a:bodyPr/>
+          <a:lstStyle/>
+          <a:p>
+            <a:endParaRPr lang="es-AR"/>
+          </a:p>
+        </p:txBody>
+      </p:sp>
+      <p:sp>
+        <p:nvSpPr>
+          <p:cNvPr id="10" name="TextBox 16">
+            <a:extLst>
+              <a:ext uri="{FF2B5EF4-FFF2-40B4-BE49-F238E27FC236}">
+                <a16:creationId xmlns:a16="http://schemas.microsoft.com/office/drawing/2014/main" id="{1979F8D4-1D72-64A5-B12A-90B7A5F34607}"/>
+              </a:ext>
+            </a:extLst>
+          </p:cNvPr>
+          <p:cNvSpPr txBox="1"/>
+          <p:nvPr/>
+        </p:nvSpPr>
+        <p:spPr>
+          <a:xfrm>
+            <a:off x="3519488" y="2692236"/>
+            <a:ext cx="2534539" cy="279564"/>
+          </a:xfrm>
+          <a:prstGeom prst="rect">
+            <a:avLst/>
+          </a:prstGeom>
+        </p:spPr>
+        <p:txBody>
+          <a:bodyPr wrap="square" lIns="0" tIns="0" rIns="0" bIns="0" rtlCol="0" anchor="t">
+            <a:spAutoFit/>
+          </a:bodyPr>
+          <a:lstStyle>
+            <a:defPPr>
+              <a:defRPr lang="en-US"/>
+            </a:defPPr>
+            <a:lvl1pPr marL="0" algn="l" defTabSz="839876" rtl="0" eaLnBrk="1" latinLnBrk="0" hangingPunct="1">
+              <a:defRPr sz="1653" kern="1200">
+                <a:solidFill>
+                  <a:schemeClr val="tx1"/>
+                </a:solidFill>
+                <a:latin typeface="+mn-lt"/>
+                <a:ea typeface="+mn-ea"/>
+                <a:cs typeface="+mn-cs"/>
+              </a:defRPr>
+            </a:lvl1pPr>
+            <a:lvl2pPr marL="419938" algn="l" defTabSz="839876" rtl="0" eaLnBrk="1" latinLnBrk="0" hangingPunct="1">
+              <a:defRPr sz="1653" kern="1200">
+                <a:solidFill>
+                  <a:schemeClr val="tx1"/>
+                </a:solidFill>
+                <a:latin typeface="+mn-lt"/>
+                <a:ea typeface="+mn-ea"/>
+                <a:cs typeface="+mn-cs"/>
+              </a:defRPr>
+            </a:lvl2pPr>
+            <a:lvl3pPr marL="839876" algn="l" defTabSz="839876" rtl="0" eaLnBrk="1" latinLnBrk="0" hangingPunct="1">
+              <a:defRPr sz="1653" kern="1200">
+                <a:solidFill>
+                  <a:schemeClr val="tx1"/>
+                </a:solidFill>
+                <a:latin typeface="+mn-lt"/>
+                <a:ea typeface="+mn-ea"/>
+                <a:cs typeface="+mn-cs"/>
+              </a:defRPr>
+            </a:lvl3pPr>
+            <a:lvl4pPr marL="1259815" algn="l" defTabSz="839876" rtl="0" eaLnBrk="1" latinLnBrk="0" hangingPunct="1">
+              <a:defRPr sz="1653" kern="1200">
+                <a:solidFill>
+                  <a:schemeClr val="tx1"/>
+                </a:solidFill>
+                <a:latin typeface="+mn-lt"/>
+                <a:ea typeface="+mn-ea"/>
+                <a:cs typeface="+mn-cs"/>
+              </a:defRPr>
+            </a:lvl4pPr>
+            <a:lvl5pPr marL="1679753" algn="l" defTabSz="839876" rtl="0" eaLnBrk="1" latinLnBrk="0" hangingPunct="1">
+              <a:defRPr sz="1653" kern="1200">
+                <a:solidFill>
+                  <a:schemeClr val="tx1"/>
+                </a:solidFill>
+                <a:latin typeface="+mn-lt"/>
+                <a:ea typeface="+mn-ea"/>
+                <a:cs typeface="+mn-cs"/>
+              </a:defRPr>
+            </a:lvl5pPr>
+            <a:lvl6pPr marL="2099691" algn="l" defTabSz="839876" rtl="0" eaLnBrk="1" latinLnBrk="0" hangingPunct="1">
+              <a:defRPr sz="1653" kern="1200">
+                <a:solidFill>
+                  <a:schemeClr val="tx1"/>
+                </a:solidFill>
+                <a:latin typeface="+mn-lt"/>
+                <a:ea typeface="+mn-ea"/>
+                <a:cs typeface="+mn-cs"/>
+              </a:defRPr>
+            </a:lvl6pPr>
+            <a:lvl7pPr marL="2519629" algn="l" defTabSz="839876" rtl="0" eaLnBrk="1" latinLnBrk="0" hangingPunct="1">
+              <a:defRPr sz="1653" kern="1200">
+                <a:solidFill>
+                  <a:schemeClr val="tx1"/>
+                </a:solidFill>
+                <a:latin typeface="+mn-lt"/>
+                <a:ea typeface="+mn-ea"/>
+                <a:cs typeface="+mn-cs"/>
+              </a:defRPr>
+            </a:lvl7pPr>
+            <a:lvl8pPr marL="2939567" algn="l" defTabSz="839876" rtl="0" eaLnBrk="1" latinLnBrk="0" hangingPunct="1">
+              <a:defRPr sz="1653" kern="1200">
+                <a:solidFill>
+                  <a:schemeClr val="tx1"/>
+                </a:solidFill>
+                <a:latin typeface="+mn-lt"/>
+                <a:ea typeface="+mn-ea"/>
+                <a:cs typeface="+mn-cs"/>
+              </a:defRPr>
+            </a:lvl8pPr>
+            <a:lvl9pPr marL="3359506" algn="l" defTabSz="839876" rtl="0" eaLnBrk="1" latinLnBrk="0" hangingPunct="1">
+              <a:defRPr sz="1653" kern="1200">
+                <a:solidFill>
+                  <a:schemeClr val="tx1"/>
+                </a:solidFill>
+                <a:latin typeface="+mn-lt"/>
+                <a:ea typeface="+mn-ea"/>
+                <a:cs typeface="+mn-cs"/>
+              </a:defRPr>
+            </a:lvl9pPr>
+          </a:lstStyle>
+          <a:p>
+            <a:pPr marL="285750" indent="-285750">
+              <a:lnSpc>
+                <a:spcPts val="2274"/>
+              </a:lnSpc>
+              <a:buFont typeface="Arial"/>
+              <a:buChar char="•"/>
+            </a:pPr>
+            <a:r>
+              <a:rPr lang="en-US" sz="1625" b="1" dirty="0">
+                <a:solidFill>
+                  <a:srgbClr val="5C378C"/>
+                </a:solidFill>
+                <a:ea typeface="Poppins Bold"/>
+                <a:cs typeface="Poppins Bold"/>
+                <a:sym typeface="Poppins Bold"/>
+              </a:rPr>
+              <a:t>  </a:t>
+            </a:r>
+            <a:r>
+              <a:rPr lang="es-AR" sz="1625" b="1" dirty="0">
+                <a:solidFill>
+                  <a:srgbClr val="5C378C"/>
+                </a:solidFill>
+                <a:cs typeface="Poppins Bold"/>
+              </a:rPr>
+              <a:t>{{EXPERIENCIA_RESTO}}</a:t>
+            </a:r>
+            <a:endParaRPr lang="en-US" sz="1625" b="1" dirty="0">
+              <a:solidFill>
+                <a:srgbClr val="5C378C"/>
+              </a:solidFill>
+              <a:cs typeface="Poppins Bold"/>
+            </a:endParaRPr>
+          </a:p>
+        </p:txBody>
+      </p:sp>
     </p:spTree>
     <p:extLst>
       <p:ext uri="{BB962C8B-B14F-4D97-AF65-F5344CB8AC3E}">
@@ -5542,43 +5542,6 @@
       </p:grpSp>
       <p:sp>
         <p:nvSpPr>
-          <p:cNvPr id="7" name="AutoShape 7">
-            <a:extLst>
-              <a:ext uri="{FF2B5EF4-FFF2-40B4-BE49-F238E27FC236}">
-                <a16:creationId xmlns:a16="http://schemas.microsoft.com/office/drawing/2014/main" id="{5808811F-792F-3656-021C-E8A7F5A8E65C}"/>
-              </a:ext>
-            </a:extLst>
-          </p:cNvPr>
-          <p:cNvSpPr/>
-          <p:nvPr/>
-        </p:nvSpPr>
-        <p:spPr>
-          <a:xfrm>
-            <a:off x="3349881" y="2999752"/>
-            <a:ext cx="3514180" cy="0"/>
-          </a:xfrm>
-          <a:prstGeom prst="line">
-            <a:avLst/>
-          </a:prstGeom>
-          <a:ln w="19050" cap="flat">
-            <a:solidFill>
-              <a:srgbClr val="6C2C7E"/>
-            </a:solidFill>
-            <a:prstDash val="solid"/>
-            <a:headEnd type="none" w="sm" len="sm"/>
-            <a:tailEnd type="none" w="sm" len="sm"/>
-          </a:ln>
-        </p:spPr>
-        <p:txBody>
-          <a:bodyPr/>
-          <a:lstStyle/>
-          <a:p>
-            <a:endParaRPr lang="es-AR"/>
-          </a:p>
-        </p:txBody>
-      </p:sp>
-      <p:sp>
-        <p:nvSpPr>
           <p:cNvPr id="8" name="Freeform 8">
             <a:extLst>
               <a:ext uri="{FF2B5EF4-FFF2-40B4-BE49-F238E27FC236}">
@@ -5791,163 +5754,6 @@
               <a:latin typeface="Poppins Bold"/>
               <a:cs typeface="Poppins Bold"/>
               <a:sym typeface="Poppins Bold"/>
-            </a:endParaRPr>
-          </a:p>
-        </p:txBody>
-      </p:sp>
-      <p:sp>
-        <p:nvSpPr>
-          <p:cNvPr id="16" name="TextBox 16">
-            <a:extLst>
-              <a:ext uri="{FF2B5EF4-FFF2-40B4-BE49-F238E27FC236}">
-                <a16:creationId xmlns:a16="http://schemas.microsoft.com/office/drawing/2014/main" id="{7B184D02-0570-3C40-0B7F-EABC36EBC4C9}"/>
-              </a:ext>
-            </a:extLst>
-          </p:cNvPr>
-          <p:cNvSpPr txBox="1"/>
-          <p:nvPr/>
-        </p:nvSpPr>
-        <p:spPr>
-          <a:xfrm>
-            <a:off x="3519488" y="3337780"/>
-            <a:ext cx="2534539" cy="279564"/>
-          </a:xfrm>
-          <a:prstGeom prst="rect">
-            <a:avLst/>
-          </a:prstGeom>
-        </p:spPr>
-        <p:txBody>
-          <a:bodyPr wrap="square" lIns="0" tIns="0" rIns="0" bIns="0" rtlCol="0" anchor="t">
-            <a:spAutoFit/>
-          </a:bodyPr>
-          <a:lstStyle>
-            <a:defPPr>
-              <a:defRPr lang="en-US"/>
-            </a:defPPr>
-            <a:lvl1pPr marL="0" algn="l" defTabSz="839876" rtl="0" eaLnBrk="1" latinLnBrk="0" hangingPunct="1">
-              <a:defRPr sz="1653" kern="1200">
-                <a:solidFill>
-                  <a:schemeClr val="tx1"/>
-                </a:solidFill>
-                <a:latin typeface="+mn-lt"/>
-                <a:ea typeface="+mn-ea"/>
-                <a:cs typeface="+mn-cs"/>
-              </a:defRPr>
-            </a:lvl1pPr>
-            <a:lvl2pPr marL="419938" algn="l" defTabSz="839876" rtl="0" eaLnBrk="1" latinLnBrk="0" hangingPunct="1">
-              <a:defRPr sz="1653" kern="1200">
-                <a:solidFill>
-                  <a:schemeClr val="tx1"/>
-                </a:solidFill>
-                <a:latin typeface="+mn-lt"/>
-                <a:ea typeface="+mn-ea"/>
-                <a:cs typeface="+mn-cs"/>
-              </a:defRPr>
-            </a:lvl2pPr>
-            <a:lvl3pPr marL="839876" algn="l" defTabSz="839876" rtl="0" eaLnBrk="1" latinLnBrk="0" hangingPunct="1">
-              <a:defRPr sz="1653" kern="1200">
-                <a:solidFill>
-                  <a:schemeClr val="tx1"/>
-                </a:solidFill>
-                <a:latin typeface="+mn-lt"/>
-                <a:ea typeface="+mn-ea"/>
-                <a:cs typeface="+mn-cs"/>
-              </a:defRPr>
-            </a:lvl3pPr>
-            <a:lvl4pPr marL="1259815" algn="l" defTabSz="839876" rtl="0" eaLnBrk="1" latinLnBrk="0" hangingPunct="1">
-              <a:defRPr sz="1653" kern="1200">
-                <a:solidFill>
-                  <a:schemeClr val="tx1"/>
-                </a:solidFill>
-                <a:latin typeface="+mn-lt"/>
-                <a:ea typeface="+mn-ea"/>
-                <a:cs typeface="+mn-cs"/>
-              </a:defRPr>
-            </a:lvl4pPr>
-            <a:lvl5pPr marL="1679753" algn="l" defTabSz="839876" rtl="0" eaLnBrk="1" latinLnBrk="0" hangingPunct="1">
-              <a:defRPr sz="1653" kern="1200">
-                <a:solidFill>
-                  <a:schemeClr val="tx1"/>
-                </a:solidFill>
-                <a:latin typeface="+mn-lt"/>
-                <a:ea typeface="+mn-ea"/>
-                <a:cs typeface="+mn-cs"/>
-              </a:defRPr>
-            </a:lvl5pPr>
-            <a:lvl6pPr marL="2099691" algn="l" defTabSz="839876" rtl="0" eaLnBrk="1" latinLnBrk="0" hangingPunct="1">
-              <a:defRPr sz="1653" kern="1200">
-                <a:solidFill>
-                  <a:schemeClr val="tx1"/>
-                </a:solidFill>
-                <a:latin typeface="+mn-lt"/>
-                <a:ea typeface="+mn-ea"/>
-                <a:cs typeface="+mn-cs"/>
-              </a:defRPr>
-            </a:lvl6pPr>
-            <a:lvl7pPr marL="2519629" algn="l" defTabSz="839876" rtl="0" eaLnBrk="1" latinLnBrk="0" hangingPunct="1">
-              <a:defRPr sz="1653" kern="1200">
-                <a:solidFill>
-                  <a:schemeClr val="tx1"/>
-                </a:solidFill>
-                <a:latin typeface="+mn-lt"/>
-                <a:ea typeface="+mn-ea"/>
-                <a:cs typeface="+mn-cs"/>
-              </a:defRPr>
-            </a:lvl7pPr>
-            <a:lvl8pPr marL="2939567" algn="l" defTabSz="839876" rtl="0" eaLnBrk="1" latinLnBrk="0" hangingPunct="1">
-              <a:defRPr sz="1653" kern="1200">
-                <a:solidFill>
-                  <a:schemeClr val="tx1"/>
-                </a:solidFill>
-                <a:latin typeface="+mn-lt"/>
-                <a:ea typeface="+mn-ea"/>
-                <a:cs typeface="+mn-cs"/>
-              </a:defRPr>
-            </a:lvl8pPr>
-            <a:lvl9pPr marL="3359506" algn="l" defTabSz="839876" rtl="0" eaLnBrk="1" latinLnBrk="0" hangingPunct="1">
-              <a:defRPr sz="1653" kern="1200">
-                <a:solidFill>
-                  <a:schemeClr val="tx1"/>
-                </a:solidFill>
-                <a:latin typeface="+mn-lt"/>
-                <a:ea typeface="+mn-ea"/>
-                <a:cs typeface="+mn-cs"/>
-              </a:defRPr>
-            </a:lvl9pPr>
-          </a:lstStyle>
-          <a:p>
-            <a:pPr marL="285750" indent="-285750">
-              <a:lnSpc>
-                <a:spcPts val="2274"/>
-              </a:lnSpc>
-              <a:buFont typeface="Arial"/>
-              <a:buChar char="•"/>
-            </a:pPr>
-            <a:r>
-              <a:rPr lang="en-US" sz="1625" b="1" dirty="0">
-                <a:solidFill>
-                  <a:srgbClr val="5C378C"/>
-                </a:solidFill>
-                <a:ea typeface="Poppins Bold"/>
-                <a:cs typeface="Poppins Bold"/>
-                <a:sym typeface="Poppins Bold"/>
-              </a:rPr>
-              <a:t> </a:t>
-            </a:r>
-            <a:r>
-              <a:rPr lang="es-AR" sz="1625" b="1" dirty="0">
-                <a:solidFill>
-                  <a:srgbClr val="5C378C"/>
-                </a:solidFill>
-                <a:cs typeface="Poppins Bold"/>
-              </a:rPr>
-              <a:t>{{EXPERIENCIA_RESTO}}</a:t>
-            </a:r>
-            <a:endParaRPr lang="en-US" sz="1625" b="1" dirty="0">
-              <a:solidFill>
-                <a:srgbClr val="5C378C"/>
-              </a:solidFill>
-              <a:cs typeface="Poppins Bold"/>
             </a:endParaRPr>
           </a:p>
         </p:txBody>
@@ -6165,6 +5971,200 @@
           </p:txBody>
         </p:sp>
       </p:grpSp>
+      <p:sp>
+        <p:nvSpPr>
+          <p:cNvPr id="9" name="AutoShape 7">
+            <a:extLst>
+              <a:ext uri="{FF2B5EF4-FFF2-40B4-BE49-F238E27FC236}">
+                <a16:creationId xmlns:a16="http://schemas.microsoft.com/office/drawing/2014/main" id="{B1F4485B-5C08-6C0B-41A8-8A75A93563AF}"/>
+              </a:ext>
+            </a:extLst>
+          </p:cNvPr>
+          <p:cNvSpPr/>
+          <p:nvPr/>
+        </p:nvSpPr>
+        <p:spPr>
+          <a:xfrm>
+            <a:off x="3349881" y="2362200"/>
+            <a:ext cx="3514180" cy="0"/>
+          </a:xfrm>
+          <a:prstGeom prst="line">
+            <a:avLst/>
+          </a:prstGeom>
+          <a:ln w="19050" cap="flat">
+            <a:solidFill>
+              <a:srgbClr val="6C2C7E"/>
+            </a:solidFill>
+            <a:prstDash val="solid"/>
+            <a:headEnd type="none" w="sm" len="sm"/>
+            <a:tailEnd type="none" w="sm" len="sm"/>
+          </a:ln>
+        </p:spPr>
+        <p:txBody>
+          <a:bodyPr/>
+          <a:lstStyle/>
+          <a:p>
+            <a:endParaRPr lang="es-AR"/>
+          </a:p>
+        </p:txBody>
+      </p:sp>
+      <p:sp>
+        <p:nvSpPr>
+          <p:cNvPr id="10" name="TextBox 16">
+            <a:extLst>
+              <a:ext uri="{FF2B5EF4-FFF2-40B4-BE49-F238E27FC236}">
+                <a16:creationId xmlns:a16="http://schemas.microsoft.com/office/drawing/2014/main" id="{3441EE03-6B7C-5FFC-1EB4-82D525A75294}"/>
+              </a:ext>
+            </a:extLst>
+          </p:cNvPr>
+          <p:cNvSpPr txBox="1"/>
+          <p:nvPr/>
+        </p:nvSpPr>
+        <p:spPr>
+          <a:xfrm>
+            <a:off x="3519488" y="2692236"/>
+            <a:ext cx="2534539" cy="279564"/>
+          </a:xfrm>
+          <a:prstGeom prst="rect">
+            <a:avLst/>
+          </a:prstGeom>
+        </p:spPr>
+        <p:txBody>
+          <a:bodyPr wrap="square" lIns="0" tIns="0" rIns="0" bIns="0" rtlCol="0" anchor="t">
+            <a:spAutoFit/>
+          </a:bodyPr>
+          <a:lstStyle>
+            <a:defPPr>
+              <a:defRPr lang="en-US"/>
+            </a:defPPr>
+            <a:lvl1pPr marL="0" algn="l" defTabSz="839876" rtl="0" eaLnBrk="1" latinLnBrk="0" hangingPunct="1">
+              <a:defRPr sz="1653" kern="1200">
+                <a:solidFill>
+                  <a:schemeClr val="tx1"/>
+                </a:solidFill>
+                <a:latin typeface="+mn-lt"/>
+                <a:ea typeface="+mn-ea"/>
+                <a:cs typeface="+mn-cs"/>
+              </a:defRPr>
+            </a:lvl1pPr>
+            <a:lvl2pPr marL="419938" algn="l" defTabSz="839876" rtl="0" eaLnBrk="1" latinLnBrk="0" hangingPunct="1">
+              <a:defRPr sz="1653" kern="1200">
+                <a:solidFill>
+                  <a:schemeClr val="tx1"/>
+                </a:solidFill>
+                <a:latin typeface="+mn-lt"/>
+                <a:ea typeface="+mn-ea"/>
+                <a:cs typeface="+mn-cs"/>
+              </a:defRPr>
+            </a:lvl2pPr>
+            <a:lvl3pPr marL="839876" algn="l" defTabSz="839876" rtl="0" eaLnBrk="1" latinLnBrk="0" hangingPunct="1">
+              <a:defRPr sz="1653" kern="1200">
+                <a:solidFill>
+                  <a:schemeClr val="tx1"/>
+                </a:solidFill>
+                <a:latin typeface="+mn-lt"/>
+                <a:ea typeface="+mn-ea"/>
+                <a:cs typeface="+mn-cs"/>
+              </a:defRPr>
+            </a:lvl3pPr>
+            <a:lvl4pPr marL="1259815" algn="l" defTabSz="839876" rtl="0" eaLnBrk="1" latinLnBrk="0" hangingPunct="1">
+              <a:defRPr sz="1653" kern="1200">
+                <a:solidFill>
+                  <a:schemeClr val="tx1"/>
+                </a:solidFill>
+                <a:latin typeface="+mn-lt"/>
+                <a:ea typeface="+mn-ea"/>
+                <a:cs typeface="+mn-cs"/>
+              </a:defRPr>
+            </a:lvl4pPr>
+            <a:lvl5pPr marL="1679753" algn="l" defTabSz="839876" rtl="0" eaLnBrk="1" latinLnBrk="0" hangingPunct="1">
+              <a:defRPr sz="1653" kern="1200">
+                <a:solidFill>
+                  <a:schemeClr val="tx1"/>
+                </a:solidFill>
+                <a:latin typeface="+mn-lt"/>
+                <a:ea typeface="+mn-ea"/>
+                <a:cs typeface="+mn-cs"/>
+              </a:defRPr>
+            </a:lvl5pPr>
+            <a:lvl6pPr marL="2099691" algn="l" defTabSz="839876" rtl="0" eaLnBrk="1" latinLnBrk="0" hangingPunct="1">
+              <a:defRPr sz="1653" kern="1200">
+                <a:solidFill>
+                  <a:schemeClr val="tx1"/>
+                </a:solidFill>
+                <a:latin typeface="+mn-lt"/>
+                <a:ea typeface="+mn-ea"/>
+                <a:cs typeface="+mn-cs"/>
+              </a:defRPr>
+            </a:lvl6pPr>
+            <a:lvl7pPr marL="2519629" algn="l" defTabSz="839876" rtl="0" eaLnBrk="1" latinLnBrk="0" hangingPunct="1">
+              <a:defRPr sz="1653" kern="1200">
+                <a:solidFill>
+                  <a:schemeClr val="tx1"/>
+                </a:solidFill>
+                <a:latin typeface="+mn-lt"/>
+                <a:ea typeface="+mn-ea"/>
+                <a:cs typeface="+mn-cs"/>
+              </a:defRPr>
+            </a:lvl7pPr>
+            <a:lvl8pPr marL="2939567" algn="l" defTabSz="839876" rtl="0" eaLnBrk="1" latinLnBrk="0" hangingPunct="1">
+              <a:defRPr sz="1653" kern="1200">
+                <a:solidFill>
+                  <a:schemeClr val="tx1"/>
+                </a:solidFill>
+                <a:latin typeface="+mn-lt"/>
+                <a:ea typeface="+mn-ea"/>
+                <a:cs typeface="+mn-cs"/>
+              </a:defRPr>
+            </a:lvl8pPr>
+            <a:lvl9pPr marL="3359506" algn="l" defTabSz="839876" rtl="0" eaLnBrk="1" latinLnBrk="0" hangingPunct="1">
+              <a:defRPr sz="1653" kern="1200">
+                <a:solidFill>
+                  <a:schemeClr val="tx1"/>
+                </a:solidFill>
+                <a:latin typeface="+mn-lt"/>
+                <a:ea typeface="+mn-ea"/>
+                <a:cs typeface="+mn-cs"/>
+              </a:defRPr>
+            </a:lvl9pPr>
+          </a:lstStyle>
+          <a:p>
+            <a:pPr marL="285750" indent="-285750">
+              <a:lnSpc>
+                <a:spcPts val="2274"/>
+              </a:lnSpc>
+              <a:buFont typeface="Arial"/>
+              <a:buChar char="•"/>
+            </a:pPr>
+            <a:r>
+              <a:rPr lang="en-US" sz="1625" b="1" dirty="0">
+                <a:solidFill>
+                  <a:srgbClr val="5C378C"/>
+                </a:solidFill>
+                <a:ea typeface="Poppins Bold"/>
+                <a:cs typeface="Poppins Bold"/>
+                <a:sym typeface="Poppins Bold"/>
+              </a:rPr>
+              <a:t>  </a:t>
+            </a:r>
+            <a:r>
+              <a:rPr lang="es-AR" sz="1625" b="1" dirty="0">
+                <a:solidFill>
+                  <a:srgbClr val="5C378C"/>
+                </a:solidFill>
+                <a:cs typeface="Poppins Bold"/>
+              </a:rPr>
+              <a:t>{{EXPERIENCIA_RESTO}}</a:t>
+            </a:r>
+            <a:endParaRPr lang="en-US" sz="1625" b="1" dirty="0">
+              <a:solidFill>
+                <a:srgbClr val="5C378C"/>
+              </a:solidFill>
+              <a:cs typeface="Poppins Bold"/>
+            </a:endParaRPr>
+          </a:p>
+        </p:txBody>
+      </p:sp>
     </p:spTree>
     <p:extLst>
       <p:ext uri="{BB962C8B-B14F-4D97-AF65-F5344CB8AC3E}">

--- a/CV HORIZON-MODELO 2.pptx
+++ b/CV HORIZON-MODELO 2.pptx
@@ -3140,7 +3140,7 @@
             <a:bodyPr/>
             <a:lstStyle/>
             <a:p>
-              <a:endParaRPr lang="es-AR"/>
+              <a:endParaRPr lang="es-AR" dirty="0"/>
             </a:p>
           </p:txBody>
         </p:sp>
@@ -3275,7 +3275,7 @@
         </p:nvSpPr>
         <p:spPr>
           <a:xfrm>
-            <a:off x="3349881" y="2362200"/>
+            <a:off x="3349881" y="2286000"/>
             <a:ext cx="3514180" cy="0"/>
           </a:xfrm>
           <a:prstGeom prst="line">
@@ -3707,7 +3707,7 @@
         </p:nvSpPr>
         <p:spPr>
           <a:xfrm>
-            <a:off x="433007" y="2362200"/>
+            <a:off x="433007" y="2286000"/>
             <a:ext cx="2268949" cy="278666"/>
           </a:xfrm>
           <a:prstGeom prst="rect">
@@ -3849,7 +3849,7 @@
         </p:nvSpPr>
         <p:spPr>
           <a:xfrm>
-            <a:off x="433007" y="6805629"/>
+            <a:off x="433007" y="7112606"/>
             <a:ext cx="2005393" cy="278794"/>
           </a:xfrm>
           <a:prstGeom prst="rect">
@@ -4142,7 +4142,7 @@
         </p:nvSpPr>
         <p:spPr>
           <a:xfrm>
-            <a:off x="433007" y="4495800"/>
+            <a:off x="410245" y="4343400"/>
             <a:ext cx="2409155" cy="279564"/>
           </a:xfrm>
           <a:prstGeom prst="rect">
@@ -4284,7 +4284,7 @@
         </p:nvSpPr>
         <p:spPr>
           <a:xfrm>
-            <a:off x="433007" y="8656815"/>
+            <a:off x="433007" y="8712036"/>
             <a:ext cx="1820767" cy="279564"/>
           </a:xfrm>
           <a:prstGeom prst="rect">
